--- a/Presentation.pptx
+++ b/Presentation.pptx
@@ -9,15 +9,21 @@
     <p:sldId id="258" r:id="rId3"/>
     <p:sldId id="259" r:id="rId4"/>
     <p:sldId id="269" r:id="rId5"/>
-    <p:sldId id="260" r:id="rId6"/>
-    <p:sldId id="261" r:id="rId7"/>
-    <p:sldId id="262" r:id="rId8"/>
-    <p:sldId id="263" r:id="rId9"/>
-    <p:sldId id="264" r:id="rId10"/>
-    <p:sldId id="265" r:id="rId11"/>
-    <p:sldId id="266" r:id="rId12"/>
-    <p:sldId id="267" r:id="rId13"/>
-    <p:sldId id="268" r:id="rId14"/>
+    <p:sldId id="275" r:id="rId6"/>
+    <p:sldId id="260" r:id="rId7"/>
+    <p:sldId id="261" r:id="rId8"/>
+    <p:sldId id="262" r:id="rId9"/>
+    <p:sldId id="263" r:id="rId10"/>
+    <p:sldId id="264" r:id="rId11"/>
+    <p:sldId id="265" r:id="rId12"/>
+    <p:sldId id="266" r:id="rId13"/>
+    <p:sldId id="267" r:id="rId14"/>
+    <p:sldId id="268" r:id="rId15"/>
+    <p:sldId id="271" r:id="rId16"/>
+    <p:sldId id="273" r:id="rId17"/>
+    <p:sldId id="274" r:id="rId18"/>
+    <p:sldId id="270" r:id="rId19"/>
+    <p:sldId id="272" r:id="rId20"/>
   </p:sldIdLst>
   <p:sldSz cx="12192000" cy="6858000"/>
   <p:notesSz cx="6858000" cy="9144000"/>
@@ -133,6 +139,7 @@
         <p14:section name="Part 3" id="{758AD817-20FE-4062-ABF6-32E065852D18}">
           <p14:sldIdLst>
             <p14:sldId id="269"/>
+            <p14:sldId id="275"/>
             <p14:sldId id="260"/>
             <p14:sldId id="261"/>
             <p14:sldId id="262"/>
@@ -142,6 +149,11 @@
             <p14:sldId id="266"/>
             <p14:sldId id="267"/>
             <p14:sldId id="268"/>
+            <p14:sldId id="271"/>
+            <p14:sldId id="273"/>
+            <p14:sldId id="274"/>
+            <p14:sldId id="270"/>
+            <p14:sldId id="272"/>
           </p14:sldIdLst>
         </p14:section>
       </p14:sectionLst>
@@ -3210,12 +3222,12 @@
   </p:clrMapOvr>
   <mc:AlternateContent xmlns:mc="http://schemas.openxmlformats.org/markup-compatibility/2006" xmlns:p14="http://schemas.microsoft.com/office/powerpoint/2010/main">
     <mc:Choice Requires="p14">
-      <p:transition p14:dur="250">
+      <p:transition spd="med" p14:dur="700">
         <p:fade/>
       </p:transition>
     </mc:Choice>
     <mc:Fallback xmlns="">
-      <p:transition>
+      <p:transition spd="med">
         <p:fade/>
       </p:transition>
     </mc:Fallback>
@@ -3267,28 +3279,37 @@
                                   </p:childTnLst>
                                 </p:cTn>
                               </p:par>
+                            </p:childTnLst>
+                          </p:cTn>
+                        </p:par>
+                        <p:par>
+                          <p:cTn id="7" fill="hold">
+                            <p:stCondLst>
+                              <p:cond delay="100"/>
+                            </p:stCondLst>
+                            <p:childTnLst>
                               <p:par>
-                                <p:cTn id="7" presetID="1" presetClass="exit" presetSubtype="0" fill="hold" nodeType="withEffect">
+                                <p:cTn id="8" presetID="1" presetClass="entr" presetSubtype="0" fill="hold" nodeType="afterEffect">
                                   <p:stCondLst>
                                     <p:cond delay="100"/>
                                   </p:stCondLst>
                                   <p:childTnLst>
                                     <p:set>
                                       <p:cBhvr>
-                                        <p:cTn id="8" dur="1" fill="hold">
+                                        <p:cTn id="9" dur="1" fill="hold">
                                           <p:stCondLst>
                                             <p:cond delay="0"/>
                                           </p:stCondLst>
                                         </p:cTn>
                                         <p:tgtEl>
-                                          <p:spTgt spid="10"/>
+                                          <p:spTgt spid="14"/>
                                         </p:tgtEl>
                                         <p:attrNameLst>
                                           <p:attrName>style.visibility</p:attrName>
                                         </p:attrNameLst>
                                       </p:cBhvr>
                                       <p:to>
-                                        <p:strVal val="hidden"/>
+                                        <p:strVal val="visible"/>
                                       </p:to>
                                     </p:set>
                                   </p:childTnLst>
@@ -3298,26 +3319,26 @@
                           </p:cTn>
                         </p:par>
                         <p:par>
-                          <p:cTn id="9" fill="hold">
+                          <p:cTn id="10" fill="hold">
                             <p:stCondLst>
-                              <p:cond delay="100"/>
+                              <p:cond delay="200"/>
                             </p:stCondLst>
                             <p:childTnLst>
                               <p:par>
-                                <p:cTn id="10" presetID="1" presetClass="entr" presetSubtype="0" fill="hold" nodeType="afterEffect">
+                                <p:cTn id="11" presetID="1" presetClass="entr" presetSubtype="0" fill="hold" nodeType="afterEffect">
                                   <p:stCondLst>
                                     <p:cond delay="100"/>
                                   </p:stCondLst>
                                   <p:childTnLst>
                                     <p:set>
                                       <p:cBhvr>
-                                        <p:cTn id="11" dur="1" fill="hold">
+                                        <p:cTn id="12" dur="1" fill="hold">
                                           <p:stCondLst>
                                             <p:cond delay="0"/>
                                           </p:stCondLst>
                                         </p:cTn>
                                         <p:tgtEl>
-                                          <p:spTgt spid="14"/>
+                                          <p:spTgt spid="16"/>
                                         </p:tgtEl>
                                         <p:attrNameLst>
                                           <p:attrName>style.visibility</p:attrName>
@@ -3325,33 +3346,6 @@
                                       </p:cBhvr>
                                       <p:to>
                                         <p:strVal val="visible"/>
-                                      </p:to>
-                                    </p:set>
-                                  </p:childTnLst>
-                                </p:cTn>
-                              </p:par>
-                              <p:par>
-                                <p:cTn id="12" presetID="1" presetClass="exit" presetSubtype="0" fill="hold" nodeType="withEffect">
-                                  <p:stCondLst>
-                                    <p:cond delay="100"/>
-                                  </p:stCondLst>
-                                  <p:childTnLst>
-                                    <p:set>
-                                      <p:cBhvr>
-                                        <p:cTn id="13" dur="1" fill="hold">
-                                          <p:stCondLst>
-                                            <p:cond delay="0"/>
-                                          </p:stCondLst>
-                                        </p:cTn>
-                                        <p:tgtEl>
-                                          <p:spTgt spid="12"/>
-                                        </p:tgtEl>
-                                        <p:attrNameLst>
-                                          <p:attrName>style.visibility</p:attrName>
-                                        </p:attrNameLst>
-                                      </p:cBhvr>
-                                      <p:to>
-                                        <p:strVal val="hidden"/>
                                       </p:to>
                                     </p:set>
                                   </p:childTnLst>
@@ -3361,26 +3355,26 @@
                           </p:cTn>
                         </p:par>
                         <p:par>
-                          <p:cTn id="14" fill="hold">
+                          <p:cTn id="13" fill="hold">
                             <p:stCondLst>
-                              <p:cond delay="200"/>
+                              <p:cond delay="300"/>
                             </p:stCondLst>
                             <p:childTnLst>
                               <p:par>
-                                <p:cTn id="15" presetID="1" presetClass="entr" presetSubtype="0" fill="hold" nodeType="afterEffect">
+                                <p:cTn id="14" presetID="1" presetClass="entr" presetSubtype="0" fill="hold" nodeType="afterEffect">
                                   <p:stCondLst>
                                     <p:cond delay="100"/>
                                   </p:stCondLst>
                                   <p:childTnLst>
                                     <p:set>
                                       <p:cBhvr>
-                                        <p:cTn id="16" dur="1" fill="hold">
+                                        <p:cTn id="15" dur="1" fill="hold">
                                           <p:stCondLst>
                                             <p:cond delay="0"/>
                                           </p:stCondLst>
                                         </p:cTn>
                                         <p:tgtEl>
-                                          <p:spTgt spid="16"/>
+                                          <p:spTgt spid="18"/>
                                         </p:tgtEl>
                                         <p:attrNameLst>
                                           <p:attrName>style.visibility</p:attrName>
@@ -3388,33 +3382,6 @@
                                       </p:cBhvr>
                                       <p:to>
                                         <p:strVal val="visible"/>
-                                      </p:to>
-                                    </p:set>
-                                  </p:childTnLst>
-                                </p:cTn>
-                              </p:par>
-                              <p:par>
-                                <p:cTn id="17" presetID="1" presetClass="exit" presetSubtype="0" fill="hold" nodeType="withEffect">
-                                  <p:stCondLst>
-                                    <p:cond delay="100"/>
-                                  </p:stCondLst>
-                                  <p:childTnLst>
-                                    <p:set>
-                                      <p:cBhvr>
-                                        <p:cTn id="18" dur="1" fill="hold">
-                                          <p:stCondLst>
-                                            <p:cond delay="0"/>
-                                          </p:stCondLst>
-                                        </p:cTn>
-                                        <p:tgtEl>
-                                          <p:spTgt spid="14"/>
-                                        </p:tgtEl>
-                                        <p:attrNameLst>
-                                          <p:attrName>style.visibility</p:attrName>
-                                        </p:attrNameLst>
-                                      </p:cBhvr>
-                                      <p:to>
-                                        <p:strVal val="hidden"/>
                                       </p:to>
                                     </p:set>
                                   </p:childTnLst>
@@ -3424,26 +3391,26 @@
                           </p:cTn>
                         </p:par>
                         <p:par>
-                          <p:cTn id="19" fill="hold">
+                          <p:cTn id="16" fill="hold">
                             <p:stCondLst>
-                              <p:cond delay="300"/>
+                              <p:cond delay="400"/>
                             </p:stCondLst>
                             <p:childTnLst>
                               <p:par>
-                                <p:cTn id="20" presetID="1" presetClass="entr" presetSubtype="0" fill="hold" nodeType="afterEffect">
+                                <p:cTn id="17" presetID="1" presetClass="entr" presetSubtype="0" fill="hold" nodeType="afterEffect">
                                   <p:stCondLst>
                                     <p:cond delay="100"/>
                                   </p:stCondLst>
                                   <p:childTnLst>
                                     <p:set>
                                       <p:cBhvr>
-                                        <p:cTn id="21" dur="1" fill="hold">
+                                        <p:cTn id="18" dur="1" fill="hold">
                                           <p:stCondLst>
                                             <p:cond delay="0"/>
                                           </p:stCondLst>
                                         </p:cTn>
                                         <p:tgtEl>
-                                          <p:spTgt spid="18"/>
+                                          <p:spTgt spid="20"/>
                                         </p:tgtEl>
                                         <p:attrNameLst>
                                           <p:attrName>style.visibility</p:attrName>
@@ -3451,96 +3418,6 @@
                                       </p:cBhvr>
                                       <p:to>
                                         <p:strVal val="visible"/>
-                                      </p:to>
-                                    </p:set>
-                                  </p:childTnLst>
-                                </p:cTn>
-                              </p:par>
-                              <p:par>
-                                <p:cTn id="22" presetID="1" presetClass="exit" presetSubtype="0" fill="hold" nodeType="withEffect">
-                                  <p:stCondLst>
-                                    <p:cond delay="100"/>
-                                  </p:stCondLst>
-                                  <p:childTnLst>
-                                    <p:set>
-                                      <p:cBhvr>
-                                        <p:cTn id="23" dur="1" fill="hold">
-                                          <p:stCondLst>
-                                            <p:cond delay="0"/>
-                                          </p:stCondLst>
-                                        </p:cTn>
-                                        <p:tgtEl>
-                                          <p:spTgt spid="16"/>
-                                        </p:tgtEl>
-                                        <p:attrNameLst>
-                                          <p:attrName>style.visibility</p:attrName>
-                                        </p:attrNameLst>
-                                      </p:cBhvr>
-                                      <p:to>
-                                        <p:strVal val="hidden"/>
-                                      </p:to>
-                                    </p:set>
-                                  </p:childTnLst>
-                                </p:cTn>
-                              </p:par>
-                            </p:childTnLst>
-                          </p:cTn>
-                        </p:par>
-                        <p:par>
-                          <p:cTn id="24" fill="hold">
-                            <p:stCondLst>
-                              <p:cond delay="400"/>
-                            </p:stCondLst>
-                            <p:childTnLst>
-                              <p:par>
-                                <p:cTn id="25" presetID="1" presetClass="entr" presetSubtype="0" fill="hold" nodeType="afterEffect">
-                                  <p:stCondLst>
-                                    <p:cond delay="100"/>
-                                  </p:stCondLst>
-                                  <p:childTnLst>
-                                    <p:set>
-                                      <p:cBhvr>
-                                        <p:cTn id="26" dur="1" fill="hold">
-                                          <p:stCondLst>
-                                            <p:cond delay="0"/>
-                                          </p:stCondLst>
-                                        </p:cTn>
-                                        <p:tgtEl>
-                                          <p:spTgt spid="20"/>
-                                        </p:tgtEl>
-                                        <p:attrNameLst>
-                                          <p:attrName>style.visibility</p:attrName>
-                                        </p:attrNameLst>
-                                      </p:cBhvr>
-                                      <p:to>
-                                        <p:strVal val="visible"/>
-                                      </p:to>
-                                    </p:set>
-                                  </p:childTnLst>
-                                </p:cTn>
-                              </p:par>
-                              <p:par>
-                                <p:cTn id="27" presetID="1" presetClass="exit" presetSubtype="0" fill="hold" nodeType="withEffect">
-                                  <p:stCondLst>
-                                    <p:cond delay="100"/>
-                                  </p:stCondLst>
-                                  <p:childTnLst>
-                                    <p:set>
-                                      <p:cBhvr>
-                                        <p:cTn id="28" dur="1" fill="hold">
-                                          <p:stCondLst>
-                                            <p:cond delay="0"/>
-                                          </p:stCondLst>
-                                        </p:cTn>
-                                        <p:tgtEl>
-                                          <p:spTgt spid="18"/>
-                                        </p:tgtEl>
-                                        <p:attrNameLst>
-                                          <p:attrName>style.visibility</p:attrName>
-                                        </p:attrNameLst>
-                                      </p:cBhvr>
-                                      <p:to>
-                                        <p:strVal val="hidden"/>
                                       </p:to>
                                     </p:set>
                                   </p:childTnLst>
@@ -3665,6 +3542,116 @@
     </p:spTree>
     <p:extLst>
       <p:ext uri="{BB962C8B-B14F-4D97-AF65-F5344CB8AC3E}">
+        <p14:creationId xmlns:p14="http://schemas.microsoft.com/office/powerpoint/2010/main" val="3324432319"/>
+      </p:ext>
+    </p:extLst>
+  </p:cSld>
+  <p:clrMapOvr>
+    <a:masterClrMapping/>
+  </p:clrMapOvr>
+  <mc:AlternateContent xmlns:mc="http://schemas.openxmlformats.org/markup-compatibility/2006" xmlns:p14="http://schemas.microsoft.com/office/powerpoint/2010/main">
+    <mc:Choice Requires="p14">
+      <p:transition p14:dur="250">
+        <p:push/>
+      </p:transition>
+    </mc:Choice>
+    <mc:Fallback xmlns="">
+      <p:transition>
+        <p:push/>
+      </p:transition>
+    </mc:Fallback>
+  </mc:AlternateContent>
+</p:sld>
+</file>
+
+<file path=ppt/slides/slide11.xml><?xml version="1.0" encoding="utf-8"?>
+<p:sld xmlns:a="http://schemas.openxmlformats.org/drawingml/2006/main" xmlns:r="http://schemas.openxmlformats.org/officeDocument/2006/relationships" xmlns:p="http://schemas.openxmlformats.org/presentationml/2006/main">
+  <p:cSld>
+    <p:bg>
+      <p:bgPr>
+        <a:solidFill>
+          <a:srgbClr val="33429A"/>
+        </a:solidFill>
+        <a:effectLst/>
+      </p:bgPr>
+    </p:bg>
+    <p:spTree>
+      <p:nvGrpSpPr>
+        <p:cNvPr id="1" name=""/>
+        <p:cNvGrpSpPr/>
+        <p:nvPr/>
+      </p:nvGrpSpPr>
+      <p:grpSpPr>
+        <a:xfrm>
+          <a:off x="0" y="0"/>
+          <a:ext cx="0" cy="0"/>
+          <a:chOff x="0" y="0"/>
+          <a:chExt cx="0" cy="0"/>
+        </a:xfrm>
+      </p:grpSpPr>
+      <p:pic>
+        <p:nvPicPr>
+          <p:cNvPr id="25" name="Picture 24"/>
+          <p:cNvPicPr>
+            <a:picLocks noChangeAspect="1"/>
+          </p:cNvPicPr>
+          <p:nvPr/>
+        </p:nvPicPr>
+        <p:blipFill>
+          <a:blip r:embed="rId2">
+            <a:extLst>
+              <a:ext uri="{28A0092B-C50C-407E-A947-70E740481C1C}">
+                <a14:useLocalDpi xmlns:a14="http://schemas.microsoft.com/office/drawing/2010/main" val="0"/>
+              </a:ext>
+            </a:extLst>
+          </a:blip>
+          <a:stretch>
+            <a:fillRect/>
+          </a:stretch>
+        </p:blipFill>
+        <p:spPr>
+          <a:xfrm>
+            <a:off x="4705348" y="32955"/>
+            <a:ext cx="2781304" cy="1454664"/>
+          </a:xfrm>
+          <a:prstGeom prst="rect">
+            <a:avLst/>
+          </a:prstGeom>
+        </p:spPr>
+      </p:pic>
+      <p:pic>
+        <p:nvPicPr>
+          <p:cNvPr id="4" name="Picture 3"/>
+          <p:cNvPicPr>
+            <a:picLocks noChangeAspect="1"/>
+          </p:cNvPicPr>
+          <p:nvPr/>
+        </p:nvPicPr>
+        <p:blipFill>
+          <a:blip r:embed="rId3">
+            <a:extLst>
+              <a:ext uri="{28A0092B-C50C-407E-A947-70E740481C1C}">
+                <a14:useLocalDpi xmlns:a14="http://schemas.microsoft.com/office/drawing/2010/main" val="0"/>
+              </a:ext>
+            </a:extLst>
+          </a:blip>
+          <a:stretch>
+            <a:fillRect/>
+          </a:stretch>
+        </p:blipFill>
+        <p:spPr>
+          <a:xfrm>
+            <a:off x="558800" y="-1374588"/>
+            <a:ext cx="11074400" cy="14331576"/>
+          </a:xfrm>
+          <a:prstGeom prst="rect">
+            <a:avLst/>
+          </a:prstGeom>
+        </p:spPr>
+      </p:pic>
+    </p:spTree>
+    <p:extLst>
+      <p:ext uri="{BB962C8B-B14F-4D97-AF65-F5344CB8AC3E}">
         <p14:creationId xmlns:p14="http://schemas.microsoft.com/office/powerpoint/2010/main" val="583111460"/>
       </p:ext>
     </p:extLst>
@@ -3672,13 +3659,22 @@
   <p:clrMapOvr>
     <a:masterClrMapping/>
   </p:clrMapOvr>
-  <p:transition spd="slow">
-    <p:push/>
-  </p:transition>
+  <mc:AlternateContent xmlns:mc="http://schemas.openxmlformats.org/markup-compatibility/2006" xmlns:p14="http://schemas.microsoft.com/office/powerpoint/2010/main">
+    <mc:Choice Requires="p14">
+      <p:transition p14:dur="250">
+        <p:push/>
+      </p:transition>
+    </mc:Choice>
+    <mc:Fallback xmlns="">
+      <p:transition>
+        <p:push/>
+      </p:transition>
+    </mc:Fallback>
+  </mc:AlternateContent>
 </p:sld>
 </file>
 
-<file path=ppt/slides/slide11.xml><?xml version="1.0" encoding="utf-8"?>
+<file path=ppt/slides/slide12.xml><?xml version="1.0" encoding="utf-8"?>
 <p:sld xmlns:a="http://schemas.openxmlformats.org/drawingml/2006/main" xmlns:r="http://schemas.openxmlformats.org/officeDocument/2006/relationships" xmlns:p="http://schemas.openxmlformats.org/presentationml/2006/main">
   <p:cSld>
     <p:bg>
@@ -3855,13 +3851,22 @@
   <p:clrMapOvr>
     <a:masterClrMapping/>
   </p:clrMapOvr>
-  <p:transition spd="slow">
-    <p:push/>
-  </p:transition>
+  <mc:AlternateContent xmlns:mc="http://schemas.openxmlformats.org/markup-compatibility/2006" xmlns:p14="http://schemas.microsoft.com/office/powerpoint/2010/main">
+    <mc:Choice Requires="p14">
+      <p:transition p14:dur="250">
+        <p:push/>
+      </p:transition>
+    </mc:Choice>
+    <mc:Fallback xmlns="">
+      <p:transition>
+        <p:push/>
+      </p:transition>
+    </mc:Fallback>
+  </mc:AlternateContent>
 </p:sld>
 </file>
 
-<file path=ppt/slides/slide12.xml><?xml version="1.0" encoding="utf-8"?>
+<file path=ppt/slides/slide13.xml><?xml version="1.0" encoding="utf-8"?>
 <p:sld xmlns:a="http://schemas.openxmlformats.org/drawingml/2006/main" xmlns:r="http://schemas.openxmlformats.org/officeDocument/2006/relationships" xmlns:p="http://schemas.openxmlformats.org/presentationml/2006/main">
   <p:cSld>
     <p:bg>
@@ -3956,13 +3961,22 @@
   <p:clrMapOvr>
     <a:masterClrMapping/>
   </p:clrMapOvr>
-  <p:transition spd="slow">
-    <p:push/>
-  </p:transition>
+  <mc:AlternateContent xmlns:mc="http://schemas.openxmlformats.org/markup-compatibility/2006" xmlns:p14="http://schemas.microsoft.com/office/powerpoint/2010/main">
+    <mc:Choice Requires="p14">
+      <p:transition p14:dur="250">
+        <p:push/>
+      </p:transition>
+    </mc:Choice>
+    <mc:Fallback xmlns="">
+      <p:transition>
+        <p:push/>
+      </p:transition>
+    </mc:Fallback>
+  </mc:AlternateContent>
 </p:sld>
 </file>
 
-<file path=ppt/slides/slide13.xml><?xml version="1.0" encoding="utf-8"?>
+<file path=ppt/slides/slide14.xml><?xml version="1.0" encoding="utf-8"?>
 <p:sld xmlns:a="http://schemas.openxmlformats.org/drawingml/2006/main" xmlns:r="http://schemas.openxmlformats.org/officeDocument/2006/relationships" xmlns:p="http://schemas.openxmlformats.org/presentationml/2006/main">
   <p:cSld>
     <p:bg>
@@ -4208,9 +4222,1584 @@
   <p:clrMapOvr>
     <a:masterClrMapping/>
   </p:clrMapOvr>
-  <p:transition spd="slow">
-    <p:push/>
-  </p:transition>
+  <mc:AlternateContent xmlns:mc="http://schemas.openxmlformats.org/markup-compatibility/2006" xmlns:p14="http://schemas.microsoft.com/office/powerpoint/2010/main">
+    <mc:Choice Requires="p14">
+      <p:transition p14:dur="250">
+        <p:push/>
+      </p:transition>
+    </mc:Choice>
+    <mc:Fallback xmlns="">
+      <p:transition>
+        <p:push/>
+      </p:transition>
+    </mc:Fallback>
+  </mc:AlternateContent>
+</p:sld>
+</file>
+
+<file path=ppt/slides/slide15.xml><?xml version="1.0" encoding="utf-8"?>
+<p:sld xmlns:a="http://schemas.openxmlformats.org/drawingml/2006/main" xmlns:r="http://schemas.openxmlformats.org/officeDocument/2006/relationships" xmlns:p="http://schemas.openxmlformats.org/presentationml/2006/main">
+  <p:cSld>
+    <p:bg>
+      <p:bgPr>
+        <a:solidFill>
+          <a:srgbClr val="33429A"/>
+        </a:solidFill>
+        <a:effectLst/>
+      </p:bgPr>
+    </p:bg>
+    <p:spTree>
+      <p:nvGrpSpPr>
+        <p:cNvPr id="1" name=""/>
+        <p:cNvGrpSpPr/>
+        <p:nvPr/>
+      </p:nvGrpSpPr>
+      <p:grpSpPr>
+        <a:xfrm>
+          <a:off x="0" y="0"/>
+          <a:ext cx="0" cy="0"/>
+          <a:chOff x="0" y="0"/>
+          <a:chExt cx="0" cy="0"/>
+        </a:xfrm>
+      </p:grpSpPr>
+      <p:pic>
+        <p:nvPicPr>
+          <p:cNvPr id="25" name="Picture 24"/>
+          <p:cNvPicPr>
+            <a:picLocks noChangeAspect="1"/>
+          </p:cNvPicPr>
+          <p:nvPr/>
+        </p:nvPicPr>
+        <p:blipFill>
+          <a:blip r:embed="rId2">
+            <a:extLst>
+              <a:ext uri="{28A0092B-C50C-407E-A947-70E740481C1C}">
+                <a14:useLocalDpi xmlns:a14="http://schemas.microsoft.com/office/drawing/2010/main" val="0"/>
+              </a:ext>
+            </a:extLst>
+          </a:blip>
+          <a:stretch>
+            <a:fillRect/>
+          </a:stretch>
+        </p:blipFill>
+        <p:spPr>
+          <a:xfrm>
+            <a:off x="4705348" y="32955"/>
+            <a:ext cx="2781304" cy="1454664"/>
+          </a:xfrm>
+          <a:prstGeom prst="rect">
+            <a:avLst/>
+          </a:prstGeom>
+        </p:spPr>
+      </p:pic>
+      <p:pic>
+        <p:nvPicPr>
+          <p:cNvPr id="8" name="Picture 7"/>
+          <p:cNvPicPr>
+            <a:picLocks noChangeAspect="1"/>
+          </p:cNvPicPr>
+          <p:nvPr/>
+        </p:nvPicPr>
+        <p:blipFill>
+          <a:blip r:embed="rId3">
+            <a:extLst>
+              <a:ext uri="{28A0092B-C50C-407E-A947-70E740481C1C}">
+                <a14:useLocalDpi xmlns:a14="http://schemas.microsoft.com/office/drawing/2010/main" val="0"/>
+              </a:ext>
+            </a:extLst>
+          </a:blip>
+          <a:stretch>
+            <a:fillRect/>
+          </a:stretch>
+        </p:blipFill>
+        <p:spPr>
+          <a:xfrm>
+            <a:off x="1965951" y="1391026"/>
+            <a:ext cx="8260097" cy="5123698"/>
+          </a:xfrm>
+          <a:prstGeom prst="rect">
+            <a:avLst/>
+          </a:prstGeom>
+        </p:spPr>
+      </p:pic>
+    </p:spTree>
+    <p:extLst>
+      <p:ext uri="{BB962C8B-B14F-4D97-AF65-F5344CB8AC3E}">
+        <p14:creationId xmlns:p14="http://schemas.microsoft.com/office/powerpoint/2010/main" val="2538327180"/>
+      </p:ext>
+    </p:extLst>
+  </p:cSld>
+  <p:clrMapOvr>
+    <a:masterClrMapping/>
+  </p:clrMapOvr>
+  <mc:AlternateContent xmlns:mc="http://schemas.openxmlformats.org/markup-compatibility/2006" xmlns:p14="http://schemas.microsoft.com/office/powerpoint/2010/main">
+    <mc:Choice Requires="p14">
+      <p:transition spd="med" p14:dur="700">
+        <p:fade/>
+      </p:transition>
+    </mc:Choice>
+    <mc:Fallback xmlns="">
+      <p:transition spd="med">
+        <p:fade/>
+      </p:transition>
+    </mc:Fallback>
+  </mc:AlternateContent>
+</p:sld>
+</file>
+
+<file path=ppt/slides/slide16.xml><?xml version="1.0" encoding="utf-8"?>
+<p:sld xmlns:a="http://schemas.openxmlformats.org/drawingml/2006/main" xmlns:r="http://schemas.openxmlformats.org/officeDocument/2006/relationships" xmlns:p="http://schemas.openxmlformats.org/presentationml/2006/main">
+  <p:cSld>
+    <p:bg>
+      <p:bgPr>
+        <a:solidFill>
+          <a:srgbClr val="33429A"/>
+        </a:solidFill>
+        <a:effectLst/>
+      </p:bgPr>
+    </p:bg>
+    <p:spTree>
+      <p:nvGrpSpPr>
+        <p:cNvPr id="1" name=""/>
+        <p:cNvGrpSpPr/>
+        <p:nvPr/>
+      </p:nvGrpSpPr>
+      <p:grpSpPr>
+        <a:xfrm>
+          <a:off x="0" y="0"/>
+          <a:ext cx="0" cy="0"/>
+          <a:chOff x="0" y="0"/>
+          <a:chExt cx="0" cy="0"/>
+        </a:xfrm>
+      </p:grpSpPr>
+      <p:pic>
+        <p:nvPicPr>
+          <p:cNvPr id="25" name="Picture 24"/>
+          <p:cNvPicPr>
+            <a:picLocks noChangeAspect="1"/>
+          </p:cNvPicPr>
+          <p:nvPr/>
+        </p:nvPicPr>
+        <p:blipFill>
+          <a:blip r:embed="rId2">
+            <a:extLst>
+              <a:ext uri="{28A0092B-C50C-407E-A947-70E740481C1C}">
+                <a14:useLocalDpi xmlns:a14="http://schemas.microsoft.com/office/drawing/2010/main" val="0"/>
+              </a:ext>
+            </a:extLst>
+          </a:blip>
+          <a:stretch>
+            <a:fillRect/>
+          </a:stretch>
+        </p:blipFill>
+        <p:spPr>
+          <a:xfrm>
+            <a:off x="4705348" y="32955"/>
+            <a:ext cx="2781304" cy="1454664"/>
+          </a:xfrm>
+          <a:prstGeom prst="rect">
+            <a:avLst/>
+          </a:prstGeom>
+        </p:spPr>
+      </p:pic>
+      <p:pic>
+        <p:nvPicPr>
+          <p:cNvPr id="8" name="Picture 7"/>
+          <p:cNvPicPr>
+            <a:picLocks noChangeAspect="1"/>
+          </p:cNvPicPr>
+          <p:nvPr/>
+        </p:nvPicPr>
+        <p:blipFill rotWithShape="1">
+          <a:blip r:embed="rId3">
+            <a:extLst>
+              <a:ext uri="{28A0092B-C50C-407E-A947-70E740481C1C}">
+                <a14:useLocalDpi xmlns:a14="http://schemas.microsoft.com/office/drawing/2010/main" val="0"/>
+              </a:ext>
+            </a:extLst>
+          </a:blip>
+          <a:srcRect b="50929"/>
+          <a:stretch/>
+        </p:blipFill>
+        <p:spPr>
+          <a:xfrm>
+            <a:off x="1965951" y="1391026"/>
+            <a:ext cx="8260097" cy="2514224"/>
+          </a:xfrm>
+          <a:prstGeom prst="rect">
+            <a:avLst/>
+          </a:prstGeom>
+        </p:spPr>
+      </p:pic>
+      <p:sp>
+        <p:nvSpPr>
+          <p:cNvPr id="2" name="TextBox 1"/>
+          <p:cNvSpPr txBox="1"/>
+          <p:nvPr/>
+        </p:nvSpPr>
+        <p:spPr>
+          <a:xfrm>
+            <a:off x="3696546" y="4410075"/>
+            <a:ext cx="2017604" cy="1200329"/>
+          </a:xfrm>
+          <a:prstGeom prst="rect">
+            <a:avLst/>
+          </a:prstGeom>
+          <a:noFill/>
+        </p:spPr>
+        <p:txBody>
+          <a:bodyPr wrap="none" rtlCol="0">
+            <a:spAutoFit/>
+          </a:bodyPr>
+          <a:lstStyle/>
+          <a:p>
+            <a:r>
+              <a:rPr lang="en-CA" dirty="0">
+                <a:solidFill>
+                  <a:schemeClr val="bg1"/>
+                </a:solidFill>
+              </a:rPr>
+              <a:t>Workout of the Day</a:t>
+            </a:r>
+          </a:p>
+          <a:p>
+            <a:r>
+              <a:rPr lang="en-CA" dirty="0">
+                <a:solidFill>
+                  <a:schemeClr val="bg1"/>
+                </a:solidFill>
+              </a:rPr>
+              <a:t>User Profile</a:t>
+            </a:r>
+          </a:p>
+          <a:p>
+            <a:r>
+              <a:rPr lang="en-CA" dirty="0">
+                <a:solidFill>
+                  <a:schemeClr val="bg1"/>
+                </a:solidFill>
+              </a:rPr>
+              <a:t>Workout Summary</a:t>
+            </a:r>
+          </a:p>
+          <a:p>
+            <a:r>
+              <a:rPr lang="en-CA" dirty="0">
+                <a:solidFill>
+                  <a:schemeClr val="bg1"/>
+                </a:solidFill>
+              </a:rPr>
+              <a:t>Custom Exercises</a:t>
+            </a:r>
+          </a:p>
+        </p:txBody>
+      </p:sp>
+      <p:sp>
+        <p:nvSpPr>
+          <p:cNvPr id="5" name="TextBox 4"/>
+          <p:cNvSpPr txBox="1"/>
+          <p:nvPr/>
+        </p:nvSpPr>
+        <p:spPr>
+          <a:xfrm>
+            <a:off x="6373071" y="4410075"/>
+            <a:ext cx="2318327" cy="923330"/>
+          </a:xfrm>
+          <a:prstGeom prst="rect">
+            <a:avLst/>
+          </a:prstGeom>
+          <a:noFill/>
+        </p:spPr>
+        <p:txBody>
+          <a:bodyPr wrap="none" rtlCol="0">
+            <a:spAutoFit/>
+          </a:bodyPr>
+          <a:lstStyle/>
+          <a:p>
+            <a:r>
+              <a:rPr lang="en-CA" dirty="0">
+                <a:solidFill>
+                  <a:schemeClr val="bg1"/>
+                </a:solidFill>
+              </a:rPr>
+              <a:t>Sharing Workouts</a:t>
+            </a:r>
+          </a:p>
+          <a:p>
+            <a:r>
+              <a:rPr lang="en-CA" dirty="0">
+                <a:solidFill>
+                  <a:schemeClr val="bg1"/>
+                </a:solidFill>
+              </a:rPr>
+              <a:t>Challenge Your Friends</a:t>
+            </a:r>
+          </a:p>
+          <a:p>
+            <a:r>
+              <a:rPr lang="en-CA" dirty="0">
+                <a:solidFill>
+                  <a:schemeClr val="bg1"/>
+                </a:solidFill>
+              </a:rPr>
+              <a:t>Leaderboard</a:t>
+            </a:r>
+          </a:p>
+        </p:txBody>
+      </p:sp>
+    </p:spTree>
+    <p:extLst>
+      <p:ext uri="{BB962C8B-B14F-4D97-AF65-F5344CB8AC3E}">
+        <p14:creationId xmlns:p14="http://schemas.microsoft.com/office/powerpoint/2010/main" val="1075011092"/>
+      </p:ext>
+    </p:extLst>
+  </p:cSld>
+  <p:clrMapOvr>
+    <a:masterClrMapping/>
+  </p:clrMapOvr>
+  <mc:AlternateContent xmlns:mc="http://schemas.openxmlformats.org/markup-compatibility/2006" xmlns:p14="http://schemas.microsoft.com/office/powerpoint/2010/main">
+    <mc:Choice Requires="p14">
+      <p:transition spd="med" p14:dur="700">
+        <p:fade/>
+      </p:transition>
+    </mc:Choice>
+    <mc:Fallback xmlns="">
+      <p:transition spd="med">
+        <p:fade/>
+      </p:transition>
+    </mc:Fallback>
+  </mc:AlternateContent>
+  <p:timing>
+    <p:tnLst>
+      <p:par>
+        <p:cTn id="1" dur="indefinite" restart="never" nodeType="tmRoot">
+          <p:childTnLst>
+            <p:seq concurrent="1" nextAc="seek">
+              <p:cTn id="2" dur="indefinite" nodeType="mainSeq">
+                <p:childTnLst>
+                  <p:par>
+                    <p:cTn id="3" fill="hold">
+                      <p:stCondLst>
+                        <p:cond delay="indefinite"/>
+                      </p:stCondLst>
+                      <p:childTnLst>
+                        <p:par>
+                          <p:cTn id="4" fill="hold">
+                            <p:stCondLst>
+                              <p:cond delay="0"/>
+                            </p:stCondLst>
+                            <p:childTnLst>
+                              <p:par>
+                                <p:cTn id="5" presetID="10" presetClass="entr" presetSubtype="0" fill="hold" grpId="0" nodeType="clickEffect">
+                                  <p:stCondLst>
+                                    <p:cond delay="0"/>
+                                  </p:stCondLst>
+                                  <p:childTnLst>
+                                    <p:set>
+                                      <p:cBhvr>
+                                        <p:cTn id="6" dur="1" fill="hold">
+                                          <p:stCondLst>
+                                            <p:cond delay="0"/>
+                                          </p:stCondLst>
+                                        </p:cTn>
+                                        <p:tgtEl>
+                                          <p:spTgt spid="2">
+                                            <p:txEl>
+                                              <p:pRg st="0" end="0"/>
+                                            </p:txEl>
+                                          </p:spTgt>
+                                        </p:tgtEl>
+                                        <p:attrNameLst>
+                                          <p:attrName>style.visibility</p:attrName>
+                                        </p:attrNameLst>
+                                      </p:cBhvr>
+                                      <p:to>
+                                        <p:strVal val="visible"/>
+                                      </p:to>
+                                    </p:set>
+                                    <p:animEffect transition="in" filter="fade">
+                                      <p:cBhvr>
+                                        <p:cTn id="7" dur="250"/>
+                                        <p:tgtEl>
+                                          <p:spTgt spid="2">
+                                            <p:txEl>
+                                              <p:pRg st="0" end="0"/>
+                                            </p:txEl>
+                                          </p:spTgt>
+                                        </p:tgtEl>
+                                      </p:cBhvr>
+                                    </p:animEffect>
+                                  </p:childTnLst>
+                                </p:cTn>
+                              </p:par>
+                            </p:childTnLst>
+                          </p:cTn>
+                        </p:par>
+                        <p:par>
+                          <p:cTn id="8" fill="hold">
+                            <p:stCondLst>
+                              <p:cond delay="250"/>
+                            </p:stCondLst>
+                            <p:childTnLst>
+                              <p:par>
+                                <p:cTn id="9" presetID="10" presetClass="entr" presetSubtype="0" fill="hold" grpId="0" nodeType="afterEffect">
+                                  <p:stCondLst>
+                                    <p:cond delay="0"/>
+                                  </p:stCondLst>
+                                  <p:childTnLst>
+                                    <p:set>
+                                      <p:cBhvr>
+                                        <p:cTn id="10" dur="1" fill="hold">
+                                          <p:stCondLst>
+                                            <p:cond delay="0"/>
+                                          </p:stCondLst>
+                                        </p:cTn>
+                                        <p:tgtEl>
+                                          <p:spTgt spid="2">
+                                            <p:txEl>
+                                              <p:pRg st="1" end="1"/>
+                                            </p:txEl>
+                                          </p:spTgt>
+                                        </p:tgtEl>
+                                        <p:attrNameLst>
+                                          <p:attrName>style.visibility</p:attrName>
+                                        </p:attrNameLst>
+                                      </p:cBhvr>
+                                      <p:to>
+                                        <p:strVal val="visible"/>
+                                      </p:to>
+                                    </p:set>
+                                    <p:animEffect transition="in" filter="fade">
+                                      <p:cBhvr>
+                                        <p:cTn id="11" dur="250"/>
+                                        <p:tgtEl>
+                                          <p:spTgt spid="2">
+                                            <p:txEl>
+                                              <p:pRg st="1" end="1"/>
+                                            </p:txEl>
+                                          </p:spTgt>
+                                        </p:tgtEl>
+                                      </p:cBhvr>
+                                    </p:animEffect>
+                                  </p:childTnLst>
+                                </p:cTn>
+                              </p:par>
+                            </p:childTnLst>
+                          </p:cTn>
+                        </p:par>
+                        <p:par>
+                          <p:cTn id="12" fill="hold">
+                            <p:stCondLst>
+                              <p:cond delay="500"/>
+                            </p:stCondLst>
+                            <p:childTnLst>
+                              <p:par>
+                                <p:cTn id="13" presetID="10" presetClass="entr" presetSubtype="0" fill="hold" grpId="0" nodeType="afterEffect">
+                                  <p:stCondLst>
+                                    <p:cond delay="0"/>
+                                  </p:stCondLst>
+                                  <p:childTnLst>
+                                    <p:set>
+                                      <p:cBhvr>
+                                        <p:cTn id="14" dur="1" fill="hold">
+                                          <p:stCondLst>
+                                            <p:cond delay="0"/>
+                                          </p:stCondLst>
+                                        </p:cTn>
+                                        <p:tgtEl>
+                                          <p:spTgt spid="2">
+                                            <p:txEl>
+                                              <p:pRg st="2" end="2"/>
+                                            </p:txEl>
+                                          </p:spTgt>
+                                        </p:tgtEl>
+                                        <p:attrNameLst>
+                                          <p:attrName>style.visibility</p:attrName>
+                                        </p:attrNameLst>
+                                      </p:cBhvr>
+                                      <p:to>
+                                        <p:strVal val="visible"/>
+                                      </p:to>
+                                    </p:set>
+                                    <p:animEffect transition="in" filter="fade">
+                                      <p:cBhvr>
+                                        <p:cTn id="15" dur="250"/>
+                                        <p:tgtEl>
+                                          <p:spTgt spid="2">
+                                            <p:txEl>
+                                              <p:pRg st="2" end="2"/>
+                                            </p:txEl>
+                                          </p:spTgt>
+                                        </p:tgtEl>
+                                      </p:cBhvr>
+                                    </p:animEffect>
+                                  </p:childTnLst>
+                                </p:cTn>
+                              </p:par>
+                            </p:childTnLst>
+                          </p:cTn>
+                        </p:par>
+                        <p:par>
+                          <p:cTn id="16" fill="hold">
+                            <p:stCondLst>
+                              <p:cond delay="750"/>
+                            </p:stCondLst>
+                            <p:childTnLst>
+                              <p:par>
+                                <p:cTn id="17" presetID="10" presetClass="entr" presetSubtype="0" fill="hold" grpId="0" nodeType="afterEffect">
+                                  <p:stCondLst>
+                                    <p:cond delay="0"/>
+                                  </p:stCondLst>
+                                  <p:childTnLst>
+                                    <p:set>
+                                      <p:cBhvr>
+                                        <p:cTn id="18" dur="1" fill="hold">
+                                          <p:stCondLst>
+                                            <p:cond delay="0"/>
+                                          </p:stCondLst>
+                                        </p:cTn>
+                                        <p:tgtEl>
+                                          <p:spTgt spid="2">
+                                            <p:txEl>
+                                              <p:pRg st="3" end="3"/>
+                                            </p:txEl>
+                                          </p:spTgt>
+                                        </p:tgtEl>
+                                        <p:attrNameLst>
+                                          <p:attrName>style.visibility</p:attrName>
+                                        </p:attrNameLst>
+                                      </p:cBhvr>
+                                      <p:to>
+                                        <p:strVal val="visible"/>
+                                      </p:to>
+                                    </p:set>
+                                    <p:animEffect transition="in" filter="fade">
+                                      <p:cBhvr>
+                                        <p:cTn id="19" dur="250"/>
+                                        <p:tgtEl>
+                                          <p:spTgt spid="2">
+                                            <p:txEl>
+                                              <p:pRg st="3" end="3"/>
+                                            </p:txEl>
+                                          </p:spTgt>
+                                        </p:tgtEl>
+                                      </p:cBhvr>
+                                    </p:animEffect>
+                                  </p:childTnLst>
+                                </p:cTn>
+                              </p:par>
+                            </p:childTnLst>
+                          </p:cTn>
+                        </p:par>
+                        <p:par>
+                          <p:cTn id="20" fill="hold">
+                            <p:stCondLst>
+                              <p:cond delay="1000"/>
+                            </p:stCondLst>
+                            <p:childTnLst>
+                              <p:par>
+                                <p:cTn id="21" presetID="10" presetClass="entr" presetSubtype="0" fill="hold" grpId="0" nodeType="afterEffect">
+                                  <p:stCondLst>
+                                    <p:cond delay="0"/>
+                                  </p:stCondLst>
+                                  <p:childTnLst>
+                                    <p:set>
+                                      <p:cBhvr>
+                                        <p:cTn id="22" dur="1" fill="hold">
+                                          <p:stCondLst>
+                                            <p:cond delay="0"/>
+                                          </p:stCondLst>
+                                        </p:cTn>
+                                        <p:tgtEl>
+                                          <p:spTgt spid="5">
+                                            <p:txEl>
+                                              <p:pRg st="0" end="0"/>
+                                            </p:txEl>
+                                          </p:spTgt>
+                                        </p:tgtEl>
+                                        <p:attrNameLst>
+                                          <p:attrName>style.visibility</p:attrName>
+                                        </p:attrNameLst>
+                                      </p:cBhvr>
+                                      <p:to>
+                                        <p:strVal val="visible"/>
+                                      </p:to>
+                                    </p:set>
+                                    <p:animEffect transition="in" filter="fade">
+                                      <p:cBhvr>
+                                        <p:cTn id="23" dur="250"/>
+                                        <p:tgtEl>
+                                          <p:spTgt spid="5">
+                                            <p:txEl>
+                                              <p:pRg st="0" end="0"/>
+                                            </p:txEl>
+                                          </p:spTgt>
+                                        </p:tgtEl>
+                                      </p:cBhvr>
+                                    </p:animEffect>
+                                  </p:childTnLst>
+                                </p:cTn>
+                              </p:par>
+                            </p:childTnLst>
+                          </p:cTn>
+                        </p:par>
+                        <p:par>
+                          <p:cTn id="24" fill="hold">
+                            <p:stCondLst>
+                              <p:cond delay="1250"/>
+                            </p:stCondLst>
+                            <p:childTnLst>
+                              <p:par>
+                                <p:cTn id="25" presetID="10" presetClass="entr" presetSubtype="0" fill="hold" grpId="0" nodeType="afterEffect">
+                                  <p:stCondLst>
+                                    <p:cond delay="0"/>
+                                  </p:stCondLst>
+                                  <p:childTnLst>
+                                    <p:set>
+                                      <p:cBhvr>
+                                        <p:cTn id="26" dur="1" fill="hold">
+                                          <p:stCondLst>
+                                            <p:cond delay="0"/>
+                                          </p:stCondLst>
+                                        </p:cTn>
+                                        <p:tgtEl>
+                                          <p:spTgt spid="5">
+                                            <p:txEl>
+                                              <p:pRg st="1" end="1"/>
+                                            </p:txEl>
+                                          </p:spTgt>
+                                        </p:tgtEl>
+                                        <p:attrNameLst>
+                                          <p:attrName>style.visibility</p:attrName>
+                                        </p:attrNameLst>
+                                      </p:cBhvr>
+                                      <p:to>
+                                        <p:strVal val="visible"/>
+                                      </p:to>
+                                    </p:set>
+                                    <p:animEffect transition="in" filter="fade">
+                                      <p:cBhvr>
+                                        <p:cTn id="27" dur="250"/>
+                                        <p:tgtEl>
+                                          <p:spTgt spid="5">
+                                            <p:txEl>
+                                              <p:pRg st="1" end="1"/>
+                                            </p:txEl>
+                                          </p:spTgt>
+                                        </p:tgtEl>
+                                      </p:cBhvr>
+                                    </p:animEffect>
+                                  </p:childTnLst>
+                                </p:cTn>
+                              </p:par>
+                            </p:childTnLst>
+                          </p:cTn>
+                        </p:par>
+                        <p:par>
+                          <p:cTn id="28" fill="hold">
+                            <p:stCondLst>
+                              <p:cond delay="1500"/>
+                            </p:stCondLst>
+                            <p:childTnLst>
+                              <p:par>
+                                <p:cTn id="29" presetID="10" presetClass="entr" presetSubtype="0" fill="hold" grpId="0" nodeType="afterEffect">
+                                  <p:stCondLst>
+                                    <p:cond delay="0"/>
+                                  </p:stCondLst>
+                                  <p:childTnLst>
+                                    <p:set>
+                                      <p:cBhvr>
+                                        <p:cTn id="30" dur="1" fill="hold">
+                                          <p:stCondLst>
+                                            <p:cond delay="0"/>
+                                          </p:stCondLst>
+                                        </p:cTn>
+                                        <p:tgtEl>
+                                          <p:spTgt spid="5">
+                                            <p:txEl>
+                                              <p:pRg st="2" end="2"/>
+                                            </p:txEl>
+                                          </p:spTgt>
+                                        </p:tgtEl>
+                                        <p:attrNameLst>
+                                          <p:attrName>style.visibility</p:attrName>
+                                        </p:attrNameLst>
+                                      </p:cBhvr>
+                                      <p:to>
+                                        <p:strVal val="visible"/>
+                                      </p:to>
+                                    </p:set>
+                                    <p:animEffect transition="in" filter="fade">
+                                      <p:cBhvr>
+                                        <p:cTn id="31" dur="250"/>
+                                        <p:tgtEl>
+                                          <p:spTgt spid="5">
+                                            <p:txEl>
+                                              <p:pRg st="2" end="2"/>
+                                            </p:txEl>
+                                          </p:spTgt>
+                                        </p:tgtEl>
+                                      </p:cBhvr>
+                                    </p:animEffect>
+                                  </p:childTnLst>
+                                </p:cTn>
+                              </p:par>
+                            </p:childTnLst>
+                          </p:cTn>
+                        </p:par>
+                      </p:childTnLst>
+                    </p:cTn>
+                  </p:par>
+                </p:childTnLst>
+              </p:cTn>
+              <p:prevCondLst>
+                <p:cond evt="onPrev" delay="0">
+                  <p:tgtEl>
+                    <p:sldTgt/>
+                  </p:tgtEl>
+                </p:cond>
+              </p:prevCondLst>
+              <p:nextCondLst>
+                <p:cond evt="onNext" delay="0">
+                  <p:tgtEl>
+                    <p:sldTgt/>
+                  </p:tgtEl>
+                </p:cond>
+              </p:nextCondLst>
+            </p:seq>
+          </p:childTnLst>
+        </p:cTn>
+      </p:par>
+    </p:tnLst>
+    <p:bldLst>
+      <p:bldP spid="2" grpId="0" uiExpand="1" build="p"/>
+      <p:bldP spid="5" grpId="0" uiExpand="1" build="p"/>
+    </p:bldLst>
+  </p:timing>
+</p:sld>
+</file>
+
+<file path=ppt/slides/slide17.xml><?xml version="1.0" encoding="utf-8"?>
+<p:sld xmlns:a="http://schemas.openxmlformats.org/drawingml/2006/main" xmlns:r="http://schemas.openxmlformats.org/officeDocument/2006/relationships" xmlns:p="http://schemas.openxmlformats.org/presentationml/2006/main">
+  <p:cSld>
+    <p:bg>
+      <p:bgPr>
+        <a:solidFill>
+          <a:srgbClr val="33429A"/>
+        </a:solidFill>
+        <a:effectLst/>
+      </p:bgPr>
+    </p:bg>
+    <p:spTree>
+      <p:nvGrpSpPr>
+        <p:cNvPr id="1" name=""/>
+        <p:cNvGrpSpPr/>
+        <p:nvPr/>
+      </p:nvGrpSpPr>
+      <p:grpSpPr>
+        <a:xfrm>
+          <a:off x="0" y="0"/>
+          <a:ext cx="0" cy="0"/>
+          <a:chOff x="0" y="0"/>
+          <a:chExt cx="0" cy="0"/>
+        </a:xfrm>
+      </p:grpSpPr>
+      <p:pic>
+        <p:nvPicPr>
+          <p:cNvPr id="25" name="Picture 24"/>
+          <p:cNvPicPr>
+            <a:picLocks noChangeAspect="1"/>
+          </p:cNvPicPr>
+          <p:nvPr/>
+        </p:nvPicPr>
+        <p:blipFill>
+          <a:blip r:embed="rId2">
+            <a:extLst>
+              <a:ext uri="{28A0092B-C50C-407E-A947-70E740481C1C}">
+                <a14:useLocalDpi xmlns:a14="http://schemas.microsoft.com/office/drawing/2010/main" val="0"/>
+              </a:ext>
+            </a:extLst>
+          </a:blip>
+          <a:stretch>
+            <a:fillRect/>
+          </a:stretch>
+        </p:blipFill>
+        <p:spPr>
+          <a:xfrm>
+            <a:off x="4705348" y="32955"/>
+            <a:ext cx="2781304" cy="1454664"/>
+          </a:xfrm>
+          <a:prstGeom prst="rect">
+            <a:avLst/>
+          </a:prstGeom>
+        </p:spPr>
+      </p:pic>
+      <p:pic>
+        <p:nvPicPr>
+          <p:cNvPr id="8" name="Picture 7"/>
+          <p:cNvPicPr>
+            <a:picLocks noChangeAspect="1"/>
+          </p:cNvPicPr>
+          <p:nvPr/>
+        </p:nvPicPr>
+        <p:blipFill rotWithShape="1">
+          <a:blip r:embed="rId3">
+            <a:extLst>
+              <a:ext uri="{28A0092B-C50C-407E-A947-70E740481C1C}">
+                <a14:useLocalDpi xmlns:a14="http://schemas.microsoft.com/office/drawing/2010/main" val="0"/>
+              </a:ext>
+            </a:extLst>
+          </a:blip>
+          <a:srcRect t="27101" b="21929"/>
+          <a:stretch/>
+        </p:blipFill>
+        <p:spPr>
+          <a:xfrm>
+            <a:off x="1965951" y="1363794"/>
+            <a:ext cx="8260097" cy="2611570"/>
+          </a:xfrm>
+          <a:prstGeom prst="rect">
+            <a:avLst/>
+          </a:prstGeom>
+        </p:spPr>
+      </p:pic>
+      <p:sp>
+        <p:nvSpPr>
+          <p:cNvPr id="4" name="TextBox 3"/>
+          <p:cNvSpPr txBox="1"/>
+          <p:nvPr/>
+        </p:nvSpPr>
+        <p:spPr>
+          <a:xfrm>
+            <a:off x="3696546" y="4410075"/>
+            <a:ext cx="1855188" cy="369332"/>
+          </a:xfrm>
+          <a:prstGeom prst="rect">
+            <a:avLst/>
+          </a:prstGeom>
+          <a:noFill/>
+        </p:spPr>
+        <p:txBody>
+          <a:bodyPr wrap="none" rtlCol="0">
+            <a:spAutoFit/>
+          </a:bodyPr>
+          <a:lstStyle/>
+          <a:p>
+            <a:r>
+              <a:rPr lang="en-CA" dirty="0">
+                <a:solidFill>
+                  <a:schemeClr val="bg1"/>
+                </a:solidFill>
+              </a:rPr>
+              <a:t>Custom Workouts</a:t>
+            </a:r>
+          </a:p>
+        </p:txBody>
+      </p:sp>
+    </p:spTree>
+    <p:extLst>
+      <p:ext uri="{BB962C8B-B14F-4D97-AF65-F5344CB8AC3E}">
+        <p14:creationId xmlns:p14="http://schemas.microsoft.com/office/powerpoint/2010/main" val="2456816608"/>
+      </p:ext>
+    </p:extLst>
+  </p:cSld>
+  <p:clrMapOvr>
+    <a:masterClrMapping/>
+  </p:clrMapOvr>
+  <mc:AlternateContent xmlns:mc="http://schemas.openxmlformats.org/markup-compatibility/2006" xmlns:p14="http://schemas.microsoft.com/office/powerpoint/2010/main">
+    <mc:Choice Requires="p14">
+      <p:transition spd="med" p14:dur="700">
+        <p:fade/>
+      </p:transition>
+    </mc:Choice>
+    <mc:Fallback xmlns="">
+      <p:transition spd="med">
+        <p:fade/>
+      </p:transition>
+    </mc:Fallback>
+  </mc:AlternateContent>
+  <p:timing>
+    <p:tnLst>
+      <p:par>
+        <p:cTn id="1" dur="indefinite" restart="never" nodeType="tmRoot">
+          <p:childTnLst>
+            <p:seq concurrent="1" nextAc="seek">
+              <p:cTn id="2" dur="indefinite" nodeType="mainSeq">
+                <p:childTnLst>
+                  <p:par>
+                    <p:cTn id="3" fill="hold">
+                      <p:stCondLst>
+                        <p:cond delay="indefinite"/>
+                      </p:stCondLst>
+                      <p:childTnLst>
+                        <p:par>
+                          <p:cTn id="4" fill="hold">
+                            <p:stCondLst>
+                              <p:cond delay="0"/>
+                            </p:stCondLst>
+                            <p:childTnLst>
+                              <p:par>
+                                <p:cTn id="5" presetID="10" presetClass="entr" presetSubtype="0" fill="hold" grpId="0" nodeType="clickEffect">
+                                  <p:stCondLst>
+                                    <p:cond delay="0"/>
+                                  </p:stCondLst>
+                                  <p:childTnLst>
+                                    <p:set>
+                                      <p:cBhvr>
+                                        <p:cTn id="6" dur="1" fill="hold">
+                                          <p:stCondLst>
+                                            <p:cond delay="0"/>
+                                          </p:stCondLst>
+                                        </p:cTn>
+                                        <p:tgtEl>
+                                          <p:spTgt spid="4">
+                                            <p:txEl>
+                                              <p:pRg st="0" end="0"/>
+                                            </p:txEl>
+                                          </p:spTgt>
+                                        </p:tgtEl>
+                                        <p:attrNameLst>
+                                          <p:attrName>style.visibility</p:attrName>
+                                        </p:attrNameLst>
+                                      </p:cBhvr>
+                                      <p:to>
+                                        <p:strVal val="visible"/>
+                                      </p:to>
+                                    </p:set>
+                                    <p:animEffect transition="in" filter="fade">
+                                      <p:cBhvr>
+                                        <p:cTn id="7" dur="250"/>
+                                        <p:tgtEl>
+                                          <p:spTgt spid="4">
+                                            <p:txEl>
+                                              <p:pRg st="0" end="0"/>
+                                            </p:txEl>
+                                          </p:spTgt>
+                                        </p:tgtEl>
+                                      </p:cBhvr>
+                                    </p:animEffect>
+                                  </p:childTnLst>
+                                </p:cTn>
+                              </p:par>
+                            </p:childTnLst>
+                          </p:cTn>
+                        </p:par>
+                      </p:childTnLst>
+                    </p:cTn>
+                  </p:par>
+                </p:childTnLst>
+              </p:cTn>
+              <p:prevCondLst>
+                <p:cond evt="onPrev" delay="0">
+                  <p:tgtEl>
+                    <p:sldTgt/>
+                  </p:tgtEl>
+                </p:cond>
+              </p:prevCondLst>
+              <p:nextCondLst>
+                <p:cond evt="onNext" delay="0">
+                  <p:tgtEl>
+                    <p:sldTgt/>
+                  </p:tgtEl>
+                </p:cond>
+              </p:nextCondLst>
+            </p:seq>
+          </p:childTnLst>
+        </p:cTn>
+      </p:par>
+    </p:tnLst>
+    <p:bldLst>
+      <p:bldP spid="4" grpId="0" uiExpand="1" build="p"/>
+    </p:bldLst>
+  </p:timing>
+</p:sld>
+</file>
+
+<file path=ppt/slides/slide18.xml><?xml version="1.0" encoding="utf-8"?>
+<p:sld xmlns:a="http://schemas.openxmlformats.org/drawingml/2006/main" xmlns:r="http://schemas.openxmlformats.org/officeDocument/2006/relationships" xmlns:p="http://schemas.openxmlformats.org/presentationml/2006/main">
+  <p:cSld>
+    <p:bg>
+      <p:bgPr>
+        <a:solidFill>
+          <a:srgbClr val="33429A"/>
+        </a:solidFill>
+        <a:effectLst/>
+      </p:bgPr>
+    </p:bg>
+    <p:spTree>
+      <p:nvGrpSpPr>
+        <p:cNvPr id="1" name=""/>
+        <p:cNvGrpSpPr/>
+        <p:nvPr/>
+      </p:nvGrpSpPr>
+      <p:grpSpPr>
+        <a:xfrm>
+          <a:off x="0" y="0"/>
+          <a:ext cx="0" cy="0"/>
+          <a:chOff x="0" y="0"/>
+          <a:chExt cx="0" cy="0"/>
+        </a:xfrm>
+      </p:grpSpPr>
+      <p:pic>
+        <p:nvPicPr>
+          <p:cNvPr id="25" name="Picture 24"/>
+          <p:cNvPicPr>
+            <a:picLocks noChangeAspect="1"/>
+          </p:cNvPicPr>
+          <p:nvPr/>
+        </p:nvPicPr>
+        <p:blipFill>
+          <a:blip r:embed="rId2">
+            <a:extLst>
+              <a:ext uri="{28A0092B-C50C-407E-A947-70E740481C1C}">
+                <a14:useLocalDpi xmlns:a14="http://schemas.microsoft.com/office/drawing/2010/main" val="0"/>
+              </a:ext>
+            </a:extLst>
+          </a:blip>
+          <a:stretch>
+            <a:fillRect/>
+          </a:stretch>
+        </p:blipFill>
+        <p:spPr>
+          <a:xfrm>
+            <a:off x="4705348" y="32955"/>
+            <a:ext cx="2781304" cy="1454664"/>
+          </a:xfrm>
+          <a:prstGeom prst="rect">
+            <a:avLst/>
+          </a:prstGeom>
+        </p:spPr>
+      </p:pic>
+      <p:pic>
+        <p:nvPicPr>
+          <p:cNvPr id="9" name="Picture 8"/>
+          <p:cNvPicPr>
+            <a:picLocks noChangeAspect="1"/>
+          </p:cNvPicPr>
+          <p:nvPr/>
+        </p:nvPicPr>
+        <p:blipFill>
+          <a:blip r:embed="rId3">
+            <a:extLst>
+              <a:ext uri="{28A0092B-C50C-407E-A947-70E740481C1C}">
+                <a14:useLocalDpi xmlns:a14="http://schemas.microsoft.com/office/drawing/2010/main" val="0"/>
+              </a:ext>
+            </a:extLst>
+          </a:blip>
+          <a:stretch>
+            <a:fillRect/>
+          </a:stretch>
+        </p:blipFill>
+        <p:spPr>
+          <a:xfrm>
+            <a:off x="3467099" y="1881187"/>
+            <a:ext cx="6048375" cy="3095625"/>
+          </a:xfrm>
+          <a:prstGeom prst="rect">
+            <a:avLst/>
+          </a:prstGeom>
+        </p:spPr>
+      </p:pic>
+    </p:spTree>
+    <p:extLst>
+      <p:ext uri="{BB962C8B-B14F-4D97-AF65-F5344CB8AC3E}">
+        <p14:creationId xmlns:p14="http://schemas.microsoft.com/office/powerpoint/2010/main" val="2039834103"/>
+      </p:ext>
+    </p:extLst>
+  </p:cSld>
+  <p:clrMapOvr>
+    <a:masterClrMapping/>
+  </p:clrMapOvr>
+  <mc:AlternateContent xmlns:mc="http://schemas.openxmlformats.org/markup-compatibility/2006" xmlns:p14="http://schemas.microsoft.com/office/powerpoint/2010/main">
+    <mc:Choice Requires="p14">
+      <p:transition spd="med" p14:dur="700">
+        <p:fade/>
+      </p:transition>
+    </mc:Choice>
+    <mc:Fallback xmlns="">
+      <p:transition spd="med">
+        <p:fade/>
+      </p:transition>
+    </mc:Fallback>
+  </mc:AlternateContent>
+</p:sld>
+</file>
+
+<file path=ppt/slides/slide19.xml><?xml version="1.0" encoding="utf-8"?>
+<p:sld xmlns:a="http://schemas.openxmlformats.org/drawingml/2006/main" xmlns:r="http://schemas.openxmlformats.org/officeDocument/2006/relationships" xmlns:p="http://schemas.openxmlformats.org/presentationml/2006/main">
+  <p:cSld>
+    <p:bg>
+      <p:bgPr>
+        <a:solidFill>
+          <a:srgbClr val="33429A"/>
+        </a:solidFill>
+        <a:effectLst/>
+      </p:bgPr>
+    </p:bg>
+    <p:spTree>
+      <p:nvGrpSpPr>
+        <p:cNvPr id="1" name=""/>
+        <p:cNvGrpSpPr/>
+        <p:nvPr/>
+      </p:nvGrpSpPr>
+      <p:grpSpPr>
+        <a:xfrm>
+          <a:off x="0" y="0"/>
+          <a:ext cx="0" cy="0"/>
+          <a:chOff x="0" y="0"/>
+          <a:chExt cx="0" cy="0"/>
+        </a:xfrm>
+      </p:grpSpPr>
+      <p:pic>
+        <p:nvPicPr>
+          <p:cNvPr id="25" name="Picture 24"/>
+          <p:cNvPicPr>
+            <a:picLocks noChangeAspect="1"/>
+          </p:cNvPicPr>
+          <p:nvPr/>
+        </p:nvPicPr>
+        <p:blipFill>
+          <a:blip r:embed="rId2">
+            <a:extLst>
+              <a:ext uri="{28A0092B-C50C-407E-A947-70E740481C1C}">
+                <a14:useLocalDpi xmlns:a14="http://schemas.microsoft.com/office/drawing/2010/main" val="0"/>
+              </a:ext>
+            </a:extLst>
+          </a:blip>
+          <a:stretch>
+            <a:fillRect/>
+          </a:stretch>
+        </p:blipFill>
+        <p:spPr>
+          <a:xfrm>
+            <a:off x="4705348" y="32955"/>
+            <a:ext cx="2781304" cy="1454664"/>
+          </a:xfrm>
+          <a:prstGeom prst="rect">
+            <a:avLst/>
+          </a:prstGeom>
+        </p:spPr>
+      </p:pic>
+      <p:pic>
+        <p:nvPicPr>
+          <p:cNvPr id="9" name="Picture 8"/>
+          <p:cNvPicPr>
+            <a:picLocks noChangeAspect="1"/>
+          </p:cNvPicPr>
+          <p:nvPr/>
+        </p:nvPicPr>
+        <p:blipFill>
+          <a:blip r:embed="rId3">
+            <a:extLst>
+              <a:ext uri="{28A0092B-C50C-407E-A947-70E740481C1C}">
+                <a14:useLocalDpi xmlns:a14="http://schemas.microsoft.com/office/drawing/2010/main" val="0"/>
+              </a:ext>
+            </a:extLst>
+          </a:blip>
+          <a:stretch>
+            <a:fillRect/>
+          </a:stretch>
+        </p:blipFill>
+        <p:spPr>
+          <a:xfrm>
+            <a:off x="3467099" y="1881187"/>
+            <a:ext cx="6048375" cy="3095625"/>
+          </a:xfrm>
+          <a:prstGeom prst="rect">
+            <a:avLst/>
+          </a:prstGeom>
+        </p:spPr>
+      </p:pic>
+      <p:pic>
+        <p:nvPicPr>
+          <p:cNvPr id="12" name="Picture 11"/>
+          <p:cNvPicPr>
+            <a:picLocks noChangeAspect="1"/>
+          </p:cNvPicPr>
+          <p:nvPr/>
+        </p:nvPicPr>
+        <p:blipFill>
+          <a:blip r:embed="rId4">
+            <a:extLst>
+              <a:ext uri="{28A0092B-C50C-407E-A947-70E740481C1C}">
+                <a14:useLocalDpi xmlns:a14="http://schemas.microsoft.com/office/drawing/2010/main" val="0"/>
+              </a:ext>
+            </a:extLst>
+          </a:blip>
+          <a:stretch>
+            <a:fillRect/>
+          </a:stretch>
+        </p:blipFill>
+        <p:spPr>
+          <a:xfrm>
+            <a:off x="3467099" y="1881187"/>
+            <a:ext cx="6048375" cy="3095625"/>
+          </a:xfrm>
+          <a:prstGeom prst="rect">
+            <a:avLst/>
+          </a:prstGeom>
+        </p:spPr>
+      </p:pic>
+      <p:pic>
+        <p:nvPicPr>
+          <p:cNvPr id="14" name="Picture 13"/>
+          <p:cNvPicPr>
+            <a:picLocks noChangeAspect="1"/>
+          </p:cNvPicPr>
+          <p:nvPr/>
+        </p:nvPicPr>
+        <p:blipFill>
+          <a:blip r:embed="rId5">
+            <a:extLst>
+              <a:ext uri="{28A0092B-C50C-407E-A947-70E740481C1C}">
+                <a14:useLocalDpi xmlns:a14="http://schemas.microsoft.com/office/drawing/2010/main" val="0"/>
+              </a:ext>
+            </a:extLst>
+          </a:blip>
+          <a:stretch>
+            <a:fillRect/>
+          </a:stretch>
+        </p:blipFill>
+        <p:spPr>
+          <a:xfrm>
+            <a:off x="3467099" y="1881187"/>
+            <a:ext cx="6048375" cy="3095625"/>
+          </a:xfrm>
+          <a:prstGeom prst="rect">
+            <a:avLst/>
+          </a:prstGeom>
+        </p:spPr>
+      </p:pic>
+      <p:pic>
+        <p:nvPicPr>
+          <p:cNvPr id="16" name="Picture 15"/>
+          <p:cNvPicPr>
+            <a:picLocks noChangeAspect="1"/>
+          </p:cNvPicPr>
+          <p:nvPr/>
+        </p:nvPicPr>
+        <p:blipFill>
+          <a:blip r:embed="rId6">
+            <a:extLst>
+              <a:ext uri="{28A0092B-C50C-407E-A947-70E740481C1C}">
+                <a14:useLocalDpi xmlns:a14="http://schemas.microsoft.com/office/drawing/2010/main" val="0"/>
+              </a:ext>
+            </a:extLst>
+          </a:blip>
+          <a:stretch>
+            <a:fillRect/>
+          </a:stretch>
+        </p:blipFill>
+        <p:spPr>
+          <a:xfrm>
+            <a:off x="3467099" y="1881187"/>
+            <a:ext cx="6048375" cy="3095625"/>
+          </a:xfrm>
+          <a:prstGeom prst="rect">
+            <a:avLst/>
+          </a:prstGeom>
+        </p:spPr>
+      </p:pic>
+      <p:pic>
+        <p:nvPicPr>
+          <p:cNvPr id="18" name="Picture 17"/>
+          <p:cNvPicPr>
+            <a:picLocks noChangeAspect="1"/>
+          </p:cNvPicPr>
+          <p:nvPr/>
+        </p:nvPicPr>
+        <p:blipFill>
+          <a:blip r:embed="rId7">
+            <a:extLst>
+              <a:ext uri="{28A0092B-C50C-407E-A947-70E740481C1C}">
+                <a14:useLocalDpi xmlns:a14="http://schemas.microsoft.com/office/drawing/2010/main" val="0"/>
+              </a:ext>
+            </a:extLst>
+          </a:blip>
+          <a:stretch>
+            <a:fillRect/>
+          </a:stretch>
+        </p:blipFill>
+        <p:spPr>
+          <a:xfrm>
+            <a:off x="3467099" y="1881187"/>
+            <a:ext cx="6048375" cy="3095625"/>
+          </a:xfrm>
+          <a:prstGeom prst="rect">
+            <a:avLst/>
+          </a:prstGeom>
+        </p:spPr>
+      </p:pic>
+      <p:pic>
+        <p:nvPicPr>
+          <p:cNvPr id="20" name="Picture 19"/>
+          <p:cNvPicPr>
+            <a:picLocks noChangeAspect="1"/>
+          </p:cNvPicPr>
+          <p:nvPr/>
+        </p:nvPicPr>
+        <p:blipFill>
+          <a:blip r:embed="rId8">
+            <a:extLst>
+              <a:ext uri="{28A0092B-C50C-407E-A947-70E740481C1C}">
+                <a14:useLocalDpi xmlns:a14="http://schemas.microsoft.com/office/drawing/2010/main" val="0"/>
+              </a:ext>
+            </a:extLst>
+          </a:blip>
+          <a:stretch>
+            <a:fillRect/>
+          </a:stretch>
+        </p:blipFill>
+        <p:spPr>
+          <a:xfrm>
+            <a:off x="3467099" y="1881187"/>
+            <a:ext cx="6048375" cy="3095625"/>
+          </a:xfrm>
+          <a:prstGeom prst="rect">
+            <a:avLst/>
+          </a:prstGeom>
+        </p:spPr>
+      </p:pic>
+    </p:spTree>
+    <p:extLst>
+      <p:ext uri="{BB962C8B-B14F-4D97-AF65-F5344CB8AC3E}">
+        <p14:creationId xmlns:p14="http://schemas.microsoft.com/office/powerpoint/2010/main" val="1469835429"/>
+      </p:ext>
+    </p:extLst>
+  </p:cSld>
+  <p:clrMapOvr>
+    <a:masterClrMapping/>
+  </p:clrMapOvr>
+  <mc:AlternateContent xmlns:mc="http://schemas.openxmlformats.org/markup-compatibility/2006" xmlns:p14="http://schemas.microsoft.com/office/powerpoint/2010/main">
+    <mc:Choice Requires="p14">
+      <p:transition p14:dur="0" advClick="0" advTm="600"/>
+    </mc:Choice>
+    <mc:Fallback xmlns="">
+      <p:transition advClick="0" advTm="600"/>
+    </mc:Fallback>
+  </mc:AlternateContent>
+  <p:timing>
+    <p:tnLst>
+      <p:par>
+        <p:cTn id="1" dur="indefinite" restart="never" nodeType="tmRoot">
+          <p:childTnLst>
+            <p:seq concurrent="1" nextAc="seek">
+              <p:cTn id="2" dur="indefinite" nodeType="mainSeq">
+                <p:childTnLst>
+                  <p:par>
+                    <p:cTn id="3" fill="hold">
+                      <p:stCondLst>
+                        <p:cond delay="indefinite"/>
+                        <p:cond evt="onBegin" delay="0">
+                          <p:tn val="2"/>
+                        </p:cond>
+                      </p:stCondLst>
+                      <p:childTnLst>
+                        <p:par>
+                          <p:cTn id="4" fill="hold">
+                            <p:stCondLst>
+                              <p:cond delay="0"/>
+                            </p:stCondLst>
+                            <p:childTnLst>
+                              <p:par>
+                                <p:cTn id="5" presetID="1" presetClass="entr" presetSubtype="0" fill="hold" nodeType="afterEffect">
+                                  <p:stCondLst>
+                                    <p:cond delay="0"/>
+                                  </p:stCondLst>
+                                  <p:childTnLst>
+                                    <p:set>
+                                      <p:cBhvr>
+                                        <p:cTn id="6" dur="1" fill="hold">
+                                          <p:stCondLst>
+                                            <p:cond delay="0"/>
+                                          </p:stCondLst>
+                                        </p:cTn>
+                                        <p:tgtEl>
+                                          <p:spTgt spid="12"/>
+                                        </p:tgtEl>
+                                        <p:attrNameLst>
+                                          <p:attrName>style.visibility</p:attrName>
+                                        </p:attrNameLst>
+                                      </p:cBhvr>
+                                      <p:to>
+                                        <p:strVal val="visible"/>
+                                      </p:to>
+                                    </p:set>
+                                  </p:childTnLst>
+                                </p:cTn>
+                              </p:par>
+                            </p:childTnLst>
+                          </p:cTn>
+                        </p:par>
+                        <p:par>
+                          <p:cTn id="7" fill="hold">
+                            <p:stCondLst>
+                              <p:cond delay="0"/>
+                            </p:stCondLst>
+                            <p:childTnLst>
+                              <p:par>
+                                <p:cTn id="8" presetID="1" presetClass="entr" presetSubtype="0" fill="hold" nodeType="afterEffect">
+                                  <p:stCondLst>
+                                    <p:cond delay="100"/>
+                                  </p:stCondLst>
+                                  <p:childTnLst>
+                                    <p:set>
+                                      <p:cBhvr>
+                                        <p:cTn id="9" dur="1" fill="hold">
+                                          <p:stCondLst>
+                                            <p:cond delay="0"/>
+                                          </p:stCondLst>
+                                        </p:cTn>
+                                        <p:tgtEl>
+                                          <p:spTgt spid="14"/>
+                                        </p:tgtEl>
+                                        <p:attrNameLst>
+                                          <p:attrName>style.visibility</p:attrName>
+                                        </p:attrNameLst>
+                                      </p:cBhvr>
+                                      <p:to>
+                                        <p:strVal val="visible"/>
+                                      </p:to>
+                                    </p:set>
+                                  </p:childTnLst>
+                                </p:cTn>
+                              </p:par>
+                            </p:childTnLst>
+                          </p:cTn>
+                        </p:par>
+                        <p:par>
+                          <p:cTn id="10" fill="hold">
+                            <p:stCondLst>
+                              <p:cond delay="100"/>
+                            </p:stCondLst>
+                            <p:childTnLst>
+                              <p:par>
+                                <p:cTn id="11" presetID="1" presetClass="entr" presetSubtype="0" fill="hold" nodeType="afterEffect">
+                                  <p:stCondLst>
+                                    <p:cond delay="100"/>
+                                  </p:stCondLst>
+                                  <p:childTnLst>
+                                    <p:set>
+                                      <p:cBhvr>
+                                        <p:cTn id="12" dur="1" fill="hold">
+                                          <p:stCondLst>
+                                            <p:cond delay="0"/>
+                                          </p:stCondLst>
+                                        </p:cTn>
+                                        <p:tgtEl>
+                                          <p:spTgt spid="16"/>
+                                        </p:tgtEl>
+                                        <p:attrNameLst>
+                                          <p:attrName>style.visibility</p:attrName>
+                                        </p:attrNameLst>
+                                      </p:cBhvr>
+                                      <p:to>
+                                        <p:strVal val="visible"/>
+                                      </p:to>
+                                    </p:set>
+                                  </p:childTnLst>
+                                </p:cTn>
+                              </p:par>
+                            </p:childTnLst>
+                          </p:cTn>
+                        </p:par>
+                        <p:par>
+                          <p:cTn id="13" fill="hold">
+                            <p:stCondLst>
+                              <p:cond delay="200"/>
+                            </p:stCondLst>
+                            <p:childTnLst>
+                              <p:par>
+                                <p:cTn id="14" presetID="1" presetClass="entr" presetSubtype="0" fill="hold" nodeType="afterEffect">
+                                  <p:stCondLst>
+                                    <p:cond delay="100"/>
+                                  </p:stCondLst>
+                                  <p:childTnLst>
+                                    <p:set>
+                                      <p:cBhvr>
+                                        <p:cTn id="15" dur="1" fill="hold">
+                                          <p:stCondLst>
+                                            <p:cond delay="0"/>
+                                          </p:stCondLst>
+                                        </p:cTn>
+                                        <p:tgtEl>
+                                          <p:spTgt spid="18"/>
+                                        </p:tgtEl>
+                                        <p:attrNameLst>
+                                          <p:attrName>style.visibility</p:attrName>
+                                        </p:attrNameLst>
+                                      </p:cBhvr>
+                                      <p:to>
+                                        <p:strVal val="visible"/>
+                                      </p:to>
+                                    </p:set>
+                                  </p:childTnLst>
+                                </p:cTn>
+                              </p:par>
+                            </p:childTnLst>
+                          </p:cTn>
+                        </p:par>
+                        <p:par>
+                          <p:cTn id="16" fill="hold">
+                            <p:stCondLst>
+                              <p:cond delay="300"/>
+                            </p:stCondLst>
+                            <p:childTnLst>
+                              <p:par>
+                                <p:cTn id="17" presetID="1" presetClass="entr" presetSubtype="0" fill="hold" nodeType="afterEffect">
+                                  <p:stCondLst>
+                                    <p:cond delay="100"/>
+                                  </p:stCondLst>
+                                  <p:childTnLst>
+                                    <p:set>
+                                      <p:cBhvr>
+                                        <p:cTn id="18" dur="1" fill="hold">
+                                          <p:stCondLst>
+                                            <p:cond delay="0"/>
+                                          </p:stCondLst>
+                                        </p:cTn>
+                                        <p:tgtEl>
+                                          <p:spTgt spid="20"/>
+                                        </p:tgtEl>
+                                        <p:attrNameLst>
+                                          <p:attrName>style.visibility</p:attrName>
+                                        </p:attrNameLst>
+                                      </p:cBhvr>
+                                      <p:to>
+                                        <p:strVal val="visible"/>
+                                      </p:to>
+                                    </p:set>
+                                  </p:childTnLst>
+                                </p:cTn>
+                              </p:par>
+                            </p:childTnLst>
+                          </p:cTn>
+                        </p:par>
+                      </p:childTnLst>
+                    </p:cTn>
+                  </p:par>
+                </p:childTnLst>
+              </p:cTn>
+              <p:prevCondLst>
+                <p:cond evt="onPrev" delay="0">
+                  <p:tgtEl>
+                    <p:sldTgt/>
+                  </p:tgtEl>
+                </p:cond>
+              </p:prevCondLst>
+              <p:nextCondLst>
+                <p:cond evt="onNext" delay="0">
+                  <p:tgtEl>
+                    <p:sldTgt/>
+                  </p:tgtEl>
+                </p:cond>
+              </p:nextCondLst>
+            </p:seq>
+          </p:childTnLst>
+        </p:cTn>
+      </p:par>
+    </p:tnLst>
+  </p:timing>
 </p:sld>
 </file>
 
@@ -4601,12 +6190,12 @@
   </p:clrMapOvr>
   <mc:AlternateContent xmlns:mc="http://schemas.openxmlformats.org/markup-compatibility/2006" xmlns:p14="http://schemas.microsoft.com/office/powerpoint/2010/main">
     <mc:Choice Requires="p14">
-      <p:transition spd="med" p14:dur="700">
+      <p:transition p14:dur="50">
         <p:fade/>
       </p:transition>
     </mc:Choice>
     <mc:Fallback xmlns="">
-      <p:transition spd="med">
+      <p:transition>
         <p:fade/>
       </p:transition>
     </mc:Fallback>
@@ -5140,6 +6729,36 @@
           <a:xfrm>
             <a:off x="4705348" y="32955"/>
             <a:ext cx="2781304" cy="1454664"/>
+          </a:xfrm>
+          <a:prstGeom prst="rect">
+            <a:avLst/>
+          </a:prstGeom>
+        </p:spPr>
+      </p:pic>
+      <p:pic>
+        <p:nvPicPr>
+          <p:cNvPr id="4" name="Picture 3"/>
+          <p:cNvPicPr>
+            <a:picLocks noChangeAspect="1"/>
+          </p:cNvPicPr>
+          <p:nvPr/>
+        </p:nvPicPr>
+        <p:blipFill>
+          <a:blip r:embed="rId3">
+            <a:extLst>
+              <a:ext uri="{28A0092B-C50C-407E-A947-70E740481C1C}">
+                <a14:useLocalDpi xmlns:a14="http://schemas.microsoft.com/office/drawing/2010/main" val="0"/>
+              </a:ext>
+            </a:extLst>
+          </a:blip>
+          <a:stretch>
+            <a:fillRect/>
+          </a:stretch>
+        </p:blipFill>
+        <p:spPr>
+          <a:xfrm>
+            <a:off x="5962649" y="3295649"/>
+            <a:ext cx="266702" cy="266702"/>
           </a:xfrm>
           <a:prstGeom prst="rect">
             <a:avLst/>
@@ -5335,6 +6954,3799 @@
           </a:prstGeom>
         </p:spPr>
       </p:pic>
+      <p:sp>
+        <p:nvSpPr>
+          <p:cNvPr id="2" name="TextBox 1"/>
+          <p:cNvSpPr txBox="1"/>
+          <p:nvPr/>
+        </p:nvSpPr>
+        <p:spPr>
+          <a:xfrm>
+            <a:off x="3767142" y="1497442"/>
+            <a:ext cx="938206" cy="369332"/>
+          </a:xfrm>
+          <a:prstGeom prst="rect">
+            <a:avLst/>
+          </a:prstGeom>
+          <a:noFill/>
+          <a:ln>
+            <a:solidFill>
+              <a:schemeClr val="bg1"/>
+            </a:solidFill>
+          </a:ln>
+        </p:spPr>
+        <p:txBody>
+          <a:bodyPr wrap="none" rtlCol="0">
+            <a:spAutoFit/>
+          </a:bodyPr>
+          <a:lstStyle/>
+          <a:p>
+            <a:r>
+              <a:rPr lang="en-US" dirty="0">
+                <a:solidFill>
+                  <a:schemeClr val="bg1"/>
+                </a:solidFill>
+              </a:rPr>
+              <a:t>Exercise</a:t>
+            </a:r>
+            <a:endParaRPr lang="en-CA" dirty="0">
+              <a:solidFill>
+                <a:schemeClr val="bg1"/>
+              </a:solidFill>
+            </a:endParaRPr>
+          </a:p>
+        </p:txBody>
+      </p:sp>
+      <p:sp>
+        <p:nvSpPr>
+          <p:cNvPr id="5" name="TextBox 4"/>
+          <p:cNvSpPr txBox="1"/>
+          <p:nvPr/>
+        </p:nvSpPr>
+        <p:spPr>
+          <a:xfrm>
+            <a:off x="7486652" y="1487619"/>
+            <a:ext cx="999184" cy="369332"/>
+          </a:xfrm>
+          <a:prstGeom prst="rect">
+            <a:avLst/>
+          </a:prstGeom>
+          <a:noFill/>
+          <a:ln>
+            <a:solidFill>
+              <a:schemeClr val="bg1"/>
+            </a:solidFill>
+          </a:ln>
+        </p:spPr>
+        <p:txBody>
+          <a:bodyPr wrap="none" rtlCol="0">
+            <a:spAutoFit/>
+          </a:bodyPr>
+          <a:lstStyle/>
+          <a:p>
+            <a:r>
+              <a:rPr lang="en-US" dirty="0">
+                <a:solidFill>
+                  <a:schemeClr val="bg1"/>
+                </a:solidFill>
+              </a:rPr>
+              <a:t>Workout</a:t>
+            </a:r>
+            <a:endParaRPr lang="en-CA" dirty="0">
+              <a:solidFill>
+                <a:schemeClr val="bg1"/>
+              </a:solidFill>
+            </a:endParaRPr>
+          </a:p>
+        </p:txBody>
+      </p:sp>
+      <p:sp>
+        <p:nvSpPr>
+          <p:cNvPr id="6" name="TextBox 5"/>
+          <p:cNvSpPr txBox="1"/>
+          <p:nvPr/>
+        </p:nvSpPr>
+        <p:spPr>
+          <a:xfrm>
+            <a:off x="3448561" y="2268818"/>
+            <a:ext cx="1575368" cy="369332"/>
+          </a:xfrm>
+          <a:prstGeom prst="rect">
+            <a:avLst/>
+          </a:prstGeom>
+          <a:noFill/>
+          <a:ln>
+            <a:solidFill>
+              <a:schemeClr val="bg1"/>
+            </a:solidFill>
+          </a:ln>
+        </p:spPr>
+        <p:txBody>
+          <a:bodyPr wrap="none" rtlCol="0">
+            <a:spAutoFit/>
+          </a:bodyPr>
+          <a:lstStyle/>
+          <a:p>
+            <a:r>
+              <a:rPr lang="en-US" dirty="0" err="1">
+                <a:solidFill>
+                  <a:schemeClr val="bg1"/>
+                </a:solidFill>
+              </a:rPr>
+              <a:t>ExerciseDetails</a:t>
+            </a:r>
+            <a:endParaRPr lang="en-CA" dirty="0">
+              <a:solidFill>
+                <a:schemeClr val="bg1"/>
+              </a:solidFill>
+            </a:endParaRPr>
+          </a:p>
+        </p:txBody>
+      </p:sp>
+      <p:sp>
+        <p:nvSpPr>
+          <p:cNvPr id="7" name="TextBox 6"/>
+          <p:cNvSpPr txBox="1"/>
+          <p:nvPr/>
+        </p:nvSpPr>
+        <p:spPr>
+          <a:xfrm>
+            <a:off x="3359883" y="3040194"/>
+            <a:ext cx="1752724" cy="369332"/>
+          </a:xfrm>
+          <a:prstGeom prst="rect">
+            <a:avLst/>
+          </a:prstGeom>
+          <a:noFill/>
+          <a:ln>
+            <a:solidFill>
+              <a:schemeClr val="bg1"/>
+            </a:solidFill>
+          </a:ln>
+        </p:spPr>
+        <p:txBody>
+          <a:bodyPr wrap="none" rtlCol="0">
+            <a:spAutoFit/>
+          </a:bodyPr>
+          <a:lstStyle/>
+          <a:p>
+            <a:r>
+              <a:rPr lang="en-US" dirty="0" err="1">
+                <a:solidFill>
+                  <a:schemeClr val="bg1"/>
+                </a:solidFill>
+              </a:rPr>
+              <a:t>WorkoutExercise</a:t>
+            </a:r>
+            <a:endParaRPr lang="en-CA" dirty="0">
+              <a:solidFill>
+                <a:schemeClr val="bg1"/>
+              </a:solidFill>
+            </a:endParaRPr>
+          </a:p>
+        </p:txBody>
+      </p:sp>
+      <p:sp>
+        <p:nvSpPr>
+          <p:cNvPr id="8" name="TextBox 7"/>
+          <p:cNvSpPr txBox="1"/>
+          <p:nvPr/>
+        </p:nvSpPr>
+        <p:spPr>
+          <a:xfrm>
+            <a:off x="7137999" y="2268818"/>
+            <a:ext cx="1696490" cy="369332"/>
+          </a:xfrm>
+          <a:prstGeom prst="rect">
+            <a:avLst/>
+          </a:prstGeom>
+          <a:noFill/>
+          <a:ln>
+            <a:solidFill>
+              <a:schemeClr val="bg1"/>
+            </a:solidFill>
+          </a:ln>
+        </p:spPr>
+        <p:txBody>
+          <a:bodyPr wrap="none" rtlCol="0">
+            <a:spAutoFit/>
+          </a:bodyPr>
+          <a:lstStyle/>
+          <a:p>
+            <a:r>
+              <a:rPr lang="en-US" dirty="0" err="1">
+                <a:solidFill>
+                  <a:schemeClr val="bg1"/>
+                </a:solidFill>
+              </a:rPr>
+              <a:t>WorkoutSession</a:t>
+            </a:r>
+            <a:endParaRPr lang="en-CA" dirty="0">
+              <a:solidFill>
+                <a:schemeClr val="bg1"/>
+              </a:solidFill>
+            </a:endParaRPr>
+          </a:p>
+        </p:txBody>
+      </p:sp>
+      <p:sp>
+        <p:nvSpPr>
+          <p:cNvPr id="9" name="TextBox 8"/>
+          <p:cNvSpPr txBox="1"/>
+          <p:nvPr/>
+        </p:nvSpPr>
+        <p:spPr>
+          <a:xfrm>
+            <a:off x="7161811" y="3050017"/>
+            <a:ext cx="1636345" cy="369332"/>
+          </a:xfrm>
+          <a:prstGeom prst="rect">
+            <a:avLst/>
+          </a:prstGeom>
+          <a:noFill/>
+          <a:ln>
+            <a:solidFill>
+              <a:schemeClr val="bg1"/>
+            </a:solidFill>
+          </a:ln>
+        </p:spPr>
+        <p:txBody>
+          <a:bodyPr wrap="none" rtlCol="0">
+            <a:spAutoFit/>
+          </a:bodyPr>
+          <a:lstStyle/>
+          <a:p>
+            <a:r>
+              <a:rPr lang="en-US" dirty="0" err="1">
+                <a:solidFill>
+                  <a:schemeClr val="bg1"/>
+                </a:solidFill>
+              </a:rPr>
+              <a:t>WorkoutDetails</a:t>
+            </a:r>
+            <a:endParaRPr lang="en-CA" dirty="0">
+              <a:solidFill>
+                <a:schemeClr val="bg1"/>
+              </a:solidFill>
+            </a:endParaRPr>
+          </a:p>
+        </p:txBody>
+      </p:sp>
+      <p:cxnSp>
+        <p:nvCxnSpPr>
+          <p:cNvPr id="10" name="Straight Connector 9"/>
+          <p:cNvCxnSpPr>
+            <a:stCxn id="6" idx="1"/>
+            <a:endCxn id="6" idx="3"/>
+          </p:cNvCxnSpPr>
+          <p:nvPr/>
+        </p:nvCxnSpPr>
+        <p:spPr>
+          <a:xfrm>
+            <a:off x="3448561" y="2453484"/>
+            <a:ext cx="1575368" cy="0"/>
+          </a:xfrm>
+          <a:prstGeom prst="line">
+            <a:avLst/>
+          </a:prstGeom>
+          <a:ln w="28575">
+            <a:solidFill>
+              <a:schemeClr val="bg1"/>
+            </a:solidFill>
+          </a:ln>
+        </p:spPr>
+        <p:style>
+          <a:lnRef idx="1">
+            <a:schemeClr val="accent1"/>
+          </a:lnRef>
+          <a:fillRef idx="0">
+            <a:schemeClr val="accent1"/>
+          </a:fillRef>
+          <a:effectRef idx="0">
+            <a:schemeClr val="accent1"/>
+          </a:effectRef>
+          <a:fontRef idx="minor">
+            <a:schemeClr val="tx1"/>
+          </a:fontRef>
+        </p:style>
+      </p:cxnSp>
+      <p:cxnSp>
+        <p:nvCxnSpPr>
+          <p:cNvPr id="12" name="Straight Connector 11"/>
+          <p:cNvCxnSpPr>
+            <a:endCxn id="8" idx="3"/>
+          </p:cNvCxnSpPr>
+          <p:nvPr/>
+        </p:nvCxnSpPr>
+        <p:spPr>
+          <a:xfrm>
+            <a:off x="7137999" y="2453484"/>
+            <a:ext cx="1696490" cy="0"/>
+          </a:xfrm>
+          <a:prstGeom prst="line">
+            <a:avLst/>
+          </a:prstGeom>
+          <a:ln w="28575">
+            <a:solidFill>
+              <a:schemeClr val="bg1"/>
+            </a:solidFill>
+          </a:ln>
+        </p:spPr>
+        <p:style>
+          <a:lnRef idx="1">
+            <a:schemeClr val="accent1"/>
+          </a:lnRef>
+          <a:fillRef idx="0">
+            <a:schemeClr val="accent1"/>
+          </a:fillRef>
+          <a:effectRef idx="0">
+            <a:schemeClr val="accent1"/>
+          </a:effectRef>
+          <a:fontRef idx="minor">
+            <a:schemeClr val="tx1"/>
+          </a:fontRef>
+        </p:style>
+      </p:cxnSp>
+      <p:cxnSp>
+        <p:nvCxnSpPr>
+          <p:cNvPr id="14" name="Straight Connector 13"/>
+          <p:cNvCxnSpPr>
+            <a:endCxn id="9" idx="3"/>
+          </p:cNvCxnSpPr>
+          <p:nvPr/>
+        </p:nvCxnSpPr>
+        <p:spPr>
+          <a:xfrm>
+            <a:off x="7161811" y="3234683"/>
+            <a:ext cx="1636345" cy="0"/>
+          </a:xfrm>
+          <a:prstGeom prst="line">
+            <a:avLst/>
+          </a:prstGeom>
+          <a:ln w="28575">
+            <a:solidFill>
+              <a:schemeClr val="bg1"/>
+            </a:solidFill>
+          </a:ln>
+        </p:spPr>
+        <p:style>
+          <a:lnRef idx="1">
+            <a:schemeClr val="accent1"/>
+          </a:lnRef>
+          <a:fillRef idx="0">
+            <a:schemeClr val="accent1"/>
+          </a:fillRef>
+          <a:effectRef idx="0">
+            <a:schemeClr val="accent1"/>
+          </a:effectRef>
+          <a:fontRef idx="minor">
+            <a:schemeClr val="tx1"/>
+          </a:fontRef>
+        </p:style>
+      </p:cxnSp>
+      <p:cxnSp>
+        <p:nvCxnSpPr>
+          <p:cNvPr id="16" name="Straight Connector 15"/>
+          <p:cNvCxnSpPr>
+            <a:endCxn id="7" idx="3"/>
+          </p:cNvCxnSpPr>
+          <p:nvPr/>
+        </p:nvCxnSpPr>
+        <p:spPr>
+          <a:xfrm>
+            <a:off x="3359883" y="3219324"/>
+            <a:ext cx="1752724" cy="5536"/>
+          </a:xfrm>
+          <a:prstGeom prst="line">
+            <a:avLst/>
+          </a:prstGeom>
+          <a:ln w="28575">
+            <a:solidFill>
+              <a:schemeClr val="bg1"/>
+            </a:solidFill>
+          </a:ln>
+        </p:spPr>
+        <p:style>
+          <a:lnRef idx="1">
+            <a:schemeClr val="accent1"/>
+          </a:lnRef>
+          <a:fillRef idx="0">
+            <a:schemeClr val="accent1"/>
+          </a:fillRef>
+          <a:effectRef idx="0">
+            <a:schemeClr val="accent1"/>
+          </a:effectRef>
+          <a:fontRef idx="minor">
+            <a:schemeClr val="tx1"/>
+          </a:fontRef>
+        </p:style>
+      </p:cxnSp>
+      <p:sp>
+        <p:nvSpPr>
+          <p:cNvPr id="19" name="TextBox 18"/>
+          <p:cNvSpPr txBox="1"/>
+          <p:nvPr/>
+        </p:nvSpPr>
+        <p:spPr>
+          <a:xfrm>
+            <a:off x="3492355" y="3831216"/>
+            <a:ext cx="1487780" cy="369332"/>
+          </a:xfrm>
+          <a:prstGeom prst="rect">
+            <a:avLst/>
+          </a:prstGeom>
+          <a:noFill/>
+          <a:ln>
+            <a:solidFill>
+              <a:schemeClr val="bg1"/>
+            </a:solidFill>
+          </a:ln>
+        </p:spPr>
+        <p:txBody>
+          <a:bodyPr wrap="none" rtlCol="0">
+            <a:spAutoFit/>
+          </a:bodyPr>
+          <a:lstStyle/>
+          <a:p>
+            <a:r>
+              <a:rPr lang="en-US" dirty="0" err="1">
+                <a:solidFill>
+                  <a:schemeClr val="bg1"/>
+                </a:solidFill>
+              </a:rPr>
+              <a:t>ListedExercise</a:t>
+            </a:r>
+            <a:endParaRPr lang="en-CA" dirty="0">
+              <a:solidFill>
+                <a:schemeClr val="bg1"/>
+              </a:solidFill>
+            </a:endParaRPr>
+          </a:p>
+        </p:txBody>
+      </p:sp>
+      <p:sp>
+        <p:nvSpPr>
+          <p:cNvPr id="20" name="TextBox 19"/>
+          <p:cNvSpPr txBox="1"/>
+          <p:nvPr/>
+        </p:nvSpPr>
+        <p:spPr>
+          <a:xfrm>
+            <a:off x="6977697" y="3831216"/>
+            <a:ext cx="2017091" cy="369332"/>
+          </a:xfrm>
+          <a:prstGeom prst="rect">
+            <a:avLst/>
+          </a:prstGeom>
+          <a:noFill/>
+          <a:ln>
+            <a:solidFill>
+              <a:schemeClr val="bg1"/>
+            </a:solidFill>
+          </a:ln>
+        </p:spPr>
+        <p:txBody>
+          <a:bodyPr wrap="none" rtlCol="0">
+            <a:spAutoFit/>
+          </a:bodyPr>
+          <a:lstStyle/>
+          <a:p>
+            <a:r>
+              <a:rPr lang="en-US" dirty="0" err="1">
+                <a:solidFill>
+                  <a:schemeClr val="bg1"/>
+                </a:solidFill>
+              </a:rPr>
+              <a:t>ModifiableWorkout</a:t>
+            </a:r>
+            <a:endParaRPr lang="en-CA" dirty="0">
+              <a:solidFill>
+                <a:schemeClr val="bg1"/>
+              </a:solidFill>
+            </a:endParaRPr>
+          </a:p>
+        </p:txBody>
+      </p:sp>
+      <p:sp>
+        <p:nvSpPr>
+          <p:cNvPr id="21" name="TextBox 20"/>
+          <p:cNvSpPr txBox="1"/>
+          <p:nvPr/>
+        </p:nvSpPr>
+        <p:spPr>
+          <a:xfrm>
+            <a:off x="3287075" y="4612415"/>
+            <a:ext cx="1898340" cy="369332"/>
+          </a:xfrm>
+          <a:prstGeom prst="rect">
+            <a:avLst/>
+          </a:prstGeom>
+          <a:noFill/>
+          <a:ln>
+            <a:solidFill>
+              <a:schemeClr val="bg1"/>
+            </a:solidFill>
+          </a:ln>
+        </p:spPr>
+        <p:txBody>
+          <a:bodyPr wrap="none" rtlCol="0">
+            <a:spAutoFit/>
+          </a:bodyPr>
+          <a:lstStyle/>
+          <a:p>
+            <a:r>
+              <a:rPr lang="en-US" dirty="0" err="1">
+                <a:solidFill>
+                  <a:schemeClr val="bg1"/>
+                </a:solidFill>
+              </a:rPr>
+              <a:t>SuggestedExercise</a:t>
+            </a:r>
+            <a:endParaRPr lang="en-CA" dirty="0">
+              <a:solidFill>
+                <a:schemeClr val="bg1"/>
+              </a:solidFill>
+            </a:endParaRPr>
+          </a:p>
+        </p:txBody>
+      </p:sp>
+      <p:sp>
+        <p:nvSpPr>
+          <p:cNvPr id="22" name="TextBox 21"/>
+          <p:cNvSpPr txBox="1"/>
+          <p:nvPr/>
+        </p:nvSpPr>
+        <p:spPr>
+          <a:xfrm>
+            <a:off x="7045311" y="4612415"/>
+            <a:ext cx="1881862" cy="369332"/>
+          </a:xfrm>
+          <a:prstGeom prst="rect">
+            <a:avLst/>
+          </a:prstGeom>
+          <a:noFill/>
+          <a:ln>
+            <a:solidFill>
+              <a:schemeClr val="bg1"/>
+            </a:solidFill>
+          </a:ln>
+        </p:spPr>
+        <p:txBody>
+          <a:bodyPr wrap="none" rtlCol="0">
+            <a:spAutoFit/>
+          </a:bodyPr>
+          <a:lstStyle/>
+          <a:p>
+            <a:r>
+              <a:rPr lang="en-US" dirty="0" err="1">
+                <a:solidFill>
+                  <a:schemeClr val="bg1"/>
+                </a:solidFill>
+              </a:rPr>
+              <a:t>TrackableWorkout</a:t>
+            </a:r>
+            <a:endParaRPr lang="en-CA" dirty="0">
+              <a:solidFill>
+                <a:schemeClr val="bg1"/>
+              </a:solidFill>
+            </a:endParaRPr>
+          </a:p>
+        </p:txBody>
+      </p:sp>
+      <p:sp>
+        <p:nvSpPr>
+          <p:cNvPr id="23" name="TextBox 22"/>
+          <p:cNvSpPr txBox="1"/>
+          <p:nvPr/>
+        </p:nvSpPr>
+        <p:spPr>
+          <a:xfrm>
+            <a:off x="3325803" y="5391391"/>
+            <a:ext cx="1820883" cy="369332"/>
+          </a:xfrm>
+          <a:prstGeom prst="rect">
+            <a:avLst/>
+          </a:prstGeom>
+          <a:noFill/>
+          <a:ln>
+            <a:solidFill>
+              <a:schemeClr val="bg1"/>
+            </a:solidFill>
+          </a:ln>
+        </p:spPr>
+        <p:txBody>
+          <a:bodyPr wrap="none" rtlCol="0">
+            <a:spAutoFit/>
+          </a:bodyPr>
+          <a:lstStyle/>
+          <a:p>
+            <a:r>
+              <a:rPr lang="en-US" dirty="0" err="1">
+                <a:solidFill>
+                  <a:schemeClr val="bg1"/>
+                </a:solidFill>
+              </a:rPr>
+              <a:t>TrackableExercise</a:t>
+            </a:r>
+            <a:endParaRPr lang="en-CA" dirty="0">
+              <a:solidFill>
+                <a:schemeClr val="bg1"/>
+              </a:solidFill>
+            </a:endParaRPr>
+          </a:p>
+        </p:txBody>
+      </p:sp>
+      <p:sp>
+        <p:nvSpPr>
+          <p:cNvPr id="24" name="TextBox 23"/>
+          <p:cNvSpPr txBox="1"/>
+          <p:nvPr/>
+        </p:nvSpPr>
+        <p:spPr>
+          <a:xfrm>
+            <a:off x="3011229" y="6170367"/>
+            <a:ext cx="2450030" cy="369332"/>
+          </a:xfrm>
+          <a:prstGeom prst="rect">
+            <a:avLst/>
+          </a:prstGeom>
+          <a:noFill/>
+          <a:ln>
+            <a:solidFill>
+              <a:schemeClr val="bg1"/>
+            </a:solidFill>
+          </a:ln>
+        </p:spPr>
+        <p:txBody>
+          <a:bodyPr wrap="none" rtlCol="0">
+            <a:spAutoFit/>
+          </a:bodyPr>
+          <a:lstStyle/>
+          <a:p>
+            <a:r>
+              <a:rPr lang="en-US" dirty="0" err="1">
+                <a:solidFill>
+                  <a:schemeClr val="bg1"/>
+                </a:solidFill>
+              </a:rPr>
+              <a:t>WorkoutSessionExercise</a:t>
+            </a:r>
+            <a:endParaRPr lang="en-CA" dirty="0">
+              <a:solidFill>
+                <a:schemeClr val="bg1"/>
+              </a:solidFill>
+            </a:endParaRPr>
+          </a:p>
+        </p:txBody>
+      </p:sp>
+      <p:cxnSp>
+        <p:nvCxnSpPr>
+          <p:cNvPr id="26" name="Straight Connector 25"/>
+          <p:cNvCxnSpPr>
+            <a:endCxn id="19" idx="3"/>
+          </p:cNvCxnSpPr>
+          <p:nvPr/>
+        </p:nvCxnSpPr>
+        <p:spPr>
+          <a:xfrm flipV="1">
+            <a:off x="3492355" y="4015882"/>
+            <a:ext cx="1487780" cy="4465"/>
+          </a:xfrm>
+          <a:prstGeom prst="line">
+            <a:avLst/>
+          </a:prstGeom>
+          <a:ln w="28575">
+            <a:solidFill>
+              <a:schemeClr val="bg1"/>
+            </a:solidFill>
+          </a:ln>
+        </p:spPr>
+        <p:style>
+          <a:lnRef idx="1">
+            <a:schemeClr val="accent1"/>
+          </a:lnRef>
+          <a:fillRef idx="0">
+            <a:schemeClr val="accent1"/>
+          </a:fillRef>
+          <a:effectRef idx="0">
+            <a:schemeClr val="accent1"/>
+          </a:effectRef>
+          <a:fontRef idx="minor">
+            <a:schemeClr val="tx1"/>
+          </a:fontRef>
+        </p:style>
+      </p:cxnSp>
+      <p:cxnSp>
+        <p:nvCxnSpPr>
+          <p:cNvPr id="28" name="Straight Connector 27"/>
+          <p:cNvCxnSpPr>
+            <a:endCxn id="21" idx="3"/>
+          </p:cNvCxnSpPr>
+          <p:nvPr/>
+        </p:nvCxnSpPr>
+        <p:spPr>
+          <a:xfrm flipV="1">
+            <a:off x="3287075" y="4797081"/>
+            <a:ext cx="1898340" cy="6304"/>
+          </a:xfrm>
+          <a:prstGeom prst="line">
+            <a:avLst/>
+          </a:prstGeom>
+          <a:ln w="28575">
+            <a:solidFill>
+              <a:schemeClr val="bg1"/>
+            </a:solidFill>
+          </a:ln>
+        </p:spPr>
+        <p:style>
+          <a:lnRef idx="1">
+            <a:schemeClr val="accent1"/>
+          </a:lnRef>
+          <a:fillRef idx="0">
+            <a:schemeClr val="accent1"/>
+          </a:fillRef>
+          <a:effectRef idx="0">
+            <a:schemeClr val="accent1"/>
+          </a:effectRef>
+          <a:fontRef idx="minor">
+            <a:schemeClr val="tx1"/>
+          </a:fontRef>
+        </p:style>
+      </p:cxnSp>
+      <p:cxnSp>
+        <p:nvCxnSpPr>
+          <p:cNvPr id="30" name="Straight Connector 29"/>
+          <p:cNvCxnSpPr>
+            <a:endCxn id="23" idx="3"/>
+          </p:cNvCxnSpPr>
+          <p:nvPr/>
+        </p:nvCxnSpPr>
+        <p:spPr>
+          <a:xfrm flipV="1">
+            <a:off x="3325803" y="5576057"/>
+            <a:ext cx="1820883" cy="8082"/>
+          </a:xfrm>
+          <a:prstGeom prst="line">
+            <a:avLst/>
+          </a:prstGeom>
+          <a:ln w="28575">
+            <a:solidFill>
+              <a:schemeClr val="bg1"/>
+            </a:solidFill>
+          </a:ln>
+        </p:spPr>
+        <p:style>
+          <a:lnRef idx="1">
+            <a:schemeClr val="accent1"/>
+          </a:lnRef>
+          <a:fillRef idx="0">
+            <a:schemeClr val="accent1"/>
+          </a:fillRef>
+          <a:effectRef idx="0">
+            <a:schemeClr val="accent1"/>
+          </a:effectRef>
+          <a:fontRef idx="minor">
+            <a:schemeClr val="tx1"/>
+          </a:fontRef>
+        </p:style>
+      </p:cxnSp>
+      <p:cxnSp>
+        <p:nvCxnSpPr>
+          <p:cNvPr id="35" name="Straight Connector 34"/>
+          <p:cNvCxnSpPr>
+            <a:endCxn id="22" idx="3"/>
+          </p:cNvCxnSpPr>
+          <p:nvPr/>
+        </p:nvCxnSpPr>
+        <p:spPr>
+          <a:xfrm flipV="1">
+            <a:off x="7045311" y="4797081"/>
+            <a:ext cx="1881862" cy="6304"/>
+          </a:xfrm>
+          <a:prstGeom prst="line">
+            <a:avLst/>
+          </a:prstGeom>
+          <a:ln w="28575">
+            <a:solidFill>
+              <a:schemeClr val="bg1"/>
+            </a:solidFill>
+          </a:ln>
+        </p:spPr>
+        <p:style>
+          <a:lnRef idx="1">
+            <a:schemeClr val="accent1"/>
+          </a:lnRef>
+          <a:fillRef idx="0">
+            <a:schemeClr val="accent1"/>
+          </a:fillRef>
+          <a:effectRef idx="0">
+            <a:schemeClr val="accent1"/>
+          </a:effectRef>
+          <a:fontRef idx="minor">
+            <a:schemeClr val="tx1"/>
+          </a:fontRef>
+        </p:style>
+      </p:cxnSp>
+      <p:cxnSp>
+        <p:nvCxnSpPr>
+          <p:cNvPr id="37" name="Straight Connector 36"/>
+          <p:cNvCxnSpPr>
+            <a:endCxn id="20" idx="3"/>
+          </p:cNvCxnSpPr>
+          <p:nvPr/>
+        </p:nvCxnSpPr>
+        <p:spPr>
+          <a:xfrm flipV="1">
+            <a:off x="6977697" y="4015882"/>
+            <a:ext cx="2017091" cy="6303"/>
+          </a:xfrm>
+          <a:prstGeom prst="line">
+            <a:avLst/>
+          </a:prstGeom>
+          <a:ln w="28575">
+            <a:solidFill>
+              <a:schemeClr val="bg1"/>
+            </a:solidFill>
+          </a:ln>
+        </p:spPr>
+        <p:style>
+          <a:lnRef idx="1">
+            <a:schemeClr val="accent1"/>
+          </a:lnRef>
+          <a:fillRef idx="0">
+            <a:schemeClr val="accent1"/>
+          </a:fillRef>
+          <a:effectRef idx="0">
+            <a:schemeClr val="accent1"/>
+          </a:effectRef>
+          <a:fontRef idx="minor">
+            <a:schemeClr val="tx1"/>
+          </a:fontRef>
+        </p:style>
+      </p:cxnSp>
+    </p:spTree>
+    <p:extLst>
+      <p:ext uri="{BB962C8B-B14F-4D97-AF65-F5344CB8AC3E}">
+        <p14:creationId xmlns:p14="http://schemas.microsoft.com/office/powerpoint/2010/main" val="359458604"/>
+      </p:ext>
+    </p:extLst>
+  </p:cSld>
+  <p:clrMapOvr>
+    <a:masterClrMapping/>
+  </p:clrMapOvr>
+  <mc:AlternateContent xmlns:mc="http://schemas.openxmlformats.org/markup-compatibility/2006" xmlns:p14="http://schemas.microsoft.com/office/powerpoint/2010/main">
+    <mc:Choice Requires="p14">
+      <p:transition spd="med" p14:dur="700">
+        <p:fade/>
+      </p:transition>
+    </mc:Choice>
+    <mc:Fallback xmlns="">
+      <p:transition spd="med">
+        <p:fade/>
+      </p:transition>
+    </mc:Fallback>
+  </mc:AlternateContent>
+  <p:timing>
+    <p:tnLst>
+      <p:par>
+        <p:cTn id="1" dur="indefinite" restart="never" nodeType="tmRoot">
+          <p:childTnLst>
+            <p:seq concurrent="1" nextAc="seek">
+              <p:cTn id="2" dur="indefinite" nodeType="mainSeq">
+                <p:childTnLst>
+                  <p:par>
+                    <p:cTn id="3" fill="hold">
+                      <p:stCondLst>
+                        <p:cond delay="indefinite"/>
+                      </p:stCondLst>
+                      <p:childTnLst>
+                        <p:par>
+                          <p:cTn id="4" fill="hold">
+                            <p:stCondLst>
+                              <p:cond delay="0"/>
+                            </p:stCondLst>
+                            <p:childTnLst>
+                              <p:par>
+                                <p:cTn id="5" presetID="10" presetClass="entr" presetSubtype="0" fill="hold" grpId="0" nodeType="clickEffect">
+                                  <p:stCondLst>
+                                    <p:cond delay="0"/>
+                                  </p:stCondLst>
+                                  <p:childTnLst>
+                                    <p:set>
+                                      <p:cBhvr>
+                                        <p:cTn id="6" dur="1" fill="hold">
+                                          <p:stCondLst>
+                                            <p:cond delay="0"/>
+                                          </p:stCondLst>
+                                        </p:cTn>
+                                        <p:tgtEl>
+                                          <p:spTgt spid="2"/>
+                                        </p:tgtEl>
+                                        <p:attrNameLst>
+                                          <p:attrName>style.visibility</p:attrName>
+                                        </p:attrNameLst>
+                                      </p:cBhvr>
+                                      <p:to>
+                                        <p:strVal val="visible"/>
+                                      </p:to>
+                                    </p:set>
+                                    <p:animEffect transition="in" filter="fade">
+                                      <p:cBhvr>
+                                        <p:cTn id="7" dur="250"/>
+                                        <p:tgtEl>
+                                          <p:spTgt spid="2"/>
+                                        </p:tgtEl>
+                                      </p:cBhvr>
+                                    </p:animEffect>
+                                  </p:childTnLst>
+                                </p:cTn>
+                              </p:par>
+                            </p:childTnLst>
+                          </p:cTn>
+                        </p:par>
+                        <p:par>
+                          <p:cTn id="8" fill="hold">
+                            <p:stCondLst>
+                              <p:cond delay="250"/>
+                            </p:stCondLst>
+                            <p:childTnLst>
+                              <p:par>
+                                <p:cTn id="9" presetID="10" presetClass="entr" presetSubtype="0" fill="hold" grpId="0" nodeType="afterEffect">
+                                  <p:stCondLst>
+                                    <p:cond delay="0"/>
+                                  </p:stCondLst>
+                                  <p:childTnLst>
+                                    <p:set>
+                                      <p:cBhvr>
+                                        <p:cTn id="10" dur="1" fill="hold">
+                                          <p:stCondLst>
+                                            <p:cond delay="0"/>
+                                          </p:stCondLst>
+                                        </p:cTn>
+                                        <p:tgtEl>
+                                          <p:spTgt spid="5"/>
+                                        </p:tgtEl>
+                                        <p:attrNameLst>
+                                          <p:attrName>style.visibility</p:attrName>
+                                        </p:attrNameLst>
+                                      </p:cBhvr>
+                                      <p:to>
+                                        <p:strVal val="visible"/>
+                                      </p:to>
+                                    </p:set>
+                                    <p:animEffect transition="in" filter="fade">
+                                      <p:cBhvr>
+                                        <p:cTn id="11" dur="250"/>
+                                        <p:tgtEl>
+                                          <p:spTgt spid="5"/>
+                                        </p:tgtEl>
+                                      </p:cBhvr>
+                                    </p:animEffect>
+                                  </p:childTnLst>
+                                </p:cTn>
+                              </p:par>
+                            </p:childTnLst>
+                          </p:cTn>
+                        </p:par>
+                      </p:childTnLst>
+                    </p:cTn>
+                  </p:par>
+                  <p:par>
+                    <p:cTn id="12" fill="hold">
+                      <p:stCondLst>
+                        <p:cond delay="indefinite"/>
+                      </p:stCondLst>
+                      <p:childTnLst>
+                        <p:par>
+                          <p:cTn id="13" fill="hold">
+                            <p:stCondLst>
+                              <p:cond delay="0"/>
+                            </p:stCondLst>
+                            <p:childTnLst>
+                              <p:par>
+                                <p:cTn id="14" presetID="10" presetClass="entr" presetSubtype="0" fill="hold" grpId="0" nodeType="clickEffect">
+                                  <p:stCondLst>
+                                    <p:cond delay="0"/>
+                                  </p:stCondLst>
+                                  <p:childTnLst>
+                                    <p:set>
+                                      <p:cBhvr>
+                                        <p:cTn id="15" dur="1" fill="hold">
+                                          <p:stCondLst>
+                                            <p:cond delay="0"/>
+                                          </p:stCondLst>
+                                        </p:cTn>
+                                        <p:tgtEl>
+                                          <p:spTgt spid="6"/>
+                                        </p:tgtEl>
+                                        <p:attrNameLst>
+                                          <p:attrName>style.visibility</p:attrName>
+                                        </p:attrNameLst>
+                                      </p:cBhvr>
+                                      <p:to>
+                                        <p:strVal val="visible"/>
+                                      </p:to>
+                                    </p:set>
+                                    <p:animEffect transition="in" filter="fade">
+                                      <p:cBhvr>
+                                        <p:cTn id="16" dur="250"/>
+                                        <p:tgtEl>
+                                          <p:spTgt spid="6"/>
+                                        </p:tgtEl>
+                                      </p:cBhvr>
+                                    </p:animEffect>
+                                  </p:childTnLst>
+                                </p:cTn>
+                              </p:par>
+                            </p:childTnLst>
+                          </p:cTn>
+                        </p:par>
+                        <p:par>
+                          <p:cTn id="17" fill="hold">
+                            <p:stCondLst>
+                              <p:cond delay="250"/>
+                            </p:stCondLst>
+                            <p:childTnLst>
+                              <p:par>
+                                <p:cTn id="18" presetID="10" presetClass="entr" presetSubtype="0" fill="hold" grpId="0" nodeType="afterEffect">
+                                  <p:stCondLst>
+                                    <p:cond delay="0"/>
+                                  </p:stCondLst>
+                                  <p:childTnLst>
+                                    <p:set>
+                                      <p:cBhvr>
+                                        <p:cTn id="19" dur="1" fill="hold">
+                                          <p:stCondLst>
+                                            <p:cond delay="0"/>
+                                          </p:stCondLst>
+                                        </p:cTn>
+                                        <p:tgtEl>
+                                          <p:spTgt spid="8"/>
+                                        </p:tgtEl>
+                                        <p:attrNameLst>
+                                          <p:attrName>style.visibility</p:attrName>
+                                        </p:attrNameLst>
+                                      </p:cBhvr>
+                                      <p:to>
+                                        <p:strVal val="visible"/>
+                                      </p:to>
+                                    </p:set>
+                                    <p:animEffect transition="in" filter="fade">
+                                      <p:cBhvr>
+                                        <p:cTn id="20" dur="250"/>
+                                        <p:tgtEl>
+                                          <p:spTgt spid="8"/>
+                                        </p:tgtEl>
+                                      </p:cBhvr>
+                                    </p:animEffect>
+                                  </p:childTnLst>
+                                </p:cTn>
+                              </p:par>
+                            </p:childTnLst>
+                          </p:cTn>
+                        </p:par>
+                        <p:par>
+                          <p:cTn id="21" fill="hold">
+                            <p:stCondLst>
+                              <p:cond delay="500"/>
+                            </p:stCondLst>
+                            <p:childTnLst>
+                              <p:par>
+                                <p:cTn id="22" presetID="10" presetClass="entr" presetSubtype="0" fill="hold" grpId="0" nodeType="afterEffect">
+                                  <p:stCondLst>
+                                    <p:cond delay="0"/>
+                                  </p:stCondLst>
+                                  <p:childTnLst>
+                                    <p:set>
+                                      <p:cBhvr>
+                                        <p:cTn id="23" dur="1" fill="hold">
+                                          <p:stCondLst>
+                                            <p:cond delay="0"/>
+                                          </p:stCondLst>
+                                        </p:cTn>
+                                        <p:tgtEl>
+                                          <p:spTgt spid="7"/>
+                                        </p:tgtEl>
+                                        <p:attrNameLst>
+                                          <p:attrName>style.visibility</p:attrName>
+                                        </p:attrNameLst>
+                                      </p:cBhvr>
+                                      <p:to>
+                                        <p:strVal val="visible"/>
+                                      </p:to>
+                                    </p:set>
+                                    <p:animEffect transition="in" filter="fade">
+                                      <p:cBhvr>
+                                        <p:cTn id="24" dur="250"/>
+                                        <p:tgtEl>
+                                          <p:spTgt spid="7"/>
+                                        </p:tgtEl>
+                                      </p:cBhvr>
+                                    </p:animEffect>
+                                  </p:childTnLst>
+                                </p:cTn>
+                              </p:par>
+                            </p:childTnLst>
+                          </p:cTn>
+                        </p:par>
+                        <p:par>
+                          <p:cTn id="25" fill="hold">
+                            <p:stCondLst>
+                              <p:cond delay="750"/>
+                            </p:stCondLst>
+                            <p:childTnLst>
+                              <p:par>
+                                <p:cTn id="26" presetID="10" presetClass="entr" presetSubtype="0" fill="hold" grpId="0" nodeType="afterEffect">
+                                  <p:stCondLst>
+                                    <p:cond delay="0"/>
+                                  </p:stCondLst>
+                                  <p:childTnLst>
+                                    <p:set>
+                                      <p:cBhvr>
+                                        <p:cTn id="27" dur="1" fill="hold">
+                                          <p:stCondLst>
+                                            <p:cond delay="0"/>
+                                          </p:stCondLst>
+                                        </p:cTn>
+                                        <p:tgtEl>
+                                          <p:spTgt spid="9"/>
+                                        </p:tgtEl>
+                                        <p:attrNameLst>
+                                          <p:attrName>style.visibility</p:attrName>
+                                        </p:attrNameLst>
+                                      </p:cBhvr>
+                                      <p:to>
+                                        <p:strVal val="visible"/>
+                                      </p:to>
+                                    </p:set>
+                                    <p:animEffect transition="in" filter="fade">
+                                      <p:cBhvr>
+                                        <p:cTn id="28" dur="250"/>
+                                        <p:tgtEl>
+                                          <p:spTgt spid="9"/>
+                                        </p:tgtEl>
+                                      </p:cBhvr>
+                                    </p:animEffect>
+                                  </p:childTnLst>
+                                </p:cTn>
+                              </p:par>
+                            </p:childTnLst>
+                          </p:cTn>
+                        </p:par>
+                      </p:childTnLst>
+                    </p:cTn>
+                  </p:par>
+                  <p:par>
+                    <p:cTn id="29" fill="hold">
+                      <p:stCondLst>
+                        <p:cond delay="indefinite"/>
+                      </p:stCondLst>
+                      <p:childTnLst>
+                        <p:par>
+                          <p:cTn id="30" fill="hold">
+                            <p:stCondLst>
+                              <p:cond delay="0"/>
+                            </p:stCondLst>
+                            <p:childTnLst>
+                              <p:par>
+                                <p:cTn id="31" presetID="22" presetClass="entr" presetSubtype="8" fill="hold" nodeType="clickEffect">
+                                  <p:stCondLst>
+                                    <p:cond delay="0"/>
+                                  </p:stCondLst>
+                                  <p:childTnLst>
+                                    <p:set>
+                                      <p:cBhvr>
+                                        <p:cTn id="32" dur="1" fill="hold">
+                                          <p:stCondLst>
+                                            <p:cond delay="0"/>
+                                          </p:stCondLst>
+                                        </p:cTn>
+                                        <p:tgtEl>
+                                          <p:spTgt spid="16"/>
+                                        </p:tgtEl>
+                                        <p:attrNameLst>
+                                          <p:attrName>style.visibility</p:attrName>
+                                        </p:attrNameLst>
+                                      </p:cBhvr>
+                                      <p:to>
+                                        <p:strVal val="visible"/>
+                                      </p:to>
+                                    </p:set>
+                                    <p:animEffect transition="in" filter="wipe(left)">
+                                      <p:cBhvr>
+                                        <p:cTn id="33" dur="500"/>
+                                        <p:tgtEl>
+                                          <p:spTgt spid="16"/>
+                                        </p:tgtEl>
+                                      </p:cBhvr>
+                                    </p:animEffect>
+                                  </p:childTnLst>
+                                </p:cTn>
+                              </p:par>
+                              <p:par>
+                                <p:cTn id="34" presetID="22" presetClass="entr" presetSubtype="8" fill="hold" nodeType="withEffect">
+                                  <p:stCondLst>
+                                    <p:cond delay="0"/>
+                                  </p:stCondLst>
+                                  <p:childTnLst>
+                                    <p:set>
+                                      <p:cBhvr>
+                                        <p:cTn id="35" dur="1" fill="hold">
+                                          <p:stCondLst>
+                                            <p:cond delay="0"/>
+                                          </p:stCondLst>
+                                        </p:cTn>
+                                        <p:tgtEl>
+                                          <p:spTgt spid="10"/>
+                                        </p:tgtEl>
+                                        <p:attrNameLst>
+                                          <p:attrName>style.visibility</p:attrName>
+                                        </p:attrNameLst>
+                                      </p:cBhvr>
+                                      <p:to>
+                                        <p:strVal val="visible"/>
+                                      </p:to>
+                                    </p:set>
+                                    <p:animEffect transition="in" filter="wipe(left)">
+                                      <p:cBhvr>
+                                        <p:cTn id="36" dur="500"/>
+                                        <p:tgtEl>
+                                          <p:spTgt spid="10"/>
+                                        </p:tgtEl>
+                                      </p:cBhvr>
+                                    </p:animEffect>
+                                  </p:childTnLst>
+                                </p:cTn>
+                              </p:par>
+                              <p:par>
+                                <p:cTn id="37" presetID="22" presetClass="entr" presetSubtype="8" fill="hold" nodeType="withEffect">
+                                  <p:stCondLst>
+                                    <p:cond delay="0"/>
+                                  </p:stCondLst>
+                                  <p:childTnLst>
+                                    <p:set>
+                                      <p:cBhvr>
+                                        <p:cTn id="38" dur="1" fill="hold">
+                                          <p:stCondLst>
+                                            <p:cond delay="0"/>
+                                          </p:stCondLst>
+                                        </p:cTn>
+                                        <p:tgtEl>
+                                          <p:spTgt spid="12"/>
+                                        </p:tgtEl>
+                                        <p:attrNameLst>
+                                          <p:attrName>style.visibility</p:attrName>
+                                        </p:attrNameLst>
+                                      </p:cBhvr>
+                                      <p:to>
+                                        <p:strVal val="visible"/>
+                                      </p:to>
+                                    </p:set>
+                                    <p:animEffect transition="in" filter="wipe(left)">
+                                      <p:cBhvr>
+                                        <p:cTn id="39" dur="500"/>
+                                        <p:tgtEl>
+                                          <p:spTgt spid="12"/>
+                                        </p:tgtEl>
+                                      </p:cBhvr>
+                                    </p:animEffect>
+                                  </p:childTnLst>
+                                </p:cTn>
+                              </p:par>
+                              <p:par>
+                                <p:cTn id="40" presetID="22" presetClass="entr" presetSubtype="8" fill="hold" nodeType="withEffect">
+                                  <p:stCondLst>
+                                    <p:cond delay="0"/>
+                                  </p:stCondLst>
+                                  <p:childTnLst>
+                                    <p:set>
+                                      <p:cBhvr>
+                                        <p:cTn id="41" dur="1" fill="hold">
+                                          <p:stCondLst>
+                                            <p:cond delay="0"/>
+                                          </p:stCondLst>
+                                        </p:cTn>
+                                        <p:tgtEl>
+                                          <p:spTgt spid="14"/>
+                                        </p:tgtEl>
+                                        <p:attrNameLst>
+                                          <p:attrName>style.visibility</p:attrName>
+                                        </p:attrNameLst>
+                                      </p:cBhvr>
+                                      <p:to>
+                                        <p:strVal val="visible"/>
+                                      </p:to>
+                                    </p:set>
+                                    <p:animEffect transition="in" filter="wipe(left)">
+                                      <p:cBhvr>
+                                        <p:cTn id="42" dur="500"/>
+                                        <p:tgtEl>
+                                          <p:spTgt spid="14"/>
+                                        </p:tgtEl>
+                                      </p:cBhvr>
+                                    </p:animEffect>
+                                  </p:childTnLst>
+                                </p:cTn>
+                              </p:par>
+                            </p:childTnLst>
+                          </p:cTn>
+                        </p:par>
+                        <p:par>
+                          <p:cTn id="43" fill="hold">
+                            <p:stCondLst>
+                              <p:cond delay="500"/>
+                            </p:stCondLst>
+                            <p:childTnLst>
+                              <p:par>
+                                <p:cTn id="44" presetID="10" presetClass="entr" presetSubtype="0" fill="hold" grpId="0" nodeType="afterEffect">
+                                  <p:stCondLst>
+                                    <p:cond delay="0"/>
+                                  </p:stCondLst>
+                                  <p:childTnLst>
+                                    <p:set>
+                                      <p:cBhvr>
+                                        <p:cTn id="45" dur="1" fill="hold">
+                                          <p:stCondLst>
+                                            <p:cond delay="0"/>
+                                          </p:stCondLst>
+                                        </p:cTn>
+                                        <p:tgtEl>
+                                          <p:spTgt spid="19"/>
+                                        </p:tgtEl>
+                                        <p:attrNameLst>
+                                          <p:attrName>style.visibility</p:attrName>
+                                        </p:attrNameLst>
+                                      </p:cBhvr>
+                                      <p:to>
+                                        <p:strVal val="visible"/>
+                                      </p:to>
+                                    </p:set>
+                                    <p:animEffect transition="in" filter="fade">
+                                      <p:cBhvr>
+                                        <p:cTn id="46" dur="250"/>
+                                        <p:tgtEl>
+                                          <p:spTgt spid="19"/>
+                                        </p:tgtEl>
+                                      </p:cBhvr>
+                                    </p:animEffect>
+                                  </p:childTnLst>
+                                </p:cTn>
+                              </p:par>
+                            </p:childTnLst>
+                          </p:cTn>
+                        </p:par>
+                        <p:par>
+                          <p:cTn id="47" fill="hold">
+                            <p:stCondLst>
+                              <p:cond delay="750"/>
+                            </p:stCondLst>
+                            <p:childTnLst>
+                              <p:par>
+                                <p:cTn id="48" presetID="10" presetClass="entr" presetSubtype="0" fill="hold" grpId="0" nodeType="afterEffect">
+                                  <p:stCondLst>
+                                    <p:cond delay="0"/>
+                                  </p:stCondLst>
+                                  <p:childTnLst>
+                                    <p:set>
+                                      <p:cBhvr>
+                                        <p:cTn id="49" dur="1" fill="hold">
+                                          <p:stCondLst>
+                                            <p:cond delay="0"/>
+                                          </p:stCondLst>
+                                        </p:cTn>
+                                        <p:tgtEl>
+                                          <p:spTgt spid="20"/>
+                                        </p:tgtEl>
+                                        <p:attrNameLst>
+                                          <p:attrName>style.visibility</p:attrName>
+                                        </p:attrNameLst>
+                                      </p:cBhvr>
+                                      <p:to>
+                                        <p:strVal val="visible"/>
+                                      </p:to>
+                                    </p:set>
+                                    <p:animEffect transition="in" filter="fade">
+                                      <p:cBhvr>
+                                        <p:cTn id="50" dur="250"/>
+                                        <p:tgtEl>
+                                          <p:spTgt spid="20"/>
+                                        </p:tgtEl>
+                                      </p:cBhvr>
+                                    </p:animEffect>
+                                  </p:childTnLst>
+                                </p:cTn>
+                              </p:par>
+                            </p:childTnLst>
+                          </p:cTn>
+                        </p:par>
+                        <p:par>
+                          <p:cTn id="51" fill="hold">
+                            <p:stCondLst>
+                              <p:cond delay="1000"/>
+                            </p:stCondLst>
+                            <p:childTnLst>
+                              <p:par>
+                                <p:cTn id="52" presetID="10" presetClass="entr" presetSubtype="0" fill="hold" grpId="0" nodeType="afterEffect">
+                                  <p:stCondLst>
+                                    <p:cond delay="0"/>
+                                  </p:stCondLst>
+                                  <p:childTnLst>
+                                    <p:set>
+                                      <p:cBhvr>
+                                        <p:cTn id="53" dur="1" fill="hold">
+                                          <p:stCondLst>
+                                            <p:cond delay="0"/>
+                                          </p:stCondLst>
+                                        </p:cTn>
+                                        <p:tgtEl>
+                                          <p:spTgt spid="21"/>
+                                        </p:tgtEl>
+                                        <p:attrNameLst>
+                                          <p:attrName>style.visibility</p:attrName>
+                                        </p:attrNameLst>
+                                      </p:cBhvr>
+                                      <p:to>
+                                        <p:strVal val="visible"/>
+                                      </p:to>
+                                    </p:set>
+                                    <p:animEffect transition="in" filter="fade">
+                                      <p:cBhvr>
+                                        <p:cTn id="54" dur="250"/>
+                                        <p:tgtEl>
+                                          <p:spTgt spid="21"/>
+                                        </p:tgtEl>
+                                      </p:cBhvr>
+                                    </p:animEffect>
+                                  </p:childTnLst>
+                                </p:cTn>
+                              </p:par>
+                            </p:childTnLst>
+                          </p:cTn>
+                        </p:par>
+                        <p:par>
+                          <p:cTn id="55" fill="hold">
+                            <p:stCondLst>
+                              <p:cond delay="1250"/>
+                            </p:stCondLst>
+                            <p:childTnLst>
+                              <p:par>
+                                <p:cTn id="56" presetID="10" presetClass="entr" presetSubtype="0" fill="hold" grpId="0" nodeType="afterEffect">
+                                  <p:stCondLst>
+                                    <p:cond delay="0"/>
+                                  </p:stCondLst>
+                                  <p:childTnLst>
+                                    <p:set>
+                                      <p:cBhvr>
+                                        <p:cTn id="57" dur="1" fill="hold">
+                                          <p:stCondLst>
+                                            <p:cond delay="0"/>
+                                          </p:stCondLst>
+                                        </p:cTn>
+                                        <p:tgtEl>
+                                          <p:spTgt spid="22"/>
+                                        </p:tgtEl>
+                                        <p:attrNameLst>
+                                          <p:attrName>style.visibility</p:attrName>
+                                        </p:attrNameLst>
+                                      </p:cBhvr>
+                                      <p:to>
+                                        <p:strVal val="visible"/>
+                                      </p:to>
+                                    </p:set>
+                                    <p:animEffect transition="in" filter="fade">
+                                      <p:cBhvr>
+                                        <p:cTn id="58" dur="250"/>
+                                        <p:tgtEl>
+                                          <p:spTgt spid="22"/>
+                                        </p:tgtEl>
+                                      </p:cBhvr>
+                                    </p:animEffect>
+                                  </p:childTnLst>
+                                </p:cTn>
+                              </p:par>
+                            </p:childTnLst>
+                          </p:cTn>
+                        </p:par>
+                        <p:par>
+                          <p:cTn id="59" fill="hold">
+                            <p:stCondLst>
+                              <p:cond delay="1500"/>
+                            </p:stCondLst>
+                            <p:childTnLst>
+                              <p:par>
+                                <p:cTn id="60" presetID="10" presetClass="entr" presetSubtype="0" fill="hold" grpId="0" nodeType="afterEffect">
+                                  <p:stCondLst>
+                                    <p:cond delay="0"/>
+                                  </p:stCondLst>
+                                  <p:childTnLst>
+                                    <p:set>
+                                      <p:cBhvr>
+                                        <p:cTn id="61" dur="1" fill="hold">
+                                          <p:stCondLst>
+                                            <p:cond delay="0"/>
+                                          </p:stCondLst>
+                                        </p:cTn>
+                                        <p:tgtEl>
+                                          <p:spTgt spid="23"/>
+                                        </p:tgtEl>
+                                        <p:attrNameLst>
+                                          <p:attrName>style.visibility</p:attrName>
+                                        </p:attrNameLst>
+                                      </p:cBhvr>
+                                      <p:to>
+                                        <p:strVal val="visible"/>
+                                      </p:to>
+                                    </p:set>
+                                    <p:animEffect transition="in" filter="fade">
+                                      <p:cBhvr>
+                                        <p:cTn id="62" dur="250"/>
+                                        <p:tgtEl>
+                                          <p:spTgt spid="23"/>
+                                        </p:tgtEl>
+                                      </p:cBhvr>
+                                    </p:animEffect>
+                                  </p:childTnLst>
+                                </p:cTn>
+                              </p:par>
+                            </p:childTnLst>
+                          </p:cTn>
+                        </p:par>
+                      </p:childTnLst>
+                    </p:cTn>
+                  </p:par>
+                  <p:par>
+                    <p:cTn id="63" fill="hold">
+                      <p:stCondLst>
+                        <p:cond delay="indefinite"/>
+                      </p:stCondLst>
+                      <p:childTnLst>
+                        <p:par>
+                          <p:cTn id="64" fill="hold">
+                            <p:stCondLst>
+                              <p:cond delay="0"/>
+                            </p:stCondLst>
+                            <p:childTnLst>
+                              <p:par>
+                                <p:cTn id="65" presetID="22" presetClass="entr" presetSubtype="8" fill="hold" nodeType="clickEffect">
+                                  <p:stCondLst>
+                                    <p:cond delay="0"/>
+                                  </p:stCondLst>
+                                  <p:childTnLst>
+                                    <p:set>
+                                      <p:cBhvr>
+                                        <p:cTn id="66" dur="1" fill="hold">
+                                          <p:stCondLst>
+                                            <p:cond delay="0"/>
+                                          </p:stCondLst>
+                                        </p:cTn>
+                                        <p:tgtEl>
+                                          <p:spTgt spid="26"/>
+                                        </p:tgtEl>
+                                        <p:attrNameLst>
+                                          <p:attrName>style.visibility</p:attrName>
+                                        </p:attrNameLst>
+                                      </p:cBhvr>
+                                      <p:to>
+                                        <p:strVal val="visible"/>
+                                      </p:to>
+                                    </p:set>
+                                    <p:animEffect transition="in" filter="wipe(left)">
+                                      <p:cBhvr>
+                                        <p:cTn id="67" dur="500"/>
+                                        <p:tgtEl>
+                                          <p:spTgt spid="26"/>
+                                        </p:tgtEl>
+                                      </p:cBhvr>
+                                    </p:animEffect>
+                                  </p:childTnLst>
+                                </p:cTn>
+                              </p:par>
+                              <p:par>
+                                <p:cTn id="68" presetID="22" presetClass="entr" presetSubtype="8" fill="hold" nodeType="withEffect">
+                                  <p:stCondLst>
+                                    <p:cond delay="0"/>
+                                  </p:stCondLst>
+                                  <p:childTnLst>
+                                    <p:set>
+                                      <p:cBhvr>
+                                        <p:cTn id="69" dur="1" fill="hold">
+                                          <p:stCondLst>
+                                            <p:cond delay="0"/>
+                                          </p:stCondLst>
+                                        </p:cTn>
+                                        <p:tgtEl>
+                                          <p:spTgt spid="28"/>
+                                        </p:tgtEl>
+                                        <p:attrNameLst>
+                                          <p:attrName>style.visibility</p:attrName>
+                                        </p:attrNameLst>
+                                      </p:cBhvr>
+                                      <p:to>
+                                        <p:strVal val="visible"/>
+                                      </p:to>
+                                    </p:set>
+                                    <p:animEffect transition="in" filter="wipe(left)">
+                                      <p:cBhvr>
+                                        <p:cTn id="70" dur="500"/>
+                                        <p:tgtEl>
+                                          <p:spTgt spid="28"/>
+                                        </p:tgtEl>
+                                      </p:cBhvr>
+                                    </p:animEffect>
+                                  </p:childTnLst>
+                                </p:cTn>
+                              </p:par>
+                              <p:par>
+                                <p:cTn id="71" presetID="22" presetClass="entr" presetSubtype="8" fill="hold" nodeType="withEffect">
+                                  <p:stCondLst>
+                                    <p:cond delay="0"/>
+                                  </p:stCondLst>
+                                  <p:childTnLst>
+                                    <p:set>
+                                      <p:cBhvr>
+                                        <p:cTn id="72" dur="1" fill="hold">
+                                          <p:stCondLst>
+                                            <p:cond delay="0"/>
+                                          </p:stCondLst>
+                                        </p:cTn>
+                                        <p:tgtEl>
+                                          <p:spTgt spid="30"/>
+                                        </p:tgtEl>
+                                        <p:attrNameLst>
+                                          <p:attrName>style.visibility</p:attrName>
+                                        </p:attrNameLst>
+                                      </p:cBhvr>
+                                      <p:to>
+                                        <p:strVal val="visible"/>
+                                      </p:to>
+                                    </p:set>
+                                    <p:animEffect transition="in" filter="wipe(left)">
+                                      <p:cBhvr>
+                                        <p:cTn id="73" dur="500"/>
+                                        <p:tgtEl>
+                                          <p:spTgt spid="30"/>
+                                        </p:tgtEl>
+                                      </p:cBhvr>
+                                    </p:animEffect>
+                                  </p:childTnLst>
+                                </p:cTn>
+                              </p:par>
+                              <p:par>
+                                <p:cTn id="74" presetID="22" presetClass="entr" presetSubtype="8" fill="hold" nodeType="withEffect">
+                                  <p:stCondLst>
+                                    <p:cond delay="0"/>
+                                  </p:stCondLst>
+                                  <p:childTnLst>
+                                    <p:set>
+                                      <p:cBhvr>
+                                        <p:cTn id="75" dur="1" fill="hold">
+                                          <p:stCondLst>
+                                            <p:cond delay="0"/>
+                                          </p:stCondLst>
+                                        </p:cTn>
+                                        <p:tgtEl>
+                                          <p:spTgt spid="35"/>
+                                        </p:tgtEl>
+                                        <p:attrNameLst>
+                                          <p:attrName>style.visibility</p:attrName>
+                                        </p:attrNameLst>
+                                      </p:cBhvr>
+                                      <p:to>
+                                        <p:strVal val="visible"/>
+                                      </p:to>
+                                    </p:set>
+                                    <p:animEffect transition="in" filter="wipe(left)">
+                                      <p:cBhvr>
+                                        <p:cTn id="76" dur="500"/>
+                                        <p:tgtEl>
+                                          <p:spTgt spid="35"/>
+                                        </p:tgtEl>
+                                      </p:cBhvr>
+                                    </p:animEffect>
+                                  </p:childTnLst>
+                                </p:cTn>
+                              </p:par>
+                              <p:par>
+                                <p:cTn id="77" presetID="22" presetClass="entr" presetSubtype="8" fill="hold" nodeType="withEffect">
+                                  <p:stCondLst>
+                                    <p:cond delay="0"/>
+                                  </p:stCondLst>
+                                  <p:childTnLst>
+                                    <p:set>
+                                      <p:cBhvr>
+                                        <p:cTn id="78" dur="1" fill="hold">
+                                          <p:stCondLst>
+                                            <p:cond delay="0"/>
+                                          </p:stCondLst>
+                                        </p:cTn>
+                                        <p:tgtEl>
+                                          <p:spTgt spid="37"/>
+                                        </p:tgtEl>
+                                        <p:attrNameLst>
+                                          <p:attrName>style.visibility</p:attrName>
+                                        </p:attrNameLst>
+                                      </p:cBhvr>
+                                      <p:to>
+                                        <p:strVal val="visible"/>
+                                      </p:to>
+                                    </p:set>
+                                    <p:animEffect transition="in" filter="wipe(left)">
+                                      <p:cBhvr>
+                                        <p:cTn id="79" dur="500"/>
+                                        <p:tgtEl>
+                                          <p:spTgt spid="37"/>
+                                        </p:tgtEl>
+                                      </p:cBhvr>
+                                    </p:animEffect>
+                                  </p:childTnLst>
+                                </p:cTn>
+                              </p:par>
+                              <p:par>
+                                <p:cTn id="80" presetID="22" presetClass="exit" presetSubtype="2" fill="hold" nodeType="withEffect">
+                                  <p:stCondLst>
+                                    <p:cond delay="0"/>
+                                  </p:stCondLst>
+                                  <p:childTnLst>
+                                    <p:animEffect transition="out" filter="wipe(right)">
+                                      <p:cBhvr>
+                                        <p:cTn id="81" dur="500"/>
+                                        <p:tgtEl>
+                                          <p:spTgt spid="16"/>
+                                        </p:tgtEl>
+                                      </p:cBhvr>
+                                    </p:animEffect>
+                                    <p:set>
+                                      <p:cBhvr>
+                                        <p:cTn id="82" dur="1" fill="hold">
+                                          <p:stCondLst>
+                                            <p:cond delay="499"/>
+                                          </p:stCondLst>
+                                        </p:cTn>
+                                        <p:tgtEl>
+                                          <p:spTgt spid="16"/>
+                                        </p:tgtEl>
+                                        <p:attrNameLst>
+                                          <p:attrName>style.visibility</p:attrName>
+                                        </p:attrNameLst>
+                                      </p:cBhvr>
+                                      <p:to>
+                                        <p:strVal val="hidden"/>
+                                      </p:to>
+                                    </p:set>
+                                  </p:childTnLst>
+                                </p:cTn>
+                              </p:par>
+                              <p:par>
+                                <p:cTn id="83" presetID="22" presetClass="exit" presetSubtype="2" fill="hold" nodeType="withEffect">
+                                  <p:stCondLst>
+                                    <p:cond delay="0"/>
+                                  </p:stCondLst>
+                                  <p:childTnLst>
+                                    <p:animEffect transition="out" filter="wipe(right)">
+                                      <p:cBhvr>
+                                        <p:cTn id="84" dur="500"/>
+                                        <p:tgtEl>
+                                          <p:spTgt spid="12"/>
+                                        </p:tgtEl>
+                                      </p:cBhvr>
+                                    </p:animEffect>
+                                    <p:set>
+                                      <p:cBhvr>
+                                        <p:cTn id="85" dur="1" fill="hold">
+                                          <p:stCondLst>
+                                            <p:cond delay="499"/>
+                                          </p:stCondLst>
+                                        </p:cTn>
+                                        <p:tgtEl>
+                                          <p:spTgt spid="12"/>
+                                        </p:tgtEl>
+                                        <p:attrNameLst>
+                                          <p:attrName>style.visibility</p:attrName>
+                                        </p:attrNameLst>
+                                      </p:cBhvr>
+                                      <p:to>
+                                        <p:strVal val="hidden"/>
+                                      </p:to>
+                                    </p:set>
+                                  </p:childTnLst>
+                                </p:cTn>
+                              </p:par>
+                            </p:childTnLst>
+                          </p:cTn>
+                        </p:par>
+                        <p:par>
+                          <p:cTn id="86" fill="hold">
+                            <p:stCondLst>
+                              <p:cond delay="500"/>
+                            </p:stCondLst>
+                            <p:childTnLst>
+                              <p:par>
+                                <p:cTn id="87" presetID="10" presetClass="entr" presetSubtype="0" fill="hold" grpId="0" nodeType="afterEffect">
+                                  <p:stCondLst>
+                                    <p:cond delay="0"/>
+                                  </p:stCondLst>
+                                  <p:childTnLst>
+                                    <p:set>
+                                      <p:cBhvr>
+                                        <p:cTn id="88" dur="1" fill="hold">
+                                          <p:stCondLst>
+                                            <p:cond delay="0"/>
+                                          </p:stCondLst>
+                                        </p:cTn>
+                                        <p:tgtEl>
+                                          <p:spTgt spid="24"/>
+                                        </p:tgtEl>
+                                        <p:attrNameLst>
+                                          <p:attrName>style.visibility</p:attrName>
+                                        </p:attrNameLst>
+                                      </p:cBhvr>
+                                      <p:to>
+                                        <p:strVal val="visible"/>
+                                      </p:to>
+                                    </p:set>
+                                    <p:animEffect transition="in" filter="fade">
+                                      <p:cBhvr>
+                                        <p:cTn id="89" dur="250"/>
+                                        <p:tgtEl>
+                                          <p:spTgt spid="24"/>
+                                        </p:tgtEl>
+                                      </p:cBhvr>
+                                    </p:animEffect>
+                                  </p:childTnLst>
+                                </p:cTn>
+                              </p:par>
+                            </p:childTnLst>
+                          </p:cTn>
+                        </p:par>
+                      </p:childTnLst>
+                    </p:cTn>
+                  </p:par>
+                  <p:par>
+                    <p:cTn id="90" fill="hold">
+                      <p:stCondLst>
+                        <p:cond delay="indefinite"/>
+                      </p:stCondLst>
+                      <p:childTnLst>
+                        <p:par>
+                          <p:cTn id="91" fill="hold">
+                            <p:stCondLst>
+                              <p:cond delay="0"/>
+                            </p:stCondLst>
+                            <p:childTnLst>
+                              <p:par>
+                                <p:cTn id="92" presetID="24" presetClass="emph" presetSubtype="0" fill="hold" grpId="1" nodeType="clickEffect">
+                                  <p:stCondLst>
+                                    <p:cond delay="0"/>
+                                  </p:stCondLst>
+                                  <p:childTnLst>
+                                    <p:animClr clrSpc="hsl" dir="cw">
+                                      <p:cBhvr override="childStyle">
+                                        <p:cTn id="93" dur="500" fill="hold"/>
+                                        <p:tgtEl>
+                                          <p:spTgt spid="6"/>
+                                        </p:tgtEl>
+                                        <p:attrNameLst>
+                                          <p:attrName>style.color</p:attrName>
+                                        </p:attrNameLst>
+                                      </p:cBhvr>
+                                      <p:by>
+                                        <p:hsl h="0" s="-12549" l="-25098"/>
+                                      </p:by>
+                                    </p:animClr>
+                                    <p:animClr clrSpc="hsl" dir="cw">
+                                      <p:cBhvr>
+                                        <p:cTn id="94" dur="500" fill="hold"/>
+                                        <p:tgtEl>
+                                          <p:spTgt spid="6"/>
+                                        </p:tgtEl>
+                                        <p:attrNameLst>
+                                          <p:attrName>fillcolor</p:attrName>
+                                        </p:attrNameLst>
+                                      </p:cBhvr>
+                                      <p:by>
+                                        <p:hsl h="0" s="-12549" l="-25098"/>
+                                      </p:by>
+                                    </p:animClr>
+                                    <p:animClr clrSpc="hsl" dir="cw">
+                                      <p:cBhvr>
+                                        <p:cTn id="95" dur="500" fill="hold"/>
+                                        <p:tgtEl>
+                                          <p:spTgt spid="6"/>
+                                        </p:tgtEl>
+                                        <p:attrNameLst>
+                                          <p:attrName>stroke.color</p:attrName>
+                                        </p:attrNameLst>
+                                      </p:cBhvr>
+                                      <p:by>
+                                        <p:hsl h="0" s="-12549" l="-25098"/>
+                                      </p:by>
+                                    </p:animClr>
+                                    <p:set>
+                                      <p:cBhvr>
+                                        <p:cTn id="96" dur="500" fill="hold"/>
+                                        <p:tgtEl>
+                                          <p:spTgt spid="6"/>
+                                        </p:tgtEl>
+                                        <p:attrNameLst>
+                                          <p:attrName>fill.type</p:attrName>
+                                        </p:attrNameLst>
+                                      </p:cBhvr>
+                                      <p:to>
+                                        <p:strVal val="solid"/>
+                                      </p:to>
+                                    </p:set>
+                                  </p:childTnLst>
+                                </p:cTn>
+                              </p:par>
+                              <p:par>
+                                <p:cTn id="97" presetID="24" presetClass="emph" presetSubtype="0" fill="hold" grpId="1" nodeType="withEffect">
+                                  <p:stCondLst>
+                                    <p:cond delay="0"/>
+                                  </p:stCondLst>
+                                  <p:childTnLst>
+                                    <p:animClr clrSpc="hsl" dir="cw">
+                                      <p:cBhvr override="childStyle">
+                                        <p:cTn id="98" dur="500" fill="hold"/>
+                                        <p:tgtEl>
+                                          <p:spTgt spid="9"/>
+                                        </p:tgtEl>
+                                        <p:attrNameLst>
+                                          <p:attrName>style.color</p:attrName>
+                                        </p:attrNameLst>
+                                      </p:cBhvr>
+                                      <p:by>
+                                        <p:hsl h="0" s="-12549" l="-25098"/>
+                                      </p:by>
+                                    </p:animClr>
+                                    <p:animClr clrSpc="hsl" dir="cw">
+                                      <p:cBhvr>
+                                        <p:cTn id="99" dur="500" fill="hold"/>
+                                        <p:tgtEl>
+                                          <p:spTgt spid="9"/>
+                                        </p:tgtEl>
+                                        <p:attrNameLst>
+                                          <p:attrName>fillcolor</p:attrName>
+                                        </p:attrNameLst>
+                                      </p:cBhvr>
+                                      <p:by>
+                                        <p:hsl h="0" s="-12549" l="-25098"/>
+                                      </p:by>
+                                    </p:animClr>
+                                    <p:animClr clrSpc="hsl" dir="cw">
+                                      <p:cBhvr>
+                                        <p:cTn id="100" dur="500" fill="hold"/>
+                                        <p:tgtEl>
+                                          <p:spTgt spid="9"/>
+                                        </p:tgtEl>
+                                        <p:attrNameLst>
+                                          <p:attrName>stroke.color</p:attrName>
+                                        </p:attrNameLst>
+                                      </p:cBhvr>
+                                      <p:by>
+                                        <p:hsl h="0" s="-12549" l="-25098"/>
+                                      </p:by>
+                                    </p:animClr>
+                                    <p:set>
+                                      <p:cBhvr>
+                                        <p:cTn id="101" dur="500" fill="hold"/>
+                                        <p:tgtEl>
+                                          <p:spTgt spid="9"/>
+                                        </p:tgtEl>
+                                        <p:attrNameLst>
+                                          <p:attrName>fill.type</p:attrName>
+                                        </p:attrNameLst>
+                                      </p:cBhvr>
+                                      <p:to>
+                                        <p:strVal val="solid"/>
+                                      </p:to>
+                                    </p:set>
+                                  </p:childTnLst>
+                                </p:cTn>
+                              </p:par>
+                              <p:par>
+                                <p:cTn id="102" presetID="24" presetClass="emph" presetSubtype="0" fill="hold" nodeType="withEffect">
+                                  <p:stCondLst>
+                                    <p:cond delay="0"/>
+                                  </p:stCondLst>
+                                  <p:childTnLst>
+                                    <p:animClr clrSpc="hsl" dir="cw">
+                                      <p:cBhvr override="childStyle">
+                                        <p:cTn id="103" dur="500" fill="hold"/>
+                                        <p:tgtEl>
+                                          <p:spTgt spid="10"/>
+                                        </p:tgtEl>
+                                        <p:attrNameLst>
+                                          <p:attrName>style.color</p:attrName>
+                                        </p:attrNameLst>
+                                      </p:cBhvr>
+                                      <p:by>
+                                        <p:hsl h="0" s="-12549" l="-25098"/>
+                                      </p:by>
+                                    </p:animClr>
+                                    <p:animClr clrSpc="hsl" dir="cw">
+                                      <p:cBhvr>
+                                        <p:cTn id="104" dur="500" fill="hold"/>
+                                        <p:tgtEl>
+                                          <p:spTgt spid="10"/>
+                                        </p:tgtEl>
+                                        <p:attrNameLst>
+                                          <p:attrName>fillcolor</p:attrName>
+                                        </p:attrNameLst>
+                                      </p:cBhvr>
+                                      <p:by>
+                                        <p:hsl h="0" s="-12549" l="-25098"/>
+                                      </p:by>
+                                    </p:animClr>
+                                    <p:animClr clrSpc="hsl" dir="cw">
+                                      <p:cBhvr>
+                                        <p:cTn id="105" dur="500" fill="hold"/>
+                                        <p:tgtEl>
+                                          <p:spTgt spid="10"/>
+                                        </p:tgtEl>
+                                        <p:attrNameLst>
+                                          <p:attrName>stroke.color</p:attrName>
+                                        </p:attrNameLst>
+                                      </p:cBhvr>
+                                      <p:by>
+                                        <p:hsl h="0" s="-12549" l="-25098"/>
+                                      </p:by>
+                                    </p:animClr>
+                                    <p:set>
+                                      <p:cBhvr>
+                                        <p:cTn id="106" dur="500" fill="hold"/>
+                                        <p:tgtEl>
+                                          <p:spTgt spid="10"/>
+                                        </p:tgtEl>
+                                        <p:attrNameLst>
+                                          <p:attrName>fill.type</p:attrName>
+                                        </p:attrNameLst>
+                                      </p:cBhvr>
+                                      <p:to>
+                                        <p:strVal val="solid"/>
+                                      </p:to>
+                                    </p:set>
+                                  </p:childTnLst>
+                                </p:cTn>
+                              </p:par>
+                              <p:par>
+                                <p:cTn id="107" presetID="24" presetClass="emph" presetSubtype="0" fill="hold" nodeType="withEffect">
+                                  <p:stCondLst>
+                                    <p:cond delay="0"/>
+                                  </p:stCondLst>
+                                  <p:childTnLst>
+                                    <p:animClr clrSpc="hsl" dir="cw">
+                                      <p:cBhvr override="childStyle">
+                                        <p:cTn id="108" dur="500" fill="hold"/>
+                                        <p:tgtEl>
+                                          <p:spTgt spid="14"/>
+                                        </p:tgtEl>
+                                        <p:attrNameLst>
+                                          <p:attrName>style.color</p:attrName>
+                                        </p:attrNameLst>
+                                      </p:cBhvr>
+                                      <p:by>
+                                        <p:hsl h="0" s="-12549" l="-25098"/>
+                                      </p:by>
+                                    </p:animClr>
+                                    <p:animClr clrSpc="hsl" dir="cw">
+                                      <p:cBhvr>
+                                        <p:cTn id="109" dur="500" fill="hold"/>
+                                        <p:tgtEl>
+                                          <p:spTgt spid="14"/>
+                                        </p:tgtEl>
+                                        <p:attrNameLst>
+                                          <p:attrName>fillcolor</p:attrName>
+                                        </p:attrNameLst>
+                                      </p:cBhvr>
+                                      <p:by>
+                                        <p:hsl h="0" s="-12549" l="-25098"/>
+                                      </p:by>
+                                    </p:animClr>
+                                    <p:animClr clrSpc="hsl" dir="cw">
+                                      <p:cBhvr>
+                                        <p:cTn id="110" dur="500" fill="hold"/>
+                                        <p:tgtEl>
+                                          <p:spTgt spid="14"/>
+                                        </p:tgtEl>
+                                        <p:attrNameLst>
+                                          <p:attrName>stroke.color</p:attrName>
+                                        </p:attrNameLst>
+                                      </p:cBhvr>
+                                      <p:by>
+                                        <p:hsl h="0" s="-12549" l="-25098"/>
+                                      </p:by>
+                                    </p:animClr>
+                                    <p:set>
+                                      <p:cBhvr>
+                                        <p:cTn id="111" dur="500" fill="hold"/>
+                                        <p:tgtEl>
+                                          <p:spTgt spid="14"/>
+                                        </p:tgtEl>
+                                        <p:attrNameLst>
+                                          <p:attrName>fill.type</p:attrName>
+                                        </p:attrNameLst>
+                                      </p:cBhvr>
+                                      <p:to>
+                                        <p:strVal val="solid"/>
+                                      </p:to>
+                                    </p:set>
+                                  </p:childTnLst>
+                                </p:cTn>
+                              </p:par>
+                              <p:par>
+                                <p:cTn id="112" presetID="24" presetClass="emph" presetSubtype="0" fill="hold" grpId="1" nodeType="withEffect">
+                                  <p:stCondLst>
+                                    <p:cond delay="0"/>
+                                  </p:stCondLst>
+                                  <p:childTnLst>
+                                    <p:animClr clrSpc="hsl" dir="cw">
+                                      <p:cBhvr override="childStyle">
+                                        <p:cTn id="113" dur="500" fill="hold"/>
+                                        <p:tgtEl>
+                                          <p:spTgt spid="19"/>
+                                        </p:tgtEl>
+                                        <p:attrNameLst>
+                                          <p:attrName>style.color</p:attrName>
+                                        </p:attrNameLst>
+                                      </p:cBhvr>
+                                      <p:by>
+                                        <p:hsl h="0" s="-12549" l="-25098"/>
+                                      </p:by>
+                                    </p:animClr>
+                                    <p:animClr clrSpc="hsl" dir="cw">
+                                      <p:cBhvr>
+                                        <p:cTn id="114" dur="500" fill="hold"/>
+                                        <p:tgtEl>
+                                          <p:spTgt spid="19"/>
+                                        </p:tgtEl>
+                                        <p:attrNameLst>
+                                          <p:attrName>fillcolor</p:attrName>
+                                        </p:attrNameLst>
+                                      </p:cBhvr>
+                                      <p:by>
+                                        <p:hsl h="0" s="-12549" l="-25098"/>
+                                      </p:by>
+                                    </p:animClr>
+                                    <p:animClr clrSpc="hsl" dir="cw">
+                                      <p:cBhvr>
+                                        <p:cTn id="115" dur="500" fill="hold"/>
+                                        <p:tgtEl>
+                                          <p:spTgt spid="19"/>
+                                        </p:tgtEl>
+                                        <p:attrNameLst>
+                                          <p:attrName>stroke.color</p:attrName>
+                                        </p:attrNameLst>
+                                      </p:cBhvr>
+                                      <p:by>
+                                        <p:hsl h="0" s="-12549" l="-25098"/>
+                                      </p:by>
+                                    </p:animClr>
+                                    <p:set>
+                                      <p:cBhvr>
+                                        <p:cTn id="116" dur="500" fill="hold"/>
+                                        <p:tgtEl>
+                                          <p:spTgt spid="19"/>
+                                        </p:tgtEl>
+                                        <p:attrNameLst>
+                                          <p:attrName>fill.type</p:attrName>
+                                        </p:attrNameLst>
+                                      </p:cBhvr>
+                                      <p:to>
+                                        <p:strVal val="solid"/>
+                                      </p:to>
+                                    </p:set>
+                                  </p:childTnLst>
+                                </p:cTn>
+                              </p:par>
+                              <p:par>
+                                <p:cTn id="117" presetID="24" presetClass="emph" presetSubtype="0" fill="hold" grpId="1" nodeType="withEffect">
+                                  <p:stCondLst>
+                                    <p:cond delay="0"/>
+                                  </p:stCondLst>
+                                  <p:childTnLst>
+                                    <p:animClr clrSpc="hsl" dir="cw">
+                                      <p:cBhvr override="childStyle">
+                                        <p:cTn id="118" dur="500" fill="hold"/>
+                                        <p:tgtEl>
+                                          <p:spTgt spid="20"/>
+                                        </p:tgtEl>
+                                        <p:attrNameLst>
+                                          <p:attrName>style.color</p:attrName>
+                                        </p:attrNameLst>
+                                      </p:cBhvr>
+                                      <p:by>
+                                        <p:hsl h="0" s="-12549" l="-25098"/>
+                                      </p:by>
+                                    </p:animClr>
+                                    <p:animClr clrSpc="hsl" dir="cw">
+                                      <p:cBhvr>
+                                        <p:cTn id="119" dur="500" fill="hold"/>
+                                        <p:tgtEl>
+                                          <p:spTgt spid="20"/>
+                                        </p:tgtEl>
+                                        <p:attrNameLst>
+                                          <p:attrName>fillcolor</p:attrName>
+                                        </p:attrNameLst>
+                                      </p:cBhvr>
+                                      <p:by>
+                                        <p:hsl h="0" s="-12549" l="-25098"/>
+                                      </p:by>
+                                    </p:animClr>
+                                    <p:animClr clrSpc="hsl" dir="cw">
+                                      <p:cBhvr>
+                                        <p:cTn id="120" dur="500" fill="hold"/>
+                                        <p:tgtEl>
+                                          <p:spTgt spid="20"/>
+                                        </p:tgtEl>
+                                        <p:attrNameLst>
+                                          <p:attrName>stroke.color</p:attrName>
+                                        </p:attrNameLst>
+                                      </p:cBhvr>
+                                      <p:by>
+                                        <p:hsl h="0" s="-12549" l="-25098"/>
+                                      </p:by>
+                                    </p:animClr>
+                                    <p:set>
+                                      <p:cBhvr>
+                                        <p:cTn id="121" dur="500" fill="hold"/>
+                                        <p:tgtEl>
+                                          <p:spTgt spid="20"/>
+                                        </p:tgtEl>
+                                        <p:attrNameLst>
+                                          <p:attrName>fill.type</p:attrName>
+                                        </p:attrNameLst>
+                                      </p:cBhvr>
+                                      <p:to>
+                                        <p:strVal val="solid"/>
+                                      </p:to>
+                                    </p:set>
+                                  </p:childTnLst>
+                                </p:cTn>
+                              </p:par>
+                              <p:par>
+                                <p:cTn id="122" presetID="24" presetClass="emph" presetSubtype="0" fill="hold" grpId="1" nodeType="withEffect">
+                                  <p:stCondLst>
+                                    <p:cond delay="0"/>
+                                  </p:stCondLst>
+                                  <p:childTnLst>
+                                    <p:animClr clrSpc="hsl" dir="cw">
+                                      <p:cBhvr override="childStyle">
+                                        <p:cTn id="123" dur="500" fill="hold"/>
+                                        <p:tgtEl>
+                                          <p:spTgt spid="21"/>
+                                        </p:tgtEl>
+                                        <p:attrNameLst>
+                                          <p:attrName>style.color</p:attrName>
+                                        </p:attrNameLst>
+                                      </p:cBhvr>
+                                      <p:by>
+                                        <p:hsl h="0" s="-12549" l="-25098"/>
+                                      </p:by>
+                                    </p:animClr>
+                                    <p:animClr clrSpc="hsl" dir="cw">
+                                      <p:cBhvr>
+                                        <p:cTn id="124" dur="500" fill="hold"/>
+                                        <p:tgtEl>
+                                          <p:spTgt spid="21"/>
+                                        </p:tgtEl>
+                                        <p:attrNameLst>
+                                          <p:attrName>fillcolor</p:attrName>
+                                        </p:attrNameLst>
+                                      </p:cBhvr>
+                                      <p:by>
+                                        <p:hsl h="0" s="-12549" l="-25098"/>
+                                      </p:by>
+                                    </p:animClr>
+                                    <p:animClr clrSpc="hsl" dir="cw">
+                                      <p:cBhvr>
+                                        <p:cTn id="125" dur="500" fill="hold"/>
+                                        <p:tgtEl>
+                                          <p:spTgt spid="21"/>
+                                        </p:tgtEl>
+                                        <p:attrNameLst>
+                                          <p:attrName>stroke.color</p:attrName>
+                                        </p:attrNameLst>
+                                      </p:cBhvr>
+                                      <p:by>
+                                        <p:hsl h="0" s="-12549" l="-25098"/>
+                                      </p:by>
+                                    </p:animClr>
+                                    <p:set>
+                                      <p:cBhvr>
+                                        <p:cTn id="126" dur="500" fill="hold"/>
+                                        <p:tgtEl>
+                                          <p:spTgt spid="21"/>
+                                        </p:tgtEl>
+                                        <p:attrNameLst>
+                                          <p:attrName>fill.type</p:attrName>
+                                        </p:attrNameLst>
+                                      </p:cBhvr>
+                                      <p:to>
+                                        <p:strVal val="solid"/>
+                                      </p:to>
+                                    </p:set>
+                                  </p:childTnLst>
+                                </p:cTn>
+                              </p:par>
+                              <p:par>
+                                <p:cTn id="127" presetID="24" presetClass="emph" presetSubtype="0" fill="hold" grpId="1" nodeType="withEffect">
+                                  <p:stCondLst>
+                                    <p:cond delay="0"/>
+                                  </p:stCondLst>
+                                  <p:childTnLst>
+                                    <p:animClr clrSpc="hsl" dir="cw">
+                                      <p:cBhvr override="childStyle">
+                                        <p:cTn id="128" dur="500" fill="hold"/>
+                                        <p:tgtEl>
+                                          <p:spTgt spid="22"/>
+                                        </p:tgtEl>
+                                        <p:attrNameLst>
+                                          <p:attrName>style.color</p:attrName>
+                                        </p:attrNameLst>
+                                      </p:cBhvr>
+                                      <p:by>
+                                        <p:hsl h="0" s="-12549" l="-25098"/>
+                                      </p:by>
+                                    </p:animClr>
+                                    <p:animClr clrSpc="hsl" dir="cw">
+                                      <p:cBhvr>
+                                        <p:cTn id="129" dur="500" fill="hold"/>
+                                        <p:tgtEl>
+                                          <p:spTgt spid="22"/>
+                                        </p:tgtEl>
+                                        <p:attrNameLst>
+                                          <p:attrName>fillcolor</p:attrName>
+                                        </p:attrNameLst>
+                                      </p:cBhvr>
+                                      <p:by>
+                                        <p:hsl h="0" s="-12549" l="-25098"/>
+                                      </p:by>
+                                    </p:animClr>
+                                    <p:animClr clrSpc="hsl" dir="cw">
+                                      <p:cBhvr>
+                                        <p:cTn id="130" dur="500" fill="hold"/>
+                                        <p:tgtEl>
+                                          <p:spTgt spid="22"/>
+                                        </p:tgtEl>
+                                        <p:attrNameLst>
+                                          <p:attrName>stroke.color</p:attrName>
+                                        </p:attrNameLst>
+                                      </p:cBhvr>
+                                      <p:by>
+                                        <p:hsl h="0" s="-12549" l="-25098"/>
+                                      </p:by>
+                                    </p:animClr>
+                                    <p:set>
+                                      <p:cBhvr>
+                                        <p:cTn id="131" dur="500" fill="hold"/>
+                                        <p:tgtEl>
+                                          <p:spTgt spid="22"/>
+                                        </p:tgtEl>
+                                        <p:attrNameLst>
+                                          <p:attrName>fill.type</p:attrName>
+                                        </p:attrNameLst>
+                                      </p:cBhvr>
+                                      <p:to>
+                                        <p:strVal val="solid"/>
+                                      </p:to>
+                                    </p:set>
+                                  </p:childTnLst>
+                                </p:cTn>
+                              </p:par>
+                              <p:par>
+                                <p:cTn id="132" presetID="24" presetClass="emph" presetSubtype="0" fill="hold" grpId="1" nodeType="withEffect">
+                                  <p:stCondLst>
+                                    <p:cond delay="0"/>
+                                  </p:stCondLst>
+                                  <p:childTnLst>
+                                    <p:animClr clrSpc="hsl" dir="cw">
+                                      <p:cBhvr override="childStyle">
+                                        <p:cTn id="133" dur="500" fill="hold"/>
+                                        <p:tgtEl>
+                                          <p:spTgt spid="23"/>
+                                        </p:tgtEl>
+                                        <p:attrNameLst>
+                                          <p:attrName>style.color</p:attrName>
+                                        </p:attrNameLst>
+                                      </p:cBhvr>
+                                      <p:by>
+                                        <p:hsl h="0" s="-12549" l="-25098"/>
+                                      </p:by>
+                                    </p:animClr>
+                                    <p:animClr clrSpc="hsl" dir="cw">
+                                      <p:cBhvr>
+                                        <p:cTn id="134" dur="500" fill="hold"/>
+                                        <p:tgtEl>
+                                          <p:spTgt spid="23"/>
+                                        </p:tgtEl>
+                                        <p:attrNameLst>
+                                          <p:attrName>fillcolor</p:attrName>
+                                        </p:attrNameLst>
+                                      </p:cBhvr>
+                                      <p:by>
+                                        <p:hsl h="0" s="-12549" l="-25098"/>
+                                      </p:by>
+                                    </p:animClr>
+                                    <p:animClr clrSpc="hsl" dir="cw">
+                                      <p:cBhvr>
+                                        <p:cTn id="135" dur="500" fill="hold"/>
+                                        <p:tgtEl>
+                                          <p:spTgt spid="23"/>
+                                        </p:tgtEl>
+                                        <p:attrNameLst>
+                                          <p:attrName>stroke.color</p:attrName>
+                                        </p:attrNameLst>
+                                      </p:cBhvr>
+                                      <p:by>
+                                        <p:hsl h="0" s="-12549" l="-25098"/>
+                                      </p:by>
+                                    </p:animClr>
+                                    <p:set>
+                                      <p:cBhvr>
+                                        <p:cTn id="136" dur="500" fill="hold"/>
+                                        <p:tgtEl>
+                                          <p:spTgt spid="23"/>
+                                        </p:tgtEl>
+                                        <p:attrNameLst>
+                                          <p:attrName>fill.type</p:attrName>
+                                        </p:attrNameLst>
+                                      </p:cBhvr>
+                                      <p:to>
+                                        <p:strVal val="solid"/>
+                                      </p:to>
+                                    </p:set>
+                                  </p:childTnLst>
+                                </p:cTn>
+                              </p:par>
+                              <p:par>
+                                <p:cTn id="137" presetID="24" presetClass="emph" presetSubtype="0" fill="hold" nodeType="withEffect">
+                                  <p:stCondLst>
+                                    <p:cond delay="0"/>
+                                  </p:stCondLst>
+                                  <p:childTnLst>
+                                    <p:animClr clrSpc="hsl" dir="cw">
+                                      <p:cBhvr override="childStyle">
+                                        <p:cTn id="138" dur="500" fill="hold"/>
+                                        <p:tgtEl>
+                                          <p:spTgt spid="26"/>
+                                        </p:tgtEl>
+                                        <p:attrNameLst>
+                                          <p:attrName>style.color</p:attrName>
+                                        </p:attrNameLst>
+                                      </p:cBhvr>
+                                      <p:by>
+                                        <p:hsl h="0" s="-12549" l="-25098"/>
+                                      </p:by>
+                                    </p:animClr>
+                                    <p:animClr clrSpc="hsl" dir="cw">
+                                      <p:cBhvr>
+                                        <p:cTn id="139" dur="500" fill="hold"/>
+                                        <p:tgtEl>
+                                          <p:spTgt spid="26"/>
+                                        </p:tgtEl>
+                                        <p:attrNameLst>
+                                          <p:attrName>fillcolor</p:attrName>
+                                        </p:attrNameLst>
+                                      </p:cBhvr>
+                                      <p:by>
+                                        <p:hsl h="0" s="-12549" l="-25098"/>
+                                      </p:by>
+                                    </p:animClr>
+                                    <p:animClr clrSpc="hsl" dir="cw">
+                                      <p:cBhvr>
+                                        <p:cTn id="140" dur="500" fill="hold"/>
+                                        <p:tgtEl>
+                                          <p:spTgt spid="26"/>
+                                        </p:tgtEl>
+                                        <p:attrNameLst>
+                                          <p:attrName>stroke.color</p:attrName>
+                                        </p:attrNameLst>
+                                      </p:cBhvr>
+                                      <p:by>
+                                        <p:hsl h="0" s="-12549" l="-25098"/>
+                                      </p:by>
+                                    </p:animClr>
+                                    <p:set>
+                                      <p:cBhvr>
+                                        <p:cTn id="141" dur="500" fill="hold"/>
+                                        <p:tgtEl>
+                                          <p:spTgt spid="26"/>
+                                        </p:tgtEl>
+                                        <p:attrNameLst>
+                                          <p:attrName>fill.type</p:attrName>
+                                        </p:attrNameLst>
+                                      </p:cBhvr>
+                                      <p:to>
+                                        <p:strVal val="solid"/>
+                                      </p:to>
+                                    </p:set>
+                                  </p:childTnLst>
+                                </p:cTn>
+                              </p:par>
+                              <p:par>
+                                <p:cTn id="142" presetID="24" presetClass="emph" presetSubtype="0" fill="hold" nodeType="withEffect">
+                                  <p:stCondLst>
+                                    <p:cond delay="0"/>
+                                  </p:stCondLst>
+                                  <p:childTnLst>
+                                    <p:animClr clrSpc="hsl" dir="cw">
+                                      <p:cBhvr override="childStyle">
+                                        <p:cTn id="143" dur="500" fill="hold"/>
+                                        <p:tgtEl>
+                                          <p:spTgt spid="28"/>
+                                        </p:tgtEl>
+                                        <p:attrNameLst>
+                                          <p:attrName>style.color</p:attrName>
+                                        </p:attrNameLst>
+                                      </p:cBhvr>
+                                      <p:by>
+                                        <p:hsl h="0" s="-12549" l="-25098"/>
+                                      </p:by>
+                                    </p:animClr>
+                                    <p:animClr clrSpc="hsl" dir="cw">
+                                      <p:cBhvr>
+                                        <p:cTn id="144" dur="500" fill="hold"/>
+                                        <p:tgtEl>
+                                          <p:spTgt spid="28"/>
+                                        </p:tgtEl>
+                                        <p:attrNameLst>
+                                          <p:attrName>fillcolor</p:attrName>
+                                        </p:attrNameLst>
+                                      </p:cBhvr>
+                                      <p:by>
+                                        <p:hsl h="0" s="-12549" l="-25098"/>
+                                      </p:by>
+                                    </p:animClr>
+                                    <p:animClr clrSpc="hsl" dir="cw">
+                                      <p:cBhvr>
+                                        <p:cTn id="145" dur="500" fill="hold"/>
+                                        <p:tgtEl>
+                                          <p:spTgt spid="28"/>
+                                        </p:tgtEl>
+                                        <p:attrNameLst>
+                                          <p:attrName>stroke.color</p:attrName>
+                                        </p:attrNameLst>
+                                      </p:cBhvr>
+                                      <p:by>
+                                        <p:hsl h="0" s="-12549" l="-25098"/>
+                                      </p:by>
+                                    </p:animClr>
+                                    <p:set>
+                                      <p:cBhvr>
+                                        <p:cTn id="146" dur="500" fill="hold"/>
+                                        <p:tgtEl>
+                                          <p:spTgt spid="28"/>
+                                        </p:tgtEl>
+                                        <p:attrNameLst>
+                                          <p:attrName>fill.type</p:attrName>
+                                        </p:attrNameLst>
+                                      </p:cBhvr>
+                                      <p:to>
+                                        <p:strVal val="solid"/>
+                                      </p:to>
+                                    </p:set>
+                                  </p:childTnLst>
+                                </p:cTn>
+                              </p:par>
+                              <p:par>
+                                <p:cTn id="147" presetID="24" presetClass="emph" presetSubtype="0" fill="hold" nodeType="withEffect">
+                                  <p:stCondLst>
+                                    <p:cond delay="0"/>
+                                  </p:stCondLst>
+                                  <p:childTnLst>
+                                    <p:animClr clrSpc="hsl" dir="cw">
+                                      <p:cBhvr override="childStyle">
+                                        <p:cTn id="148" dur="500" fill="hold"/>
+                                        <p:tgtEl>
+                                          <p:spTgt spid="30"/>
+                                        </p:tgtEl>
+                                        <p:attrNameLst>
+                                          <p:attrName>style.color</p:attrName>
+                                        </p:attrNameLst>
+                                      </p:cBhvr>
+                                      <p:by>
+                                        <p:hsl h="0" s="-12549" l="-25098"/>
+                                      </p:by>
+                                    </p:animClr>
+                                    <p:animClr clrSpc="hsl" dir="cw">
+                                      <p:cBhvr>
+                                        <p:cTn id="149" dur="500" fill="hold"/>
+                                        <p:tgtEl>
+                                          <p:spTgt spid="30"/>
+                                        </p:tgtEl>
+                                        <p:attrNameLst>
+                                          <p:attrName>fillcolor</p:attrName>
+                                        </p:attrNameLst>
+                                      </p:cBhvr>
+                                      <p:by>
+                                        <p:hsl h="0" s="-12549" l="-25098"/>
+                                      </p:by>
+                                    </p:animClr>
+                                    <p:animClr clrSpc="hsl" dir="cw">
+                                      <p:cBhvr>
+                                        <p:cTn id="150" dur="500" fill="hold"/>
+                                        <p:tgtEl>
+                                          <p:spTgt spid="30"/>
+                                        </p:tgtEl>
+                                        <p:attrNameLst>
+                                          <p:attrName>stroke.color</p:attrName>
+                                        </p:attrNameLst>
+                                      </p:cBhvr>
+                                      <p:by>
+                                        <p:hsl h="0" s="-12549" l="-25098"/>
+                                      </p:by>
+                                    </p:animClr>
+                                    <p:set>
+                                      <p:cBhvr>
+                                        <p:cTn id="151" dur="500" fill="hold"/>
+                                        <p:tgtEl>
+                                          <p:spTgt spid="30"/>
+                                        </p:tgtEl>
+                                        <p:attrNameLst>
+                                          <p:attrName>fill.type</p:attrName>
+                                        </p:attrNameLst>
+                                      </p:cBhvr>
+                                      <p:to>
+                                        <p:strVal val="solid"/>
+                                      </p:to>
+                                    </p:set>
+                                  </p:childTnLst>
+                                </p:cTn>
+                              </p:par>
+                              <p:par>
+                                <p:cTn id="152" presetID="24" presetClass="emph" presetSubtype="0" fill="hold" nodeType="withEffect">
+                                  <p:stCondLst>
+                                    <p:cond delay="0"/>
+                                  </p:stCondLst>
+                                  <p:childTnLst>
+                                    <p:animClr clrSpc="hsl" dir="cw">
+                                      <p:cBhvr override="childStyle">
+                                        <p:cTn id="153" dur="500" fill="hold"/>
+                                        <p:tgtEl>
+                                          <p:spTgt spid="35"/>
+                                        </p:tgtEl>
+                                        <p:attrNameLst>
+                                          <p:attrName>style.color</p:attrName>
+                                        </p:attrNameLst>
+                                      </p:cBhvr>
+                                      <p:by>
+                                        <p:hsl h="0" s="-12549" l="-25098"/>
+                                      </p:by>
+                                    </p:animClr>
+                                    <p:animClr clrSpc="hsl" dir="cw">
+                                      <p:cBhvr>
+                                        <p:cTn id="154" dur="500" fill="hold"/>
+                                        <p:tgtEl>
+                                          <p:spTgt spid="35"/>
+                                        </p:tgtEl>
+                                        <p:attrNameLst>
+                                          <p:attrName>fillcolor</p:attrName>
+                                        </p:attrNameLst>
+                                      </p:cBhvr>
+                                      <p:by>
+                                        <p:hsl h="0" s="-12549" l="-25098"/>
+                                      </p:by>
+                                    </p:animClr>
+                                    <p:animClr clrSpc="hsl" dir="cw">
+                                      <p:cBhvr>
+                                        <p:cTn id="155" dur="500" fill="hold"/>
+                                        <p:tgtEl>
+                                          <p:spTgt spid="35"/>
+                                        </p:tgtEl>
+                                        <p:attrNameLst>
+                                          <p:attrName>stroke.color</p:attrName>
+                                        </p:attrNameLst>
+                                      </p:cBhvr>
+                                      <p:by>
+                                        <p:hsl h="0" s="-12549" l="-25098"/>
+                                      </p:by>
+                                    </p:animClr>
+                                    <p:set>
+                                      <p:cBhvr>
+                                        <p:cTn id="156" dur="500" fill="hold"/>
+                                        <p:tgtEl>
+                                          <p:spTgt spid="35"/>
+                                        </p:tgtEl>
+                                        <p:attrNameLst>
+                                          <p:attrName>fill.type</p:attrName>
+                                        </p:attrNameLst>
+                                      </p:cBhvr>
+                                      <p:to>
+                                        <p:strVal val="solid"/>
+                                      </p:to>
+                                    </p:set>
+                                  </p:childTnLst>
+                                </p:cTn>
+                              </p:par>
+                              <p:par>
+                                <p:cTn id="157" presetID="24" presetClass="emph" presetSubtype="0" fill="hold" nodeType="withEffect">
+                                  <p:stCondLst>
+                                    <p:cond delay="0"/>
+                                  </p:stCondLst>
+                                  <p:childTnLst>
+                                    <p:animClr clrSpc="hsl" dir="cw">
+                                      <p:cBhvr override="childStyle">
+                                        <p:cTn id="158" dur="500" fill="hold"/>
+                                        <p:tgtEl>
+                                          <p:spTgt spid="37"/>
+                                        </p:tgtEl>
+                                        <p:attrNameLst>
+                                          <p:attrName>style.color</p:attrName>
+                                        </p:attrNameLst>
+                                      </p:cBhvr>
+                                      <p:by>
+                                        <p:hsl h="0" s="-12549" l="-25098"/>
+                                      </p:by>
+                                    </p:animClr>
+                                    <p:animClr clrSpc="hsl" dir="cw">
+                                      <p:cBhvr>
+                                        <p:cTn id="159" dur="500" fill="hold"/>
+                                        <p:tgtEl>
+                                          <p:spTgt spid="37"/>
+                                        </p:tgtEl>
+                                        <p:attrNameLst>
+                                          <p:attrName>fillcolor</p:attrName>
+                                        </p:attrNameLst>
+                                      </p:cBhvr>
+                                      <p:by>
+                                        <p:hsl h="0" s="-12549" l="-25098"/>
+                                      </p:by>
+                                    </p:animClr>
+                                    <p:animClr clrSpc="hsl" dir="cw">
+                                      <p:cBhvr>
+                                        <p:cTn id="160" dur="500" fill="hold"/>
+                                        <p:tgtEl>
+                                          <p:spTgt spid="37"/>
+                                        </p:tgtEl>
+                                        <p:attrNameLst>
+                                          <p:attrName>stroke.color</p:attrName>
+                                        </p:attrNameLst>
+                                      </p:cBhvr>
+                                      <p:by>
+                                        <p:hsl h="0" s="-12549" l="-25098"/>
+                                      </p:by>
+                                    </p:animClr>
+                                    <p:set>
+                                      <p:cBhvr>
+                                        <p:cTn id="161" dur="500" fill="hold"/>
+                                        <p:tgtEl>
+                                          <p:spTgt spid="37"/>
+                                        </p:tgtEl>
+                                        <p:attrNameLst>
+                                          <p:attrName>fill.type</p:attrName>
+                                        </p:attrNameLst>
+                                      </p:cBhvr>
+                                      <p:to>
+                                        <p:strVal val="solid"/>
+                                      </p:to>
+                                    </p:set>
+                                  </p:childTnLst>
+                                </p:cTn>
+                              </p:par>
+                              <p:par>
+                                <p:cTn id="162" presetID="24" presetClass="emph" presetSubtype="0" fill="hold" grpId="2" nodeType="withEffect">
+                                  <p:stCondLst>
+                                    <p:cond delay="0"/>
+                                  </p:stCondLst>
+                                  <p:childTnLst>
+                                    <p:animClr clrSpc="hsl" dir="cw">
+                                      <p:cBhvr override="childStyle">
+                                        <p:cTn id="163" dur="500" fill="hold"/>
+                                        <p:tgtEl>
+                                          <p:spTgt spid="6"/>
+                                        </p:tgtEl>
+                                        <p:attrNameLst>
+                                          <p:attrName>style.color</p:attrName>
+                                        </p:attrNameLst>
+                                      </p:cBhvr>
+                                      <p:by>
+                                        <p:hsl h="0" s="-12549" l="-25098"/>
+                                      </p:by>
+                                    </p:animClr>
+                                    <p:animClr clrSpc="hsl" dir="cw">
+                                      <p:cBhvr>
+                                        <p:cTn id="164" dur="500" fill="hold"/>
+                                        <p:tgtEl>
+                                          <p:spTgt spid="6"/>
+                                        </p:tgtEl>
+                                        <p:attrNameLst>
+                                          <p:attrName>fillcolor</p:attrName>
+                                        </p:attrNameLst>
+                                      </p:cBhvr>
+                                      <p:by>
+                                        <p:hsl h="0" s="-12549" l="-25098"/>
+                                      </p:by>
+                                    </p:animClr>
+                                    <p:animClr clrSpc="hsl" dir="cw">
+                                      <p:cBhvr>
+                                        <p:cTn id="165" dur="500" fill="hold"/>
+                                        <p:tgtEl>
+                                          <p:spTgt spid="6"/>
+                                        </p:tgtEl>
+                                        <p:attrNameLst>
+                                          <p:attrName>stroke.color</p:attrName>
+                                        </p:attrNameLst>
+                                      </p:cBhvr>
+                                      <p:by>
+                                        <p:hsl h="0" s="-12549" l="-25098"/>
+                                      </p:by>
+                                    </p:animClr>
+                                    <p:set>
+                                      <p:cBhvr>
+                                        <p:cTn id="166" dur="500" fill="hold"/>
+                                        <p:tgtEl>
+                                          <p:spTgt spid="6"/>
+                                        </p:tgtEl>
+                                        <p:attrNameLst>
+                                          <p:attrName>fill.type</p:attrName>
+                                        </p:attrNameLst>
+                                      </p:cBhvr>
+                                      <p:to>
+                                        <p:strVal val="solid"/>
+                                      </p:to>
+                                    </p:set>
+                                  </p:childTnLst>
+                                </p:cTn>
+                              </p:par>
+                              <p:par>
+                                <p:cTn id="167" presetID="24" presetClass="emph" presetSubtype="0" fill="hold" grpId="2" nodeType="withEffect">
+                                  <p:stCondLst>
+                                    <p:cond delay="0"/>
+                                  </p:stCondLst>
+                                  <p:childTnLst>
+                                    <p:animClr clrSpc="hsl" dir="cw">
+                                      <p:cBhvr override="childStyle">
+                                        <p:cTn id="168" dur="500" fill="hold"/>
+                                        <p:tgtEl>
+                                          <p:spTgt spid="9"/>
+                                        </p:tgtEl>
+                                        <p:attrNameLst>
+                                          <p:attrName>style.color</p:attrName>
+                                        </p:attrNameLst>
+                                      </p:cBhvr>
+                                      <p:by>
+                                        <p:hsl h="0" s="-12549" l="-25098"/>
+                                      </p:by>
+                                    </p:animClr>
+                                    <p:animClr clrSpc="hsl" dir="cw">
+                                      <p:cBhvr>
+                                        <p:cTn id="169" dur="500" fill="hold"/>
+                                        <p:tgtEl>
+                                          <p:spTgt spid="9"/>
+                                        </p:tgtEl>
+                                        <p:attrNameLst>
+                                          <p:attrName>fillcolor</p:attrName>
+                                        </p:attrNameLst>
+                                      </p:cBhvr>
+                                      <p:by>
+                                        <p:hsl h="0" s="-12549" l="-25098"/>
+                                      </p:by>
+                                    </p:animClr>
+                                    <p:animClr clrSpc="hsl" dir="cw">
+                                      <p:cBhvr>
+                                        <p:cTn id="170" dur="500" fill="hold"/>
+                                        <p:tgtEl>
+                                          <p:spTgt spid="9"/>
+                                        </p:tgtEl>
+                                        <p:attrNameLst>
+                                          <p:attrName>stroke.color</p:attrName>
+                                        </p:attrNameLst>
+                                      </p:cBhvr>
+                                      <p:by>
+                                        <p:hsl h="0" s="-12549" l="-25098"/>
+                                      </p:by>
+                                    </p:animClr>
+                                    <p:set>
+                                      <p:cBhvr>
+                                        <p:cTn id="171" dur="500" fill="hold"/>
+                                        <p:tgtEl>
+                                          <p:spTgt spid="9"/>
+                                        </p:tgtEl>
+                                        <p:attrNameLst>
+                                          <p:attrName>fill.type</p:attrName>
+                                        </p:attrNameLst>
+                                      </p:cBhvr>
+                                      <p:to>
+                                        <p:strVal val="solid"/>
+                                      </p:to>
+                                    </p:set>
+                                  </p:childTnLst>
+                                </p:cTn>
+                              </p:par>
+                              <p:par>
+                                <p:cTn id="172" presetID="24" presetClass="emph" presetSubtype="0" fill="hold" nodeType="withEffect">
+                                  <p:stCondLst>
+                                    <p:cond delay="0"/>
+                                  </p:stCondLst>
+                                  <p:childTnLst>
+                                    <p:animClr clrSpc="hsl" dir="cw">
+                                      <p:cBhvr override="childStyle">
+                                        <p:cTn id="173" dur="500" fill="hold"/>
+                                        <p:tgtEl>
+                                          <p:spTgt spid="10"/>
+                                        </p:tgtEl>
+                                        <p:attrNameLst>
+                                          <p:attrName>style.color</p:attrName>
+                                        </p:attrNameLst>
+                                      </p:cBhvr>
+                                      <p:by>
+                                        <p:hsl h="0" s="-12549" l="-25098"/>
+                                      </p:by>
+                                    </p:animClr>
+                                    <p:animClr clrSpc="hsl" dir="cw">
+                                      <p:cBhvr>
+                                        <p:cTn id="174" dur="500" fill="hold"/>
+                                        <p:tgtEl>
+                                          <p:spTgt spid="10"/>
+                                        </p:tgtEl>
+                                        <p:attrNameLst>
+                                          <p:attrName>fillcolor</p:attrName>
+                                        </p:attrNameLst>
+                                      </p:cBhvr>
+                                      <p:by>
+                                        <p:hsl h="0" s="-12549" l="-25098"/>
+                                      </p:by>
+                                    </p:animClr>
+                                    <p:animClr clrSpc="hsl" dir="cw">
+                                      <p:cBhvr>
+                                        <p:cTn id="175" dur="500" fill="hold"/>
+                                        <p:tgtEl>
+                                          <p:spTgt spid="10"/>
+                                        </p:tgtEl>
+                                        <p:attrNameLst>
+                                          <p:attrName>stroke.color</p:attrName>
+                                        </p:attrNameLst>
+                                      </p:cBhvr>
+                                      <p:by>
+                                        <p:hsl h="0" s="-12549" l="-25098"/>
+                                      </p:by>
+                                    </p:animClr>
+                                    <p:set>
+                                      <p:cBhvr>
+                                        <p:cTn id="176" dur="500" fill="hold"/>
+                                        <p:tgtEl>
+                                          <p:spTgt spid="10"/>
+                                        </p:tgtEl>
+                                        <p:attrNameLst>
+                                          <p:attrName>fill.type</p:attrName>
+                                        </p:attrNameLst>
+                                      </p:cBhvr>
+                                      <p:to>
+                                        <p:strVal val="solid"/>
+                                      </p:to>
+                                    </p:set>
+                                  </p:childTnLst>
+                                </p:cTn>
+                              </p:par>
+                              <p:par>
+                                <p:cTn id="177" presetID="24" presetClass="emph" presetSubtype="0" fill="hold" nodeType="withEffect">
+                                  <p:stCondLst>
+                                    <p:cond delay="0"/>
+                                  </p:stCondLst>
+                                  <p:childTnLst>
+                                    <p:animClr clrSpc="hsl" dir="cw">
+                                      <p:cBhvr override="childStyle">
+                                        <p:cTn id="178" dur="500" fill="hold"/>
+                                        <p:tgtEl>
+                                          <p:spTgt spid="14"/>
+                                        </p:tgtEl>
+                                        <p:attrNameLst>
+                                          <p:attrName>style.color</p:attrName>
+                                        </p:attrNameLst>
+                                      </p:cBhvr>
+                                      <p:by>
+                                        <p:hsl h="0" s="-12549" l="-25098"/>
+                                      </p:by>
+                                    </p:animClr>
+                                    <p:animClr clrSpc="hsl" dir="cw">
+                                      <p:cBhvr>
+                                        <p:cTn id="179" dur="500" fill="hold"/>
+                                        <p:tgtEl>
+                                          <p:spTgt spid="14"/>
+                                        </p:tgtEl>
+                                        <p:attrNameLst>
+                                          <p:attrName>fillcolor</p:attrName>
+                                        </p:attrNameLst>
+                                      </p:cBhvr>
+                                      <p:by>
+                                        <p:hsl h="0" s="-12549" l="-25098"/>
+                                      </p:by>
+                                    </p:animClr>
+                                    <p:animClr clrSpc="hsl" dir="cw">
+                                      <p:cBhvr>
+                                        <p:cTn id="180" dur="500" fill="hold"/>
+                                        <p:tgtEl>
+                                          <p:spTgt spid="14"/>
+                                        </p:tgtEl>
+                                        <p:attrNameLst>
+                                          <p:attrName>stroke.color</p:attrName>
+                                        </p:attrNameLst>
+                                      </p:cBhvr>
+                                      <p:by>
+                                        <p:hsl h="0" s="-12549" l="-25098"/>
+                                      </p:by>
+                                    </p:animClr>
+                                    <p:set>
+                                      <p:cBhvr>
+                                        <p:cTn id="181" dur="500" fill="hold"/>
+                                        <p:tgtEl>
+                                          <p:spTgt spid="14"/>
+                                        </p:tgtEl>
+                                        <p:attrNameLst>
+                                          <p:attrName>fill.type</p:attrName>
+                                        </p:attrNameLst>
+                                      </p:cBhvr>
+                                      <p:to>
+                                        <p:strVal val="solid"/>
+                                      </p:to>
+                                    </p:set>
+                                  </p:childTnLst>
+                                </p:cTn>
+                              </p:par>
+                              <p:par>
+                                <p:cTn id="182" presetID="24" presetClass="emph" presetSubtype="0" fill="hold" grpId="2" nodeType="withEffect">
+                                  <p:stCondLst>
+                                    <p:cond delay="0"/>
+                                  </p:stCondLst>
+                                  <p:childTnLst>
+                                    <p:animClr clrSpc="hsl" dir="cw">
+                                      <p:cBhvr override="childStyle">
+                                        <p:cTn id="183" dur="500" fill="hold"/>
+                                        <p:tgtEl>
+                                          <p:spTgt spid="19"/>
+                                        </p:tgtEl>
+                                        <p:attrNameLst>
+                                          <p:attrName>style.color</p:attrName>
+                                        </p:attrNameLst>
+                                      </p:cBhvr>
+                                      <p:by>
+                                        <p:hsl h="0" s="-12549" l="-25098"/>
+                                      </p:by>
+                                    </p:animClr>
+                                    <p:animClr clrSpc="hsl" dir="cw">
+                                      <p:cBhvr>
+                                        <p:cTn id="184" dur="500" fill="hold"/>
+                                        <p:tgtEl>
+                                          <p:spTgt spid="19"/>
+                                        </p:tgtEl>
+                                        <p:attrNameLst>
+                                          <p:attrName>fillcolor</p:attrName>
+                                        </p:attrNameLst>
+                                      </p:cBhvr>
+                                      <p:by>
+                                        <p:hsl h="0" s="-12549" l="-25098"/>
+                                      </p:by>
+                                    </p:animClr>
+                                    <p:animClr clrSpc="hsl" dir="cw">
+                                      <p:cBhvr>
+                                        <p:cTn id="185" dur="500" fill="hold"/>
+                                        <p:tgtEl>
+                                          <p:spTgt spid="19"/>
+                                        </p:tgtEl>
+                                        <p:attrNameLst>
+                                          <p:attrName>stroke.color</p:attrName>
+                                        </p:attrNameLst>
+                                      </p:cBhvr>
+                                      <p:by>
+                                        <p:hsl h="0" s="-12549" l="-25098"/>
+                                      </p:by>
+                                    </p:animClr>
+                                    <p:set>
+                                      <p:cBhvr>
+                                        <p:cTn id="186" dur="500" fill="hold"/>
+                                        <p:tgtEl>
+                                          <p:spTgt spid="19"/>
+                                        </p:tgtEl>
+                                        <p:attrNameLst>
+                                          <p:attrName>fill.type</p:attrName>
+                                        </p:attrNameLst>
+                                      </p:cBhvr>
+                                      <p:to>
+                                        <p:strVal val="solid"/>
+                                      </p:to>
+                                    </p:set>
+                                  </p:childTnLst>
+                                </p:cTn>
+                              </p:par>
+                              <p:par>
+                                <p:cTn id="187" presetID="24" presetClass="emph" presetSubtype="0" fill="hold" grpId="2" nodeType="withEffect">
+                                  <p:stCondLst>
+                                    <p:cond delay="0"/>
+                                  </p:stCondLst>
+                                  <p:childTnLst>
+                                    <p:animClr clrSpc="hsl" dir="cw">
+                                      <p:cBhvr override="childStyle">
+                                        <p:cTn id="188" dur="500" fill="hold"/>
+                                        <p:tgtEl>
+                                          <p:spTgt spid="20"/>
+                                        </p:tgtEl>
+                                        <p:attrNameLst>
+                                          <p:attrName>style.color</p:attrName>
+                                        </p:attrNameLst>
+                                      </p:cBhvr>
+                                      <p:by>
+                                        <p:hsl h="0" s="-12549" l="-25098"/>
+                                      </p:by>
+                                    </p:animClr>
+                                    <p:animClr clrSpc="hsl" dir="cw">
+                                      <p:cBhvr>
+                                        <p:cTn id="189" dur="500" fill="hold"/>
+                                        <p:tgtEl>
+                                          <p:spTgt spid="20"/>
+                                        </p:tgtEl>
+                                        <p:attrNameLst>
+                                          <p:attrName>fillcolor</p:attrName>
+                                        </p:attrNameLst>
+                                      </p:cBhvr>
+                                      <p:by>
+                                        <p:hsl h="0" s="-12549" l="-25098"/>
+                                      </p:by>
+                                    </p:animClr>
+                                    <p:animClr clrSpc="hsl" dir="cw">
+                                      <p:cBhvr>
+                                        <p:cTn id="190" dur="500" fill="hold"/>
+                                        <p:tgtEl>
+                                          <p:spTgt spid="20"/>
+                                        </p:tgtEl>
+                                        <p:attrNameLst>
+                                          <p:attrName>stroke.color</p:attrName>
+                                        </p:attrNameLst>
+                                      </p:cBhvr>
+                                      <p:by>
+                                        <p:hsl h="0" s="-12549" l="-25098"/>
+                                      </p:by>
+                                    </p:animClr>
+                                    <p:set>
+                                      <p:cBhvr>
+                                        <p:cTn id="191" dur="500" fill="hold"/>
+                                        <p:tgtEl>
+                                          <p:spTgt spid="20"/>
+                                        </p:tgtEl>
+                                        <p:attrNameLst>
+                                          <p:attrName>fill.type</p:attrName>
+                                        </p:attrNameLst>
+                                      </p:cBhvr>
+                                      <p:to>
+                                        <p:strVal val="solid"/>
+                                      </p:to>
+                                    </p:set>
+                                  </p:childTnLst>
+                                </p:cTn>
+                              </p:par>
+                              <p:par>
+                                <p:cTn id="192" presetID="24" presetClass="emph" presetSubtype="0" fill="hold" grpId="2" nodeType="withEffect">
+                                  <p:stCondLst>
+                                    <p:cond delay="0"/>
+                                  </p:stCondLst>
+                                  <p:childTnLst>
+                                    <p:animClr clrSpc="hsl" dir="cw">
+                                      <p:cBhvr override="childStyle">
+                                        <p:cTn id="193" dur="500" fill="hold"/>
+                                        <p:tgtEl>
+                                          <p:spTgt spid="21"/>
+                                        </p:tgtEl>
+                                        <p:attrNameLst>
+                                          <p:attrName>style.color</p:attrName>
+                                        </p:attrNameLst>
+                                      </p:cBhvr>
+                                      <p:by>
+                                        <p:hsl h="0" s="-12549" l="-25098"/>
+                                      </p:by>
+                                    </p:animClr>
+                                    <p:animClr clrSpc="hsl" dir="cw">
+                                      <p:cBhvr>
+                                        <p:cTn id="194" dur="500" fill="hold"/>
+                                        <p:tgtEl>
+                                          <p:spTgt spid="21"/>
+                                        </p:tgtEl>
+                                        <p:attrNameLst>
+                                          <p:attrName>fillcolor</p:attrName>
+                                        </p:attrNameLst>
+                                      </p:cBhvr>
+                                      <p:by>
+                                        <p:hsl h="0" s="-12549" l="-25098"/>
+                                      </p:by>
+                                    </p:animClr>
+                                    <p:animClr clrSpc="hsl" dir="cw">
+                                      <p:cBhvr>
+                                        <p:cTn id="195" dur="500" fill="hold"/>
+                                        <p:tgtEl>
+                                          <p:spTgt spid="21"/>
+                                        </p:tgtEl>
+                                        <p:attrNameLst>
+                                          <p:attrName>stroke.color</p:attrName>
+                                        </p:attrNameLst>
+                                      </p:cBhvr>
+                                      <p:by>
+                                        <p:hsl h="0" s="-12549" l="-25098"/>
+                                      </p:by>
+                                    </p:animClr>
+                                    <p:set>
+                                      <p:cBhvr>
+                                        <p:cTn id="196" dur="500" fill="hold"/>
+                                        <p:tgtEl>
+                                          <p:spTgt spid="21"/>
+                                        </p:tgtEl>
+                                        <p:attrNameLst>
+                                          <p:attrName>fill.type</p:attrName>
+                                        </p:attrNameLst>
+                                      </p:cBhvr>
+                                      <p:to>
+                                        <p:strVal val="solid"/>
+                                      </p:to>
+                                    </p:set>
+                                  </p:childTnLst>
+                                </p:cTn>
+                              </p:par>
+                              <p:par>
+                                <p:cTn id="197" presetID="24" presetClass="emph" presetSubtype="0" fill="hold" grpId="2" nodeType="withEffect">
+                                  <p:stCondLst>
+                                    <p:cond delay="0"/>
+                                  </p:stCondLst>
+                                  <p:childTnLst>
+                                    <p:animClr clrSpc="hsl" dir="cw">
+                                      <p:cBhvr override="childStyle">
+                                        <p:cTn id="198" dur="500" fill="hold"/>
+                                        <p:tgtEl>
+                                          <p:spTgt spid="22"/>
+                                        </p:tgtEl>
+                                        <p:attrNameLst>
+                                          <p:attrName>style.color</p:attrName>
+                                        </p:attrNameLst>
+                                      </p:cBhvr>
+                                      <p:by>
+                                        <p:hsl h="0" s="-12549" l="-25098"/>
+                                      </p:by>
+                                    </p:animClr>
+                                    <p:animClr clrSpc="hsl" dir="cw">
+                                      <p:cBhvr>
+                                        <p:cTn id="199" dur="500" fill="hold"/>
+                                        <p:tgtEl>
+                                          <p:spTgt spid="22"/>
+                                        </p:tgtEl>
+                                        <p:attrNameLst>
+                                          <p:attrName>fillcolor</p:attrName>
+                                        </p:attrNameLst>
+                                      </p:cBhvr>
+                                      <p:by>
+                                        <p:hsl h="0" s="-12549" l="-25098"/>
+                                      </p:by>
+                                    </p:animClr>
+                                    <p:animClr clrSpc="hsl" dir="cw">
+                                      <p:cBhvr>
+                                        <p:cTn id="200" dur="500" fill="hold"/>
+                                        <p:tgtEl>
+                                          <p:spTgt spid="22"/>
+                                        </p:tgtEl>
+                                        <p:attrNameLst>
+                                          <p:attrName>stroke.color</p:attrName>
+                                        </p:attrNameLst>
+                                      </p:cBhvr>
+                                      <p:by>
+                                        <p:hsl h="0" s="-12549" l="-25098"/>
+                                      </p:by>
+                                    </p:animClr>
+                                    <p:set>
+                                      <p:cBhvr>
+                                        <p:cTn id="201" dur="500" fill="hold"/>
+                                        <p:tgtEl>
+                                          <p:spTgt spid="22"/>
+                                        </p:tgtEl>
+                                        <p:attrNameLst>
+                                          <p:attrName>fill.type</p:attrName>
+                                        </p:attrNameLst>
+                                      </p:cBhvr>
+                                      <p:to>
+                                        <p:strVal val="solid"/>
+                                      </p:to>
+                                    </p:set>
+                                  </p:childTnLst>
+                                </p:cTn>
+                              </p:par>
+                              <p:par>
+                                <p:cTn id="202" presetID="24" presetClass="emph" presetSubtype="0" fill="hold" grpId="2" nodeType="withEffect">
+                                  <p:stCondLst>
+                                    <p:cond delay="0"/>
+                                  </p:stCondLst>
+                                  <p:childTnLst>
+                                    <p:animClr clrSpc="hsl" dir="cw">
+                                      <p:cBhvr override="childStyle">
+                                        <p:cTn id="203" dur="500" fill="hold"/>
+                                        <p:tgtEl>
+                                          <p:spTgt spid="23"/>
+                                        </p:tgtEl>
+                                        <p:attrNameLst>
+                                          <p:attrName>style.color</p:attrName>
+                                        </p:attrNameLst>
+                                      </p:cBhvr>
+                                      <p:by>
+                                        <p:hsl h="0" s="-12549" l="-25098"/>
+                                      </p:by>
+                                    </p:animClr>
+                                    <p:animClr clrSpc="hsl" dir="cw">
+                                      <p:cBhvr>
+                                        <p:cTn id="204" dur="500" fill="hold"/>
+                                        <p:tgtEl>
+                                          <p:spTgt spid="23"/>
+                                        </p:tgtEl>
+                                        <p:attrNameLst>
+                                          <p:attrName>fillcolor</p:attrName>
+                                        </p:attrNameLst>
+                                      </p:cBhvr>
+                                      <p:by>
+                                        <p:hsl h="0" s="-12549" l="-25098"/>
+                                      </p:by>
+                                    </p:animClr>
+                                    <p:animClr clrSpc="hsl" dir="cw">
+                                      <p:cBhvr>
+                                        <p:cTn id="205" dur="500" fill="hold"/>
+                                        <p:tgtEl>
+                                          <p:spTgt spid="23"/>
+                                        </p:tgtEl>
+                                        <p:attrNameLst>
+                                          <p:attrName>stroke.color</p:attrName>
+                                        </p:attrNameLst>
+                                      </p:cBhvr>
+                                      <p:by>
+                                        <p:hsl h="0" s="-12549" l="-25098"/>
+                                      </p:by>
+                                    </p:animClr>
+                                    <p:set>
+                                      <p:cBhvr>
+                                        <p:cTn id="206" dur="500" fill="hold"/>
+                                        <p:tgtEl>
+                                          <p:spTgt spid="23"/>
+                                        </p:tgtEl>
+                                        <p:attrNameLst>
+                                          <p:attrName>fill.type</p:attrName>
+                                        </p:attrNameLst>
+                                      </p:cBhvr>
+                                      <p:to>
+                                        <p:strVal val="solid"/>
+                                      </p:to>
+                                    </p:set>
+                                  </p:childTnLst>
+                                </p:cTn>
+                              </p:par>
+                              <p:par>
+                                <p:cTn id="207" presetID="24" presetClass="emph" presetSubtype="0" fill="hold" nodeType="withEffect">
+                                  <p:stCondLst>
+                                    <p:cond delay="0"/>
+                                  </p:stCondLst>
+                                  <p:childTnLst>
+                                    <p:animClr clrSpc="hsl" dir="cw">
+                                      <p:cBhvr override="childStyle">
+                                        <p:cTn id="208" dur="500" fill="hold"/>
+                                        <p:tgtEl>
+                                          <p:spTgt spid="26"/>
+                                        </p:tgtEl>
+                                        <p:attrNameLst>
+                                          <p:attrName>style.color</p:attrName>
+                                        </p:attrNameLst>
+                                      </p:cBhvr>
+                                      <p:by>
+                                        <p:hsl h="0" s="-12549" l="-25098"/>
+                                      </p:by>
+                                    </p:animClr>
+                                    <p:animClr clrSpc="hsl" dir="cw">
+                                      <p:cBhvr>
+                                        <p:cTn id="209" dur="500" fill="hold"/>
+                                        <p:tgtEl>
+                                          <p:spTgt spid="26"/>
+                                        </p:tgtEl>
+                                        <p:attrNameLst>
+                                          <p:attrName>fillcolor</p:attrName>
+                                        </p:attrNameLst>
+                                      </p:cBhvr>
+                                      <p:by>
+                                        <p:hsl h="0" s="-12549" l="-25098"/>
+                                      </p:by>
+                                    </p:animClr>
+                                    <p:animClr clrSpc="hsl" dir="cw">
+                                      <p:cBhvr>
+                                        <p:cTn id="210" dur="500" fill="hold"/>
+                                        <p:tgtEl>
+                                          <p:spTgt spid="26"/>
+                                        </p:tgtEl>
+                                        <p:attrNameLst>
+                                          <p:attrName>stroke.color</p:attrName>
+                                        </p:attrNameLst>
+                                      </p:cBhvr>
+                                      <p:by>
+                                        <p:hsl h="0" s="-12549" l="-25098"/>
+                                      </p:by>
+                                    </p:animClr>
+                                    <p:set>
+                                      <p:cBhvr>
+                                        <p:cTn id="211" dur="500" fill="hold"/>
+                                        <p:tgtEl>
+                                          <p:spTgt spid="26"/>
+                                        </p:tgtEl>
+                                        <p:attrNameLst>
+                                          <p:attrName>fill.type</p:attrName>
+                                        </p:attrNameLst>
+                                      </p:cBhvr>
+                                      <p:to>
+                                        <p:strVal val="solid"/>
+                                      </p:to>
+                                    </p:set>
+                                  </p:childTnLst>
+                                </p:cTn>
+                              </p:par>
+                              <p:par>
+                                <p:cTn id="212" presetID="24" presetClass="emph" presetSubtype="0" fill="hold" nodeType="withEffect">
+                                  <p:stCondLst>
+                                    <p:cond delay="0"/>
+                                  </p:stCondLst>
+                                  <p:childTnLst>
+                                    <p:animClr clrSpc="hsl" dir="cw">
+                                      <p:cBhvr override="childStyle">
+                                        <p:cTn id="213" dur="500" fill="hold"/>
+                                        <p:tgtEl>
+                                          <p:spTgt spid="28"/>
+                                        </p:tgtEl>
+                                        <p:attrNameLst>
+                                          <p:attrName>style.color</p:attrName>
+                                        </p:attrNameLst>
+                                      </p:cBhvr>
+                                      <p:by>
+                                        <p:hsl h="0" s="-12549" l="-25098"/>
+                                      </p:by>
+                                    </p:animClr>
+                                    <p:animClr clrSpc="hsl" dir="cw">
+                                      <p:cBhvr>
+                                        <p:cTn id="214" dur="500" fill="hold"/>
+                                        <p:tgtEl>
+                                          <p:spTgt spid="28"/>
+                                        </p:tgtEl>
+                                        <p:attrNameLst>
+                                          <p:attrName>fillcolor</p:attrName>
+                                        </p:attrNameLst>
+                                      </p:cBhvr>
+                                      <p:by>
+                                        <p:hsl h="0" s="-12549" l="-25098"/>
+                                      </p:by>
+                                    </p:animClr>
+                                    <p:animClr clrSpc="hsl" dir="cw">
+                                      <p:cBhvr>
+                                        <p:cTn id="215" dur="500" fill="hold"/>
+                                        <p:tgtEl>
+                                          <p:spTgt spid="28"/>
+                                        </p:tgtEl>
+                                        <p:attrNameLst>
+                                          <p:attrName>stroke.color</p:attrName>
+                                        </p:attrNameLst>
+                                      </p:cBhvr>
+                                      <p:by>
+                                        <p:hsl h="0" s="-12549" l="-25098"/>
+                                      </p:by>
+                                    </p:animClr>
+                                    <p:set>
+                                      <p:cBhvr>
+                                        <p:cTn id="216" dur="500" fill="hold"/>
+                                        <p:tgtEl>
+                                          <p:spTgt spid="28"/>
+                                        </p:tgtEl>
+                                        <p:attrNameLst>
+                                          <p:attrName>fill.type</p:attrName>
+                                        </p:attrNameLst>
+                                      </p:cBhvr>
+                                      <p:to>
+                                        <p:strVal val="solid"/>
+                                      </p:to>
+                                    </p:set>
+                                  </p:childTnLst>
+                                </p:cTn>
+                              </p:par>
+                              <p:par>
+                                <p:cTn id="217" presetID="24" presetClass="emph" presetSubtype="0" fill="hold" nodeType="withEffect">
+                                  <p:stCondLst>
+                                    <p:cond delay="0"/>
+                                  </p:stCondLst>
+                                  <p:childTnLst>
+                                    <p:animClr clrSpc="hsl" dir="cw">
+                                      <p:cBhvr override="childStyle">
+                                        <p:cTn id="218" dur="500" fill="hold"/>
+                                        <p:tgtEl>
+                                          <p:spTgt spid="30"/>
+                                        </p:tgtEl>
+                                        <p:attrNameLst>
+                                          <p:attrName>style.color</p:attrName>
+                                        </p:attrNameLst>
+                                      </p:cBhvr>
+                                      <p:by>
+                                        <p:hsl h="0" s="-12549" l="-25098"/>
+                                      </p:by>
+                                    </p:animClr>
+                                    <p:animClr clrSpc="hsl" dir="cw">
+                                      <p:cBhvr>
+                                        <p:cTn id="219" dur="500" fill="hold"/>
+                                        <p:tgtEl>
+                                          <p:spTgt spid="30"/>
+                                        </p:tgtEl>
+                                        <p:attrNameLst>
+                                          <p:attrName>fillcolor</p:attrName>
+                                        </p:attrNameLst>
+                                      </p:cBhvr>
+                                      <p:by>
+                                        <p:hsl h="0" s="-12549" l="-25098"/>
+                                      </p:by>
+                                    </p:animClr>
+                                    <p:animClr clrSpc="hsl" dir="cw">
+                                      <p:cBhvr>
+                                        <p:cTn id="220" dur="500" fill="hold"/>
+                                        <p:tgtEl>
+                                          <p:spTgt spid="30"/>
+                                        </p:tgtEl>
+                                        <p:attrNameLst>
+                                          <p:attrName>stroke.color</p:attrName>
+                                        </p:attrNameLst>
+                                      </p:cBhvr>
+                                      <p:by>
+                                        <p:hsl h="0" s="-12549" l="-25098"/>
+                                      </p:by>
+                                    </p:animClr>
+                                    <p:set>
+                                      <p:cBhvr>
+                                        <p:cTn id="221" dur="500" fill="hold"/>
+                                        <p:tgtEl>
+                                          <p:spTgt spid="30"/>
+                                        </p:tgtEl>
+                                        <p:attrNameLst>
+                                          <p:attrName>fill.type</p:attrName>
+                                        </p:attrNameLst>
+                                      </p:cBhvr>
+                                      <p:to>
+                                        <p:strVal val="solid"/>
+                                      </p:to>
+                                    </p:set>
+                                  </p:childTnLst>
+                                </p:cTn>
+                              </p:par>
+                              <p:par>
+                                <p:cTn id="222" presetID="24" presetClass="emph" presetSubtype="0" fill="hold" nodeType="withEffect">
+                                  <p:stCondLst>
+                                    <p:cond delay="0"/>
+                                  </p:stCondLst>
+                                  <p:childTnLst>
+                                    <p:animClr clrSpc="hsl" dir="cw">
+                                      <p:cBhvr override="childStyle">
+                                        <p:cTn id="223" dur="500" fill="hold"/>
+                                        <p:tgtEl>
+                                          <p:spTgt spid="35"/>
+                                        </p:tgtEl>
+                                        <p:attrNameLst>
+                                          <p:attrName>style.color</p:attrName>
+                                        </p:attrNameLst>
+                                      </p:cBhvr>
+                                      <p:by>
+                                        <p:hsl h="0" s="-12549" l="-25098"/>
+                                      </p:by>
+                                    </p:animClr>
+                                    <p:animClr clrSpc="hsl" dir="cw">
+                                      <p:cBhvr>
+                                        <p:cTn id="224" dur="500" fill="hold"/>
+                                        <p:tgtEl>
+                                          <p:spTgt spid="35"/>
+                                        </p:tgtEl>
+                                        <p:attrNameLst>
+                                          <p:attrName>fillcolor</p:attrName>
+                                        </p:attrNameLst>
+                                      </p:cBhvr>
+                                      <p:by>
+                                        <p:hsl h="0" s="-12549" l="-25098"/>
+                                      </p:by>
+                                    </p:animClr>
+                                    <p:animClr clrSpc="hsl" dir="cw">
+                                      <p:cBhvr>
+                                        <p:cTn id="225" dur="500" fill="hold"/>
+                                        <p:tgtEl>
+                                          <p:spTgt spid="35"/>
+                                        </p:tgtEl>
+                                        <p:attrNameLst>
+                                          <p:attrName>stroke.color</p:attrName>
+                                        </p:attrNameLst>
+                                      </p:cBhvr>
+                                      <p:by>
+                                        <p:hsl h="0" s="-12549" l="-25098"/>
+                                      </p:by>
+                                    </p:animClr>
+                                    <p:set>
+                                      <p:cBhvr>
+                                        <p:cTn id="226" dur="500" fill="hold"/>
+                                        <p:tgtEl>
+                                          <p:spTgt spid="35"/>
+                                        </p:tgtEl>
+                                        <p:attrNameLst>
+                                          <p:attrName>fill.type</p:attrName>
+                                        </p:attrNameLst>
+                                      </p:cBhvr>
+                                      <p:to>
+                                        <p:strVal val="solid"/>
+                                      </p:to>
+                                    </p:set>
+                                  </p:childTnLst>
+                                </p:cTn>
+                              </p:par>
+                              <p:par>
+                                <p:cTn id="227" presetID="24" presetClass="emph" presetSubtype="0" fill="hold" nodeType="withEffect">
+                                  <p:stCondLst>
+                                    <p:cond delay="0"/>
+                                  </p:stCondLst>
+                                  <p:childTnLst>
+                                    <p:animClr clrSpc="hsl" dir="cw">
+                                      <p:cBhvr override="childStyle">
+                                        <p:cTn id="228" dur="500" fill="hold"/>
+                                        <p:tgtEl>
+                                          <p:spTgt spid="37"/>
+                                        </p:tgtEl>
+                                        <p:attrNameLst>
+                                          <p:attrName>style.color</p:attrName>
+                                        </p:attrNameLst>
+                                      </p:cBhvr>
+                                      <p:by>
+                                        <p:hsl h="0" s="-12549" l="-25098"/>
+                                      </p:by>
+                                    </p:animClr>
+                                    <p:animClr clrSpc="hsl" dir="cw">
+                                      <p:cBhvr>
+                                        <p:cTn id="229" dur="500" fill="hold"/>
+                                        <p:tgtEl>
+                                          <p:spTgt spid="37"/>
+                                        </p:tgtEl>
+                                        <p:attrNameLst>
+                                          <p:attrName>fillcolor</p:attrName>
+                                        </p:attrNameLst>
+                                      </p:cBhvr>
+                                      <p:by>
+                                        <p:hsl h="0" s="-12549" l="-25098"/>
+                                      </p:by>
+                                    </p:animClr>
+                                    <p:animClr clrSpc="hsl" dir="cw">
+                                      <p:cBhvr>
+                                        <p:cTn id="230" dur="500" fill="hold"/>
+                                        <p:tgtEl>
+                                          <p:spTgt spid="37"/>
+                                        </p:tgtEl>
+                                        <p:attrNameLst>
+                                          <p:attrName>stroke.color</p:attrName>
+                                        </p:attrNameLst>
+                                      </p:cBhvr>
+                                      <p:by>
+                                        <p:hsl h="0" s="-12549" l="-25098"/>
+                                      </p:by>
+                                    </p:animClr>
+                                    <p:set>
+                                      <p:cBhvr>
+                                        <p:cTn id="231" dur="500" fill="hold"/>
+                                        <p:tgtEl>
+                                          <p:spTgt spid="37"/>
+                                        </p:tgtEl>
+                                        <p:attrNameLst>
+                                          <p:attrName>fill.type</p:attrName>
+                                        </p:attrNameLst>
+                                      </p:cBhvr>
+                                      <p:to>
+                                        <p:strVal val="solid"/>
+                                      </p:to>
+                                    </p:set>
+                                  </p:childTnLst>
+                                </p:cTn>
+                              </p:par>
+                            </p:childTnLst>
+                          </p:cTn>
+                        </p:par>
+                      </p:childTnLst>
+                    </p:cTn>
+                  </p:par>
+                </p:childTnLst>
+              </p:cTn>
+              <p:prevCondLst>
+                <p:cond evt="onPrev" delay="0">
+                  <p:tgtEl>
+                    <p:sldTgt/>
+                  </p:tgtEl>
+                </p:cond>
+              </p:prevCondLst>
+              <p:nextCondLst>
+                <p:cond evt="onNext" delay="0">
+                  <p:tgtEl>
+                    <p:sldTgt/>
+                  </p:tgtEl>
+                </p:cond>
+              </p:nextCondLst>
+            </p:seq>
+          </p:childTnLst>
+        </p:cTn>
+      </p:par>
+    </p:tnLst>
+    <p:bldLst>
+      <p:bldP spid="2" grpId="0" animBg="1"/>
+      <p:bldP spid="5" grpId="0" animBg="1"/>
+      <p:bldP spid="6" grpId="0" animBg="1"/>
+      <p:bldP spid="6" grpId="1" animBg="1"/>
+      <p:bldP spid="6" grpId="2" animBg="1"/>
+      <p:bldP spid="7" grpId="0" animBg="1"/>
+      <p:bldP spid="8" grpId="0" animBg="1"/>
+      <p:bldP spid="9" grpId="0" animBg="1"/>
+      <p:bldP spid="9" grpId="1" animBg="1"/>
+      <p:bldP spid="9" grpId="2" animBg="1"/>
+      <p:bldP spid="19" grpId="0" animBg="1"/>
+      <p:bldP spid="19" grpId="1" animBg="1"/>
+      <p:bldP spid="19" grpId="2" animBg="1"/>
+      <p:bldP spid="20" grpId="0" animBg="1"/>
+      <p:bldP spid="20" grpId="1" animBg="1"/>
+      <p:bldP spid="20" grpId="2" animBg="1"/>
+      <p:bldP spid="21" grpId="0" animBg="1"/>
+      <p:bldP spid="21" grpId="1" animBg="1"/>
+      <p:bldP spid="21" grpId="2" animBg="1"/>
+      <p:bldP spid="22" grpId="0" animBg="1"/>
+      <p:bldP spid="22" grpId="1" animBg="1"/>
+      <p:bldP spid="22" grpId="2" animBg="1"/>
+      <p:bldP spid="23" grpId="0" animBg="1"/>
+      <p:bldP spid="23" grpId="1" animBg="1"/>
+      <p:bldP spid="23" grpId="2" animBg="1"/>
+      <p:bldP spid="24" grpId="0" animBg="1"/>
+    </p:bldLst>
+  </p:timing>
+</p:sld>
+</file>
+
+<file path=ppt/slides/slide6.xml><?xml version="1.0" encoding="utf-8"?>
+<p:sld xmlns:a="http://schemas.openxmlformats.org/drawingml/2006/main" xmlns:r="http://schemas.openxmlformats.org/officeDocument/2006/relationships" xmlns:p="http://schemas.openxmlformats.org/presentationml/2006/main">
+  <p:cSld>
+    <p:bg>
+      <p:bgPr>
+        <a:solidFill>
+          <a:srgbClr val="33429A"/>
+        </a:solidFill>
+        <a:effectLst/>
+      </p:bgPr>
+    </p:bg>
+    <p:spTree>
+      <p:nvGrpSpPr>
+        <p:cNvPr id="1" name=""/>
+        <p:cNvGrpSpPr/>
+        <p:nvPr/>
+      </p:nvGrpSpPr>
+      <p:grpSpPr>
+        <a:xfrm>
+          <a:off x="0" y="0"/>
+          <a:ext cx="0" cy="0"/>
+          <a:chOff x="0" y="0"/>
+          <a:chExt cx="0" cy="0"/>
+        </a:xfrm>
+      </p:grpSpPr>
+      <p:pic>
+        <p:nvPicPr>
+          <p:cNvPr id="25" name="Picture 24"/>
+          <p:cNvPicPr>
+            <a:picLocks noChangeAspect="1"/>
+          </p:cNvPicPr>
+          <p:nvPr/>
+        </p:nvPicPr>
+        <p:blipFill>
+          <a:blip r:embed="rId2">
+            <a:extLst>
+              <a:ext uri="{28A0092B-C50C-407E-A947-70E740481C1C}">
+                <a14:useLocalDpi xmlns:a14="http://schemas.microsoft.com/office/drawing/2010/main" val="0"/>
+              </a:ext>
+            </a:extLst>
+          </a:blip>
+          <a:stretch>
+            <a:fillRect/>
+          </a:stretch>
+        </p:blipFill>
+        <p:spPr>
+          <a:xfrm>
+            <a:off x="4705348" y="32955"/>
+            <a:ext cx="2781304" cy="1454664"/>
+          </a:xfrm>
+          <a:prstGeom prst="rect">
+            <a:avLst/>
+          </a:prstGeom>
+        </p:spPr>
+      </p:pic>
       <p:pic>
         <p:nvPicPr>
           <p:cNvPr id="4" name="Picture 3"/>
@@ -5390,7 +10802,7 @@
 </p:sld>
 </file>
 
-<file path=ppt/slides/slide6.xml><?xml version="1.0" encoding="utf-8"?>
+<file path=ppt/slides/slide7.xml><?xml version="1.0" encoding="utf-8"?>
 <p:sld xmlns:a="http://schemas.openxmlformats.org/drawingml/2006/main" xmlns:r="http://schemas.openxmlformats.org/officeDocument/2006/relationships" xmlns:p="http://schemas.openxmlformats.org/presentationml/2006/main">
   <p:cSld>
     <p:bg>
@@ -5485,13 +10897,22 @@
   <p:clrMapOvr>
     <a:masterClrMapping/>
   </p:clrMapOvr>
-  <p:transition spd="slow">
-    <p:push/>
-  </p:transition>
+  <mc:AlternateContent xmlns:mc="http://schemas.openxmlformats.org/markup-compatibility/2006" xmlns:p14="http://schemas.microsoft.com/office/powerpoint/2010/main">
+    <mc:Choice Requires="p14">
+      <p:transition p14:dur="250">
+        <p:push/>
+      </p:transition>
+    </mc:Choice>
+    <mc:Fallback xmlns="">
+      <p:transition>
+        <p:push/>
+      </p:transition>
+    </mc:Fallback>
+  </mc:AlternateContent>
 </p:sld>
 </file>
 
-<file path=ppt/slides/slide7.xml><?xml version="1.0" encoding="utf-8"?>
+<file path=ppt/slides/slide8.xml><?xml version="1.0" encoding="utf-8"?>
 <p:sld xmlns:a="http://schemas.openxmlformats.org/drawingml/2006/main" xmlns:r="http://schemas.openxmlformats.org/officeDocument/2006/relationships" xmlns:p="http://schemas.openxmlformats.org/presentationml/2006/main">
   <p:cSld>
     <p:bg>
@@ -5586,13 +11007,22 @@
   <p:clrMapOvr>
     <a:masterClrMapping/>
   </p:clrMapOvr>
-  <p:transition spd="slow">
-    <p:push/>
-  </p:transition>
+  <mc:AlternateContent xmlns:mc="http://schemas.openxmlformats.org/markup-compatibility/2006" xmlns:p14="http://schemas.microsoft.com/office/powerpoint/2010/main">
+    <mc:Choice Requires="p14">
+      <p:transition p14:dur="250">
+        <p:push/>
+      </p:transition>
+    </mc:Choice>
+    <mc:Fallback xmlns="">
+      <p:transition>
+        <p:push/>
+      </p:transition>
+    </mc:Fallback>
+  </mc:AlternateContent>
 </p:sld>
 </file>
 
-<file path=ppt/slides/slide8.xml><?xml version="1.0" encoding="utf-8"?>
+<file path=ppt/slides/slide9.xml><?xml version="1.0" encoding="utf-8"?>
 <p:sld xmlns:a="http://schemas.openxmlformats.org/drawingml/2006/main" xmlns:r="http://schemas.openxmlformats.org/officeDocument/2006/relationships" xmlns:p="http://schemas.openxmlformats.org/presentationml/2006/main">
   <p:cSld>
     <p:bg>
@@ -5769,110 +11199,18 @@
   <p:clrMapOvr>
     <a:masterClrMapping/>
   </p:clrMapOvr>
-  <p:transition spd="slow">
-    <p:push/>
-  </p:transition>
-</p:sld>
-</file>
-
-<file path=ppt/slides/slide9.xml><?xml version="1.0" encoding="utf-8"?>
-<p:sld xmlns:a="http://schemas.openxmlformats.org/drawingml/2006/main" xmlns:r="http://schemas.openxmlformats.org/officeDocument/2006/relationships" xmlns:p="http://schemas.openxmlformats.org/presentationml/2006/main">
-  <p:cSld>
-    <p:bg>
-      <p:bgPr>
-        <a:solidFill>
-          <a:srgbClr val="33429A"/>
-        </a:solidFill>
-        <a:effectLst/>
-      </p:bgPr>
-    </p:bg>
-    <p:spTree>
-      <p:nvGrpSpPr>
-        <p:cNvPr id="1" name=""/>
-        <p:cNvGrpSpPr/>
-        <p:nvPr/>
-      </p:nvGrpSpPr>
-      <p:grpSpPr>
-        <a:xfrm>
-          <a:off x="0" y="0"/>
-          <a:ext cx="0" cy="0"/>
-          <a:chOff x="0" y="0"/>
-          <a:chExt cx="0" cy="0"/>
-        </a:xfrm>
-      </p:grpSpPr>
-      <p:pic>
-        <p:nvPicPr>
-          <p:cNvPr id="25" name="Picture 24"/>
-          <p:cNvPicPr>
-            <a:picLocks noChangeAspect="1"/>
-          </p:cNvPicPr>
-          <p:nvPr/>
-        </p:nvPicPr>
-        <p:blipFill>
-          <a:blip r:embed="rId2">
-            <a:extLst>
-              <a:ext uri="{28A0092B-C50C-407E-A947-70E740481C1C}">
-                <a14:useLocalDpi xmlns:a14="http://schemas.microsoft.com/office/drawing/2010/main" val="0"/>
-              </a:ext>
-            </a:extLst>
-          </a:blip>
-          <a:stretch>
-            <a:fillRect/>
-          </a:stretch>
-        </p:blipFill>
-        <p:spPr>
-          <a:xfrm>
-            <a:off x="4705348" y="32955"/>
-            <a:ext cx="2781304" cy="1454664"/>
-          </a:xfrm>
-          <a:prstGeom prst="rect">
-            <a:avLst/>
-          </a:prstGeom>
-        </p:spPr>
-      </p:pic>
-      <p:pic>
-        <p:nvPicPr>
-          <p:cNvPr id="4" name="Picture 3"/>
-          <p:cNvPicPr>
-            <a:picLocks noChangeAspect="1"/>
-          </p:cNvPicPr>
-          <p:nvPr/>
-        </p:nvPicPr>
-        <p:blipFill>
-          <a:blip r:embed="rId3">
-            <a:extLst>
-              <a:ext uri="{28A0092B-C50C-407E-A947-70E740481C1C}">
-                <a14:useLocalDpi xmlns:a14="http://schemas.microsoft.com/office/drawing/2010/main" val="0"/>
-              </a:ext>
-            </a:extLst>
-          </a:blip>
-          <a:stretch>
-            <a:fillRect/>
-          </a:stretch>
-        </p:blipFill>
-        <p:spPr>
-          <a:xfrm>
-            <a:off x="558800" y="-1374588"/>
-            <a:ext cx="11074400" cy="14331576"/>
-          </a:xfrm>
-          <a:prstGeom prst="rect">
-            <a:avLst/>
-          </a:prstGeom>
-        </p:spPr>
-      </p:pic>
-    </p:spTree>
-    <p:extLst>
-      <p:ext uri="{BB962C8B-B14F-4D97-AF65-F5344CB8AC3E}">
-        <p14:creationId xmlns:p14="http://schemas.microsoft.com/office/powerpoint/2010/main" val="3324432319"/>
-      </p:ext>
-    </p:extLst>
-  </p:cSld>
-  <p:clrMapOvr>
-    <a:masterClrMapping/>
-  </p:clrMapOvr>
-  <p:transition spd="slow">
-    <p:push/>
-  </p:transition>
+  <mc:AlternateContent xmlns:mc="http://schemas.openxmlformats.org/markup-compatibility/2006" xmlns:p14="http://schemas.microsoft.com/office/powerpoint/2010/main">
+    <mc:Choice Requires="p14">
+      <p:transition p14:dur="250">
+        <p:push/>
+      </p:transition>
+    </mc:Choice>
+    <mc:Fallback xmlns="">
+      <p:transition>
+        <p:push/>
+      </p:transition>
+    </mc:Fallback>
+  </mc:AlternateContent>
 </p:sld>
 </file>
 
